--- a/slides/08貿易政策_基礎編.pptx
+++ b/slides/08貿易政策_基礎編.pptx
@@ -228,62 +228,6 @@
           <inkml:channelProperty channel="Y" name="resolution" value="1000" units="1/cm"/>
         </inkml:channelProperties>
       </inkml:inkSource>
-      <inkml:timestamp xml:id="ts0" timeString="2024-05-28T07:03:18.677"/>
-    </inkml:context>
-    <inkml:brush xml:id="br0">
-      <inkml:brushProperty name="width" value="0.2" units="cm"/>
-      <inkml:brushProperty name="height" value="0.4" units="cm"/>
-      <inkml:brushProperty name="color" value="#FFFC00"/>
-      <inkml:brushProperty name="tip" value="rectangle"/>
-      <inkml:brushProperty name="rasterOp" value="maskPen"/>
-    </inkml:brush>
-  </inkml:definitions>
-  <inkml:trace contextRef="#ctx0" brushRef="#br0">1 227,'86'0,"13"0,-45 0,1 0,5 0,1 0,2 0,-1 0,-1 0,-1 0,0 0,-1 0,-5 0,0 0,-3 1,0-2,38-1,-15-1,-9-2,-11-1,-4 3,-1 1,0-1,0 0,-2 0,-3 0,-2 2,0-2,6 0,5 0,7 2,5 1,3 0,4 0,2 0,3 0,-1 0,1 0,0 0,2 0,2 0,1-2,-1-2,-3 1,-1 0,-4 1,-4-1,-6-1,-5-1,1 0,-1-1,2-3,0-2,0-2,-3-2,-3 3,-6 2,-3 1,0 0,3-1,2 1,2 1,1 0,-4 2,0 0,-4 1,0 2,-1 0,-2 3,0 0,0 0,-3 0,-6 0,-8 0,-10 0,-3 0,-15 17,-1-9,-9 15,-5-8,-16 15,-19 17,-19 17,29-27,-2 1,-1 0,-1 0,1-1,1-1,1-2,0 0,3-4,1-2,-35 25,6-3,7-6,5 0,6-3,4-3,4-1,3 0,-4 3,-3 4,-6 6,0 0,0-1,-1-3,0 2,-3 3,-4 7,-10 9,33-31,0 1,-5 4,-1 0,-3 3,-1 0,-2 2,-1 0,1 0,-1 1,1-1,1 1,0-2,2 0,2-3,0-1,1-1,0 0,3-3,1-1,1-2,1-2,-34 28,7-8,2-2,1-4,0-1,0-1,2-4,1 1,3-2,0 3,0 4,-1 3,1 2,2 3,3-3,0 2,3 1,-3 0,0-1,-3 0,0 0,3-5,1-2,6-6,4-5,4-1,2-1,2-1,3-3,7-4,7-6,7-8,1-2,-9 6,-12 11,-6 8,2-1,11-12,13-13,5-7</inkml:trace>
-</inkml:ink>
-</file>
-
-<file path=ppt/ink/ink101.xml><?xml version="1.0" encoding="utf-8"?>
-<inkml:ink xmlns:inkml="http://www.w3.org/2003/InkML">
-  <inkml:definitions>
-    <inkml:context xml:id="ctx0">
-      <inkml:inkSource xml:id="inkSrc0">
-        <inkml:traceFormat>
-          <inkml:channel name="X" type="integer" min="-2.14748E9" max="2.14748E9" units="cm"/>
-          <inkml:channel name="Y" type="integer" min="-2.14748E9" max="2.14748E9" units="cm"/>
-        </inkml:traceFormat>
-        <inkml:channelProperties>
-          <inkml:channelProperty channel="X" name="resolution" value="1000" units="1/cm"/>
-          <inkml:channelProperty channel="Y" name="resolution" value="1000" units="1/cm"/>
-        </inkml:channelProperties>
-      </inkml:inkSource>
-      <inkml:timestamp xml:id="ts0" timeString="2024-05-28T07:03:34.894"/>
-    </inkml:context>
-    <inkml:brush xml:id="br0">
-      <inkml:brushProperty name="width" value="0.2" units="cm"/>
-      <inkml:brushProperty name="height" value="0.4" units="cm"/>
-      <inkml:brushProperty name="color" value="#00FDFF"/>
-      <inkml:brushProperty name="tip" value="rectangle"/>
-      <inkml:brushProperty name="rasterOp" value="maskPen"/>
-    </inkml:brush>
-  </inkml:definitions>
-  <inkml:trace contextRef="#ctx0" brushRef="#br0">156 1,'0'78,"0"-26,0 4,0 10,0 5,0 13,0 3,0 5,0 2,0 1,0 0,0 4,0-1,0-5,0 0,0-1,0 0,0-7,0-1,0-8,0-2,0-9,0-4,0 30,0-30,0-18,0 2,0 14,0 19,-2 15,0-41,0 0,0 3,0 1,0 3,0 1,1 3,-1 1,-2 6,0 2,0 4,0 2,-1 5,-1 0,1 0,0 0,0-3,-1-2,-1-3,0-2,0-4,-1-1,1-3,-1-1,0-7,1-1,-6 40,3-27,4-24,4-14,2-3,0 10,0 14,0 14,0 6,3 0,3-3,6-4,2-4,0-9,-4-10,-2-14,-3-11,-1-5,3 2,3 10,6 13,4 12,4 4,-4-7,-5-12,-4-10,-5-10,-2-3,-2-2,4-2,5-4,6-1</inkml:trace>
-</inkml:ink>
-</file>
-
-<file path=ppt/ink/ink102.xml><?xml version="1.0" encoding="utf-8"?>
-<inkml:ink xmlns:inkml="http://www.w3.org/2003/InkML">
-  <inkml:definitions>
-    <inkml:context xml:id="ctx0">
-      <inkml:inkSource xml:id="inkSrc0">
-        <inkml:traceFormat>
-          <inkml:channel name="X" type="integer" min="-2.14748E9" max="2.14748E9" units="cm"/>
-          <inkml:channel name="Y" type="integer" min="-2.14748E9" max="2.14748E9" units="cm"/>
-        </inkml:traceFormat>
-        <inkml:channelProperties>
-          <inkml:channelProperty channel="X" name="resolution" value="1000" units="1/cm"/>
-          <inkml:channelProperty channel="Y" name="resolution" value="1000" units="1/cm"/>
-        </inkml:channelProperties>
-      </inkml:inkSource>
       <inkml:timestamp xml:id="ts0" timeString="2024-05-28T07:03:37.226"/>
     </inkml:context>
     <inkml:brush xml:id="br0">
@@ -298,7 +242,7 @@
 </inkml:ink>
 </file>
 
-<file path=ppt/ink/ink103.xml><?xml version="1.0" encoding="utf-8"?>
+<file path=ppt/ink/ink101.xml><?xml version="1.0" encoding="utf-8"?>
 <inkml:ink xmlns:inkml="http://www.w3.org/2003/InkML">
   <inkml:definitions>
     <inkml:context xml:id="ctx0">
@@ -326,7 +270,7 @@
 </inkml:ink>
 </file>
 
-<file path=ppt/ink/ink104.xml><?xml version="1.0" encoding="utf-8"?>
+<file path=ppt/ink/ink102.xml><?xml version="1.0" encoding="utf-8"?>
 <inkml:ink xmlns:inkml="http://www.w3.org/2003/InkML">
   <inkml:definitions>
     <inkml:context xml:id="ctx0">
@@ -354,7 +298,7 @@
 </inkml:ink>
 </file>
 
-<file path=ppt/ink/ink105.xml><?xml version="1.0" encoding="utf-8"?>
+<file path=ppt/ink/ink103.xml><?xml version="1.0" encoding="utf-8"?>
 <inkml:ink xmlns:inkml="http://www.w3.org/2003/InkML">
   <inkml:definitions>
     <inkml:context xml:id="ctx0">
@@ -382,7 +326,7 @@
 </inkml:ink>
 </file>
 
-<file path=ppt/ink/ink106.xml><?xml version="1.0" encoding="utf-8"?>
+<file path=ppt/ink/ink104.xml><?xml version="1.0" encoding="utf-8"?>
 <inkml:ink xmlns:inkml="http://www.w3.org/2003/InkML">
   <inkml:definitions>
     <inkml:context xml:id="ctx0">
@@ -410,7 +354,7 @@
 </inkml:ink>
 </file>
 
-<file path=ppt/ink/ink107.xml><?xml version="1.0" encoding="utf-8"?>
+<file path=ppt/ink/ink105.xml><?xml version="1.0" encoding="utf-8"?>
 <inkml:ink xmlns:inkml="http://www.w3.org/2003/InkML">
   <inkml:definitions>
     <inkml:context xml:id="ctx0">
@@ -438,7 +382,7 @@
 </inkml:ink>
 </file>
 
-<file path=ppt/ink/ink108.xml><?xml version="1.0" encoding="utf-8"?>
+<file path=ppt/ink/ink106.xml><?xml version="1.0" encoding="utf-8"?>
 <inkml:ink xmlns:inkml="http://www.w3.org/2003/InkML">
   <inkml:definitions>
     <inkml:context xml:id="ctx0">
@@ -466,7 +410,7 @@
 </inkml:ink>
 </file>
 
-<file path=ppt/ink/ink109.xml><?xml version="1.0" encoding="utf-8"?>
+<file path=ppt/ink/ink107.xml><?xml version="1.0" encoding="utf-8"?>
 <inkml:ink xmlns:inkml="http://www.w3.org/2003/InkML">
   <inkml:definitions>
     <inkml:context xml:id="ctx0">
@@ -491,6 +435,62 @@
     </inkml:brush>
   </inkml:definitions>
   <inkml:trace contextRef="#ctx0" brushRef="#br0">125 1 24575,'0'42'0,"0"5"0,0 19 0,0 16 0,0-33 0,0 2 0,0 7 0,0 1 0,0 4 0,0 1 0,0 2 0,0 1 0,0 0 0,0-1 0,0-2 0,-1-2 0,-1-5 0,0-2 0,0-4 0,0-1 0,-2 47 0,-2-7 0,0 0 0,-1-5 0,-2-3 0,1 0 0,2-2 0,-1 2 0,2-4 0,1-2 0,0-8 0,4-9 0,0-3 0,0-2 0,0 1 0,0 7 0,0 5 0,0 7 0,0 4 0,0 1 0,0 2 0,0-2 0,0 3 0,0-1 0,0 0 0,0 6 0,0 4 0,0 5 0,0-46 0,0 0 0,0 0 0,0 1 0,0-1 0,0 0 0,0 1 0,0-1 0,0 0 0,0 0 0,0 50 0,0-4 0,0-8 0,0-8 0,0-8 0,0-5 0,0-4 0,0 0 0,0 0 0,0 1 0,0 9 0,0 0 0,0 5 0,0 0 0,0-5 0,0-2 0,0-5 0,0-3 0,0 0 0,-1-5 0,-2-1 0,0-5 0,-1-9 0,-1-4 0,-1-2 0,-1-1 0,-1 4 0,2-5 0,2-6 0,2-8 0,2-9 0,0-6 0,0-4 0</inkml:trace>
+</inkml:ink>
+</file>
+
+<file path=ppt/ink/ink108.xml><?xml version="1.0" encoding="utf-8"?>
+<inkml:ink xmlns:inkml="http://www.w3.org/2003/InkML">
+  <inkml:definitions>
+    <inkml:context xml:id="ctx0">
+      <inkml:inkSource xml:id="inkSrc0">
+        <inkml:traceFormat>
+          <inkml:channel name="X" type="integer" min="-2.14748E9" max="2.14748E9" units="cm"/>
+          <inkml:channel name="Y" type="integer" min="-2.14748E9" max="2.14748E9" units="cm"/>
+          <inkml:channel name="F" type="integer" max="32767" units="dev"/>
+        </inkml:traceFormat>
+        <inkml:channelProperties>
+          <inkml:channelProperty channel="X" name="resolution" value="1000" units="1/cm"/>
+          <inkml:channelProperty channel="Y" name="resolution" value="1000" units="1/cm"/>
+          <inkml:channelProperty channel="F" name="resolution" value="0" units="1/dev"/>
+        </inkml:channelProperties>
+      </inkml:inkSource>
+      <inkml:timestamp xml:id="ts0" timeString="2023-11-21T05:17:36.053"/>
+    </inkml:context>
+    <inkml:brush xml:id="br0">
+      <inkml:brushProperty name="width" value="0.2" units="cm"/>
+      <inkml:brushProperty name="height" value="0.2" units="cm"/>
+      <inkml:brushProperty name="color" value="#66CC00"/>
+    </inkml:brush>
+  </inkml:definitions>
+  <inkml:trace contextRef="#ctx0" brushRef="#br0">1745 2010 24575,'-46'0'0,"-21"0"0,16 0 0,-4 0 0,-7 0 0,-2 0 0,-5 0 0,-2 0 0,-3 1 0,-1-2 0,3 1 0,1-1 0,-4-4 0,1-3 0,5-4 0,3-5 0,4-4 0,2-5 0,4-6 0,3-4 0,4-1 0,3-2 0,3-1 0,3-3 0,6 0 0,3-1 0,-19-40 0,9-6 0,23 43 0,1-2 0,1-3 0,1-1 0,2-4 0,1 0 0,4-1 0,1 0 0,2-1 0,2 0 0,0 0 0,2 2 0,1 3 0,0 2 0,0-43 0,0 18 0,5 12 0,9 5 0,15 4 0,22 0 0,24 2 0,-27 26 0,4 2 0,8 0 0,4 3 0,7 1 0,4 2-471,7 3 1,4 4 470,-19 6 0,3 2 0,0 2-445,6-1 1,1 2-1,2 1 445,3 0 0,1 2 0,0-1 0,-4 0 0,1 0 0,-2 0 0,-5 0 0,0 0 0,-1 0-233,-2 0 1,-1 1 0,-1 0 232,26 3 0,-2 1 0,-3 2 0,-2 3 0,-13 1 0,-3 1 0,-8 1 0,-2 1 0,-9 0 0,-2 0 843,34 18-843,-10 4 1345,-11 3-1345,-3 4 784,-4 0-784,-4 4 0,0 6 0,-2 2 0,-5 0 0,-7-2 0,-6-6 0,-5-1 0,-3 0 0,-1 1 0,-6 1 0,-2 2 0,-6-1 0,-4 0 0,-3 0 0,-2-3 0,-1 2 0,-7-1 0,-10 3 0,-12 0 0,-12-1 0,-4 1 0,-8-1 0,-6-1 0,-3 0 0,-8-2 0,-5 0 0,-7 2 0,38-25 0,-1 0 0,-4 0 0,-2 0 0,-3-1 0,-2-1 0,-1 0 0,-1 0 0,-3-1 0,-1-2 0,1-1 0,0-1 0,0 0 0,0-2 0,-1 0 0,0-2 0,6-1 0,1-2 0,-42 3-820,29-7 1,34-5 0,19 0 0</inkml:trace>
+</inkml:ink>
+</file>
+
+<file path=ppt/ink/ink109.xml><?xml version="1.0" encoding="utf-8"?>
+<inkml:ink xmlns:inkml="http://www.w3.org/2003/InkML">
+  <inkml:definitions>
+    <inkml:context xml:id="ctx0">
+      <inkml:inkSource xml:id="inkSrc0">
+        <inkml:traceFormat>
+          <inkml:channel name="X" type="integer" min="-2.14748E9" max="2.14748E9" units="cm"/>
+          <inkml:channel name="Y" type="integer" min="-2.14748E9" max="2.14748E9" units="cm"/>
+        </inkml:traceFormat>
+        <inkml:channelProperties>
+          <inkml:channelProperty channel="X" name="resolution" value="1000" units="1/cm"/>
+          <inkml:channelProperty channel="Y" name="resolution" value="1000" units="1/cm"/>
+        </inkml:channelProperties>
+      </inkml:inkSource>
+      <inkml:timestamp xml:id="ts0" timeString="2023-11-21T05:18:09.475"/>
+    </inkml:context>
+    <inkml:brush xml:id="br0">
+      <inkml:brushProperty name="width" value="0.4" units="cm"/>
+      <inkml:brushProperty name="height" value="0.8" units="cm"/>
+      <inkml:brushProperty name="color" value="#FF8517"/>
+      <inkml:brushProperty name="tip" value="rectangle"/>
+      <inkml:brushProperty name="rasterOp" value="maskPen"/>
+    </inkml:brush>
+  </inkml:definitions>
+  <inkml:trace contextRef="#ctx0" brushRef="#br0">0 47,'81'0,"0"0,1 0,2 0,3 0,1 0,4 0,3 0,4 0,0 0,-2 0,-3 0,-7 0,-1 0,-4 0,-1 0,-1 0,-1 0,-3 0,0 0,-2 0,-2 0,-6 0,-2 0,-8 0,-2 0,44 0,-20 0,-15 0,-11 0,-7 0,-4 0,-10 0,-7 0,-4 0,0 0,13 0,10 0,22 0,10 0,8 0,-4 0,-14 0,-17 0,-17 0,-10 0,-10-21,-2-5</inkml:trace>
 </inkml:ink>
 </file>
 
@@ -530,62 +530,6 @@
         <inkml:traceFormat>
           <inkml:channel name="X" type="integer" min="-2.14748E9" max="2.14748E9" units="cm"/>
           <inkml:channel name="Y" type="integer" min="-2.14748E9" max="2.14748E9" units="cm"/>
-          <inkml:channel name="F" type="integer" max="32767" units="dev"/>
-        </inkml:traceFormat>
-        <inkml:channelProperties>
-          <inkml:channelProperty channel="X" name="resolution" value="1000" units="1/cm"/>
-          <inkml:channelProperty channel="Y" name="resolution" value="1000" units="1/cm"/>
-          <inkml:channelProperty channel="F" name="resolution" value="0" units="1/dev"/>
-        </inkml:channelProperties>
-      </inkml:inkSource>
-      <inkml:timestamp xml:id="ts0" timeString="2023-11-21T05:17:36.053"/>
-    </inkml:context>
-    <inkml:brush xml:id="br0">
-      <inkml:brushProperty name="width" value="0.2" units="cm"/>
-      <inkml:brushProperty name="height" value="0.2" units="cm"/>
-      <inkml:brushProperty name="color" value="#66CC00"/>
-    </inkml:brush>
-  </inkml:definitions>
-  <inkml:trace contextRef="#ctx0" brushRef="#br0">1745 2010 24575,'-46'0'0,"-21"0"0,16 0 0,-4 0 0,-7 0 0,-2 0 0,-5 0 0,-2 0 0,-3 1 0,-1-2 0,3 1 0,1-1 0,-4-4 0,1-3 0,5-4 0,3-5 0,4-4 0,2-5 0,4-6 0,3-4 0,4-1 0,3-2 0,3-1 0,3-3 0,6 0 0,3-1 0,-19-40 0,9-6 0,23 43 0,1-2 0,1-3 0,1-1 0,2-4 0,1 0 0,4-1 0,1 0 0,2-1 0,2 0 0,0 0 0,2 2 0,1 3 0,0 2 0,0-43 0,0 18 0,5 12 0,9 5 0,15 4 0,22 0 0,24 2 0,-27 26 0,4 2 0,8 0 0,4 3 0,7 1 0,4 2-471,7 3 1,4 4 470,-19 6 0,3 2 0,0 2-445,6-1 1,1 2-1,2 1 445,3 0 0,1 2 0,0-1 0,-4 0 0,1 0 0,-2 0 0,-5 0 0,0 0 0,-1 0-233,-2 0 1,-1 1 0,-1 0 232,26 3 0,-2 1 0,-3 2 0,-2 3 0,-13 1 0,-3 1 0,-8 1 0,-2 1 0,-9 0 0,-2 0 843,34 18-843,-10 4 1345,-11 3-1345,-3 4 784,-4 0-784,-4 4 0,0 6 0,-2 2 0,-5 0 0,-7-2 0,-6-6 0,-5-1 0,-3 0 0,-1 1 0,-6 1 0,-2 2 0,-6-1 0,-4 0 0,-3 0 0,-2-3 0,-1 2 0,-7-1 0,-10 3 0,-12 0 0,-12-1 0,-4 1 0,-8-1 0,-6-1 0,-3 0 0,-8-2 0,-5 0 0,-7 2 0,38-25 0,-1 0 0,-4 0 0,-2 0 0,-3-1 0,-2-1 0,-1 0 0,-1 0 0,-3-1 0,-1-2 0,1-1 0,0-1 0,0 0 0,0-2 0,-1 0 0,0-2 0,6-1 0,1-2 0,-42 3-820,29-7 1,34-5 0,19 0 0</inkml:trace>
-</inkml:ink>
-</file>
-
-<file path=ppt/ink/ink111.xml><?xml version="1.0" encoding="utf-8"?>
-<inkml:ink xmlns:inkml="http://www.w3.org/2003/InkML">
-  <inkml:definitions>
-    <inkml:context xml:id="ctx0">
-      <inkml:inkSource xml:id="inkSrc0">
-        <inkml:traceFormat>
-          <inkml:channel name="X" type="integer" min="-2.14748E9" max="2.14748E9" units="cm"/>
-          <inkml:channel name="Y" type="integer" min="-2.14748E9" max="2.14748E9" units="cm"/>
-        </inkml:traceFormat>
-        <inkml:channelProperties>
-          <inkml:channelProperty channel="X" name="resolution" value="1000" units="1/cm"/>
-          <inkml:channelProperty channel="Y" name="resolution" value="1000" units="1/cm"/>
-        </inkml:channelProperties>
-      </inkml:inkSource>
-      <inkml:timestamp xml:id="ts0" timeString="2023-11-21T05:18:09.475"/>
-    </inkml:context>
-    <inkml:brush xml:id="br0">
-      <inkml:brushProperty name="width" value="0.4" units="cm"/>
-      <inkml:brushProperty name="height" value="0.8" units="cm"/>
-      <inkml:brushProperty name="color" value="#FF8517"/>
-      <inkml:brushProperty name="tip" value="rectangle"/>
-      <inkml:brushProperty name="rasterOp" value="maskPen"/>
-    </inkml:brush>
-  </inkml:definitions>
-  <inkml:trace contextRef="#ctx0" brushRef="#br0">0 47,'81'0,"0"0,1 0,2 0,3 0,1 0,4 0,3 0,4 0,0 0,-2 0,-3 0,-7 0,-1 0,-4 0,-1 0,-1 0,-1 0,-3 0,0 0,-2 0,-2 0,-6 0,-2 0,-8 0,-2 0,44 0,-20 0,-15 0,-11 0,-7 0,-4 0,-10 0,-7 0,-4 0,0 0,13 0,10 0,22 0,10 0,8 0,-4 0,-14 0,-17 0,-17 0,-10 0,-10-21,-2-5</inkml:trace>
-</inkml:ink>
-</file>
-
-<file path=ppt/ink/ink112.xml><?xml version="1.0" encoding="utf-8"?>
-<inkml:ink xmlns:inkml="http://www.w3.org/2003/InkML">
-  <inkml:definitions>
-    <inkml:context xml:id="ctx0">
-      <inkml:inkSource xml:id="inkSrc0">
-        <inkml:traceFormat>
-          <inkml:channel name="X" type="integer" min="-2.14748E9" max="2.14748E9" units="cm"/>
-          <inkml:channel name="Y" type="integer" min="-2.14748E9" max="2.14748E9" units="cm"/>
         </inkml:traceFormat>
         <inkml:channelProperties>
           <inkml:channelProperty channel="X" name="resolution" value="1000" units="1/cm"/>
@@ -606,7 +550,7 @@
 </inkml:ink>
 </file>
 
-<file path=ppt/ink/ink113.xml><?xml version="1.0" encoding="utf-8"?>
+<file path=ppt/ink/ink111.xml><?xml version="1.0" encoding="utf-8"?>
 <inkml:ink xmlns:inkml="http://www.w3.org/2003/InkML">
   <inkml:definitions>
     <inkml:context xml:id="ctx0">
@@ -634,7 +578,7 @@
 </inkml:ink>
 </file>
 
-<file path=ppt/ink/ink114.xml><?xml version="1.0" encoding="utf-8"?>
+<file path=ppt/ink/ink112.xml><?xml version="1.0" encoding="utf-8"?>
 <inkml:ink xmlns:inkml="http://www.w3.org/2003/InkML">
   <inkml:definitions>
     <inkml:context xml:id="ctx0">
@@ -662,7 +606,7 @@
 </inkml:ink>
 </file>
 
-<file path=ppt/ink/ink115.xml><?xml version="1.0" encoding="utf-8"?>
+<file path=ppt/ink/ink113.xml><?xml version="1.0" encoding="utf-8"?>
 <inkml:ink xmlns:inkml="http://www.w3.org/2003/InkML">
   <inkml:definitions>
     <inkml:context xml:id="ctx0">
@@ -690,7 +634,7 @@
 </inkml:ink>
 </file>
 
-<file path=ppt/ink/ink116.xml><?xml version="1.0" encoding="utf-8"?>
+<file path=ppt/ink/ink114.xml><?xml version="1.0" encoding="utf-8"?>
 <inkml:ink xmlns:inkml="http://www.w3.org/2003/InkML">
   <inkml:definitions>
     <inkml:context xml:id="ctx0">
@@ -718,7 +662,7 @@
 </inkml:ink>
 </file>
 
-<file path=ppt/ink/ink117.xml><?xml version="1.0" encoding="utf-8"?>
+<file path=ppt/ink/ink115.xml><?xml version="1.0" encoding="utf-8"?>
 <inkml:ink xmlns:inkml="http://www.w3.org/2003/InkML">
   <inkml:definitions>
     <inkml:context xml:id="ctx0">
@@ -746,7 +690,7 @@
 </inkml:ink>
 </file>
 
-<file path=ppt/ink/ink118.xml><?xml version="1.0" encoding="utf-8"?>
+<file path=ppt/ink/ink116.xml><?xml version="1.0" encoding="utf-8"?>
 <inkml:ink xmlns:inkml="http://www.w3.org/2003/InkML">
   <inkml:definitions>
     <inkml:context xml:id="ctx0">
@@ -771,6 +715,90 @@
     </inkml:brush>
   </inkml:definitions>
   <inkml:trace contextRef="#ctx0" brushRef="#br0">173 50,'96'0,"-43"0,1 0,5 0,2 0,4 0,1 0,0-1,-1 0,-3-2,-2-1,-3 0,-2-1,43-5,-12 3,-9 3,-8 3,-3 1,1 0,-6 0,-3 0,-6 0,-7 0,0 0,0 0,0 0,0 0,1 0,-1 0,-6 0,-7 0,-7 0,-9 0,-3 0,0 0,6 2,9 2,5 1,-1 0,-8 0,-10 1,-5-2,-6 9,-3-6,-2 8,-1-3,-2 5,-4 4,-2-1,-9-3,-10-3,-19-2,-21 3,-15-1,-6-3,5-4,4-3,5-4,-1 0,3 2,4 3,4 1,6 0,1-3,-2-2,-5-1,-11 0,-4 0,-5 0,1 0,7 0,5 0,9 0,6 0,7 0,11 0,13 0,11 0,4 0,-3-3,-9-6,-10-4,-6-5,4 0,10 4,10 2,3 2,-5 1,-4-3,-3-1,6 1,8 1,6 2,4 0,2-2,7 2,2-2,19 0,20-1,26-1,25 1,-43 8,1 1,4 1,0 1,4 0,1 1,-1 0,2 0,2 0,1 0,-1 0,-1 0,-5 0,-2 0,-6 0,-2 0,34 0,-19 0,-17 2,-16 0,-15 1,-8-1,2 10,-10-9,4 8</inkml:trace>
+</inkml:ink>
+</file>
+
+<file path=ppt/ink/ink117.xml><?xml version="1.0" encoding="utf-8"?>
+<inkml:ink xmlns:inkml="http://www.w3.org/2003/InkML">
+  <inkml:definitions>
+    <inkml:context xml:id="ctx0">
+      <inkml:inkSource xml:id="inkSrc0">
+        <inkml:traceFormat>
+          <inkml:channel name="X" type="integer" min="-2.14748E9" max="2.14748E9" units="cm"/>
+          <inkml:channel name="Y" type="integer" min="-2.14748E9" max="2.14748E9" units="cm"/>
+        </inkml:traceFormat>
+        <inkml:channelProperties>
+          <inkml:channelProperty channel="X" name="resolution" value="1000" units="1/cm"/>
+          <inkml:channelProperty channel="Y" name="resolution" value="1000" units="1/cm"/>
+        </inkml:channelProperties>
+      </inkml:inkSource>
+      <inkml:timestamp xml:id="ts0" timeString="2025-05-19T07:56:12.036"/>
+    </inkml:context>
+    <inkml:brush xml:id="br0">
+      <inkml:brushProperty name="width" value="0.2" units="cm"/>
+      <inkml:brushProperty name="height" value="0.4" units="cm"/>
+      <inkml:brushProperty name="color" value="#00FDFF"/>
+      <inkml:brushProperty name="tip" value="rectangle"/>
+      <inkml:brushProperty name="rasterOp" value="maskPen"/>
+    </inkml:brush>
+  </inkml:definitions>
+  <inkml:trace contextRef="#ctx0" brushRef="#br0">1 5,'91'0,"8"-2,-47 1,-1 1,0-1,-1 0,44 1,-20 1,-1 0,-11 0,11 0,2-1,-1 2,-4-2,-12 2,1-2,-4 0,-1 0,-5 0,-2 0,4 0,5 0,6 0,-17 0,5-2,-20 2,7-2,-4 2,3 0,-4 0,9 0,-8 0,10 0,-9 0,0 0,-8 0,-1 0,-2-2,-1 2,-2-1,-7 1,0 0,-2 0,6 0,7 0,-2 0,2 0,-4 0,-1 0,-4 0,-4 0,-5 0</inkml:trace>
+</inkml:ink>
+</file>
+
+<file path=ppt/ink/ink118.xml><?xml version="1.0" encoding="utf-8"?>
+<inkml:ink xmlns:inkml="http://www.w3.org/2003/InkML">
+  <inkml:definitions>
+    <inkml:context xml:id="ctx0">
+      <inkml:inkSource xml:id="inkSrc0">
+        <inkml:traceFormat>
+          <inkml:channel name="X" type="integer" min="-2.14748E9" max="2.14748E9" units="cm"/>
+          <inkml:channel name="Y" type="integer" min="-2.14748E9" max="2.14748E9" units="cm"/>
+        </inkml:traceFormat>
+        <inkml:channelProperties>
+          <inkml:channelProperty channel="X" name="resolution" value="1000" units="1/cm"/>
+          <inkml:channelProperty channel="Y" name="resolution" value="1000" units="1/cm"/>
+        </inkml:channelProperties>
+      </inkml:inkSource>
+      <inkml:timestamp xml:id="ts0" timeString="2025-05-19T07:56:20.631"/>
+    </inkml:context>
+    <inkml:brush xml:id="br0">
+      <inkml:brushProperty name="width" value="0.2" units="cm"/>
+      <inkml:brushProperty name="height" value="0.4" units="cm"/>
+      <inkml:brushProperty name="color" value="#FFFC00"/>
+      <inkml:brushProperty name="tip" value="rectangle"/>
+      <inkml:brushProperty name="rasterOp" value="maskPen"/>
+    </inkml:brush>
+  </inkml:definitions>
+  <inkml:trace contextRef="#ctx0" brushRef="#br0">0 0,'0'0</inkml:trace>
+</inkml:ink>
+</file>
+
+<file path=ppt/ink/ink119.xml><?xml version="1.0" encoding="utf-8"?>
+<inkml:ink xmlns:inkml="http://www.w3.org/2003/InkML">
+  <inkml:definitions>
+    <inkml:context xml:id="ctx0">
+      <inkml:inkSource xml:id="inkSrc0">
+        <inkml:traceFormat>
+          <inkml:channel name="X" type="integer" min="-2.14748E9" max="2.14748E9" units="cm"/>
+          <inkml:channel name="Y" type="integer" min="-2.14748E9" max="2.14748E9" units="cm"/>
+        </inkml:traceFormat>
+        <inkml:channelProperties>
+          <inkml:channelProperty channel="X" name="resolution" value="1000" units="1/cm"/>
+          <inkml:channelProperty channel="Y" name="resolution" value="1000" units="1/cm"/>
+        </inkml:channelProperties>
+      </inkml:inkSource>
+      <inkml:timestamp xml:id="ts0" timeString="2025-05-19T07:56:24.558"/>
+    </inkml:context>
+    <inkml:brush xml:id="br0">
+      <inkml:brushProperty name="width" value="0.2" units="cm"/>
+      <inkml:brushProperty name="height" value="0.4" units="cm"/>
+      <inkml:brushProperty name="color" value="#FFFC00"/>
+      <inkml:brushProperty name="tip" value="rectangle"/>
+      <inkml:brushProperty name="rasterOp" value="maskPen"/>
+    </inkml:brush>
+  </inkml:definitions>
+  <inkml:trace contextRef="#ctx0" brushRef="#br0">1 306,'68'-2,"12"0,5 2,2 0,0 0,-12 0,-6 0,-5 0,-8 1,5 0,-3 0,6-1,0 0,7 0,-5 0,12 0,-5 0,20 0,-10 0,-34 0,2 0,45 0,-42-1,-2 0,33-1,-29 0,41 1,-43 1,7-2,1 1,2-2,15-2,-16 0,8 3,4-1,-8 2,4-2,-5 2,0-1,-1 2,-15 0,-8 0,-15-1,-11 1,-5-1,-1 1,9-4,11 2,30-7,8 2,13-3,-9 1,-1 2,0 0,14 2,-1-1,15 1,-9-2,9 0,-14 0,9-2,-12 0,8-3,-21 3,2-2,0 2,8 0,5 0,2 3,-12-1,3 2,-14 2,3 0,2 1,3-4,2 1,-1-2,-1 1,5 3,-3-1,2 3,-11-1,3 0,-7 1,8 1,7 0,7 0,-3 0,-20 0,-4 0,4 0,41 4,-27-1,3 0,-3 1,-1 1,-11 0,-1 0,-3-2,-3 0,34 1,-19-1,-2-2,8 0,-6-1,-2 0,-18 0,-2-1,-10 0,9-5,8 1,17-3,-2 0,5-1,6-1,-17 3,21-3,-14 6,2-3,-3 5,-2 1,8 1,10 1,5 1,6 2,-44 0,2 0,6-1,0 2,0 0,1 1,2-1,-1 1,-6-1,-2 1,29 3,16 0,-7-3,4-3,-3 1,-35-4,-10 0,0 0,10 0,-5 0,10 0,-13 1,8 0,-15 1,8 0,-6 0,10-1,-7 0,5-1,-24 0,2 0,-21 0,-1 0,-6 0</inkml:trace>
 </inkml:ink>
 </file>
 
@@ -802,6 +830,286 @@
 </inkml:ink>
 </file>
 
+<file path=ppt/ink/ink120.xml><?xml version="1.0" encoding="utf-8"?>
+<inkml:ink xmlns:inkml="http://www.w3.org/2003/InkML">
+  <inkml:definitions>
+    <inkml:context xml:id="ctx0">
+      <inkml:inkSource xml:id="inkSrc0">
+        <inkml:traceFormat>
+          <inkml:channel name="X" type="integer" min="-2.14748E9" max="2.14748E9" units="cm"/>
+          <inkml:channel name="Y" type="integer" min="-2.14748E9" max="2.14748E9" units="cm"/>
+        </inkml:traceFormat>
+        <inkml:channelProperties>
+          <inkml:channelProperty channel="X" name="resolution" value="1000" units="1/cm"/>
+          <inkml:channelProperty channel="Y" name="resolution" value="1000" units="1/cm"/>
+        </inkml:channelProperties>
+      </inkml:inkSource>
+      <inkml:timestamp xml:id="ts0" timeString="2025-05-19T07:57:08.015"/>
+    </inkml:context>
+    <inkml:brush xml:id="br0">
+      <inkml:brushProperty name="width" value="0.2" units="cm"/>
+      <inkml:brushProperty name="height" value="0.4" units="cm"/>
+      <inkml:brushProperty name="color" value="#00FDFF"/>
+      <inkml:brushProperty name="tip" value="rectangle"/>
+      <inkml:brushProperty name="rasterOp" value="maskPen"/>
+    </inkml:brush>
+  </inkml:definitions>
+  <inkml:trace contextRef="#ctx0" brushRef="#br0">1 9,'81'-5,"-5"1,-8 4,-11 2,-14 0,-14 1,-10-1,-4 0,4 1,4 0,3 2,-3-2,3 0,-10 0,4-1,2-1,4 1,7-2,-4 0,-4 0,-9 1,0-1,-1 1,-2-1,-3 0</inkml:trace>
+</inkml:ink>
+</file>
+
+<file path=ppt/ink/ink121.xml><?xml version="1.0" encoding="utf-8"?>
+<inkml:ink xmlns:inkml="http://www.w3.org/2003/InkML">
+  <inkml:definitions>
+    <inkml:context xml:id="ctx0">
+      <inkml:inkSource xml:id="inkSrc0">
+        <inkml:traceFormat>
+          <inkml:channel name="X" type="integer" min="-2.14748E9" max="2.14748E9" units="cm"/>
+          <inkml:channel name="Y" type="integer" min="-2.14748E9" max="2.14748E9" units="cm"/>
+        </inkml:traceFormat>
+        <inkml:channelProperties>
+          <inkml:channelProperty channel="X" name="resolution" value="1000" units="1/cm"/>
+          <inkml:channelProperty channel="Y" name="resolution" value="1000" units="1/cm"/>
+        </inkml:channelProperties>
+      </inkml:inkSource>
+      <inkml:timestamp xml:id="ts0" timeString="2025-05-19T07:57:16.524"/>
+    </inkml:context>
+    <inkml:brush xml:id="br0">
+      <inkml:brushProperty name="width" value="0.2" units="cm"/>
+      <inkml:brushProperty name="height" value="0.4" units="cm"/>
+      <inkml:brushProperty name="color" value="#FFFC00"/>
+      <inkml:brushProperty name="tip" value="rectangle"/>
+      <inkml:brushProperty name="rasterOp" value="maskPen"/>
+    </inkml:brush>
+  </inkml:definitions>
+  <inkml:trace contextRef="#ctx0" brushRef="#br0">1 5,'63'-2,"-5"1,3-1,-10 2,-12 0,-4 0,1 0,0 0,7 0,-2 0,-4 0,-3 0,-2 0,1 0,-2 0,-6 0,-8 0,-6 0,-3 0</inkml:trace>
+</inkml:ink>
+</file>
+
+<file path=ppt/ink/ink122.xml><?xml version="1.0" encoding="utf-8"?>
+<inkml:ink xmlns:inkml="http://www.w3.org/2003/InkML">
+  <inkml:definitions>
+    <inkml:context xml:id="ctx0">
+      <inkml:inkSource xml:id="inkSrc0">
+        <inkml:traceFormat>
+          <inkml:channel name="X" type="integer" min="-2.14748E9" max="2.14748E9" units="cm"/>
+          <inkml:channel name="Y" type="integer" min="-2.14748E9" max="2.14748E9" units="cm"/>
+        </inkml:traceFormat>
+        <inkml:channelProperties>
+          <inkml:channelProperty channel="X" name="resolution" value="1000" units="1/cm"/>
+          <inkml:channelProperty channel="Y" name="resolution" value="1000" units="1/cm"/>
+        </inkml:channelProperties>
+      </inkml:inkSource>
+      <inkml:timestamp xml:id="ts0" timeString="2025-05-19T07:59:08.250"/>
+    </inkml:context>
+    <inkml:brush xml:id="br0">
+      <inkml:brushProperty name="width" value="0.2" units="cm"/>
+      <inkml:brushProperty name="height" value="0.4" units="cm"/>
+      <inkml:brushProperty name="color" value="#FFFC00"/>
+      <inkml:brushProperty name="tip" value="rectangle"/>
+      <inkml:brushProperty name="rasterOp" value="maskPen"/>
+    </inkml:brush>
+  </inkml:definitions>
+  <inkml:trace contextRef="#ctx0" brushRef="#br0">18 0,'48'26,"1"0,39 18,-58-31,-8-2,-23 24,-8 10,-4 9,-11 27,-6 9,5-19,-2 4,2-6,-3 4,1-6,4-18,0 0</inkml:trace>
+</inkml:ink>
+</file>
+
+<file path=ppt/ink/ink123.xml><?xml version="1.0" encoding="utf-8"?>
+<inkml:ink xmlns:inkml="http://www.w3.org/2003/InkML">
+  <inkml:definitions>
+    <inkml:context xml:id="ctx0">
+      <inkml:inkSource xml:id="inkSrc0">
+        <inkml:traceFormat>
+          <inkml:channel name="X" type="integer" min="-2.14748E9" max="2.14748E9" units="cm"/>
+          <inkml:channel name="Y" type="integer" min="-2.14748E9" max="2.14748E9" units="cm"/>
+        </inkml:traceFormat>
+        <inkml:channelProperties>
+          <inkml:channelProperty channel="X" name="resolution" value="1000" units="1/cm"/>
+          <inkml:channelProperty channel="Y" name="resolution" value="1000" units="1/cm"/>
+        </inkml:channelProperties>
+      </inkml:inkSource>
+      <inkml:timestamp xml:id="ts0" timeString="2025-05-19T07:59:18.447"/>
+    </inkml:context>
+    <inkml:brush xml:id="br0">
+      <inkml:brushProperty name="width" value="0.2" units="cm"/>
+      <inkml:brushProperty name="height" value="0.4" units="cm"/>
+      <inkml:brushProperty name="color" value="#FFFC00"/>
+      <inkml:brushProperty name="tip" value="rectangle"/>
+      <inkml:brushProperty name="rasterOp" value="maskPen"/>
+    </inkml:brush>
+  </inkml:definitions>
+  <inkml:trace contextRef="#ctx0" brushRef="#br0">1 1,'72'2,"-8"1,-29-2,-12 0,5-1,-10 2,10-2,-7 1,0-1,-3 0,0 0,2 0,0 2,-2-2,0 2,-5-2,1 0,0 0,1 0,3 1,-3 0,3 0,-5 0,3 0,-4 0,5 0,-3 0,3-1,-5 0,-4 1,0 9,-10 3,5 7,-9-9,2 3,2-10,-6 11,2-8,-6 5,-1-6,-3 2,-3-3,-1 1,2-3,2 1,3-3,-1 1,2-2,-2 0,4 0,-3 0,-2 0,2 0,-1 0,-5 0,7 0,-27-2,14 1,-12-1,10 1,5 0,2 1,3 0,7 0,3 0</inkml:trace>
+</inkml:ink>
+</file>
+
+<file path=ppt/ink/ink124.xml><?xml version="1.0" encoding="utf-8"?>
+<inkml:ink xmlns:inkml="http://www.w3.org/2003/InkML">
+  <inkml:definitions>
+    <inkml:context xml:id="ctx0">
+      <inkml:inkSource xml:id="inkSrc0">
+        <inkml:traceFormat>
+          <inkml:channel name="X" type="integer" min="-2.14748E9" max="2.14748E9" units="cm"/>
+          <inkml:channel name="Y" type="integer" min="-2.14748E9" max="2.14748E9" units="cm"/>
+        </inkml:traceFormat>
+        <inkml:channelProperties>
+          <inkml:channelProperty channel="X" name="resolution" value="1000" units="1/cm"/>
+          <inkml:channelProperty channel="Y" name="resolution" value="1000" units="1/cm"/>
+        </inkml:channelProperties>
+      </inkml:inkSource>
+      <inkml:timestamp xml:id="ts0" timeString="2025-05-19T07:59:57.995"/>
+    </inkml:context>
+    <inkml:brush xml:id="br0">
+      <inkml:brushProperty name="width" value="0.2" units="cm"/>
+      <inkml:brushProperty name="height" value="0.4" units="cm"/>
+      <inkml:brushProperty name="color" value="#00F900"/>
+      <inkml:brushProperty name="tip" value="rectangle"/>
+      <inkml:brushProperty name="rasterOp" value="maskPen"/>
+    </inkml:brush>
+  </inkml:definitions>
+  <inkml:trace contextRef="#ctx0" brushRef="#br0">96 214,'74'-18,"-8"3,-21 11,-14 1,-11 3,-12 0,3 0,3 1,7 4,12 4,3 2,5 0,-3-4,-10-3,-11-2,-9-5,-10-18,-4 4,-7-19,0 16,-13-10,-3 12,-16-2,2 9,-4 5,-1 0,4 2,-5 0,12 0,3 2,7 2,-5-2,-2 1,2-1,7 1,79-6,10 5,18-3,-28 4,-50 1</inkml:trace>
+</inkml:ink>
+</file>
+
+<file path=ppt/ink/ink125.xml><?xml version="1.0" encoding="utf-8"?>
+<inkml:ink xmlns:inkml="http://www.w3.org/2003/InkML">
+  <inkml:definitions>
+    <inkml:context xml:id="ctx0">
+      <inkml:inkSource xml:id="inkSrc0">
+        <inkml:traceFormat>
+          <inkml:channel name="X" type="integer" min="-2.14748E9" max="2.14748E9" units="cm"/>
+          <inkml:channel name="Y" type="integer" min="-2.14748E9" max="2.14748E9" units="cm"/>
+        </inkml:traceFormat>
+        <inkml:channelProperties>
+          <inkml:channelProperty channel="X" name="resolution" value="1000" units="1/cm"/>
+          <inkml:channelProperty channel="Y" name="resolution" value="1000" units="1/cm"/>
+        </inkml:channelProperties>
+      </inkml:inkSource>
+      <inkml:timestamp xml:id="ts0" timeString="2025-05-19T08:00:01.410"/>
+    </inkml:context>
+    <inkml:brush xml:id="br0">
+      <inkml:brushProperty name="width" value="0.2" units="cm"/>
+      <inkml:brushProperty name="height" value="0.4" units="cm"/>
+      <inkml:brushProperty name="color" value="#00F900"/>
+      <inkml:brushProperty name="tip" value="rectangle"/>
+      <inkml:brushProperty name="rasterOp" value="maskPen"/>
+    </inkml:brush>
+  </inkml:definitions>
+  <inkml:trace contextRef="#ctx0" brushRef="#br0">1 166,'35'-25,"6"-2,-5 7,5-3,-2 0,-8 4,-6 6,-9 5,-6 6,1-1,-3 3,9-2,-4 2,9 0,1 0,6 2,3-2,-9 2,-7-2,-7 21,-3 5,1 25,0-15,-4-6,-1-18,-2-3,-2 3,-1-2,-2 5,-1-8,-2 2,1-5,-7 3,-18-2,7-1,-13-3,13 2,1-3,1 2,0-2,7 0,-5 0,10-1,-3 0,4 0,-1 0,0 0,0 0,1 0,-1-1,2 1,-4-2,1 0,2 2,3 0</inkml:trace>
+</inkml:ink>
+</file>
+
+<file path=ppt/ink/ink126.xml><?xml version="1.0" encoding="utf-8"?>
+<inkml:ink xmlns:inkml="http://www.w3.org/2003/InkML">
+  <inkml:definitions>
+    <inkml:context xml:id="ctx0">
+      <inkml:inkSource xml:id="inkSrc0">
+        <inkml:traceFormat>
+          <inkml:channel name="X" type="integer" min="-2.14748E9" max="2.14748E9" units="cm"/>
+          <inkml:channel name="Y" type="integer" min="-2.14748E9" max="2.14748E9" units="cm"/>
+        </inkml:traceFormat>
+        <inkml:channelProperties>
+          <inkml:channelProperty channel="X" name="resolution" value="1000" units="1/cm"/>
+          <inkml:channelProperty channel="Y" name="resolution" value="1000" units="1/cm"/>
+        </inkml:channelProperties>
+      </inkml:inkSource>
+      <inkml:timestamp xml:id="ts0" timeString="2025-05-19T08:00:26.241"/>
+    </inkml:context>
+    <inkml:brush xml:id="br0">
+      <inkml:brushProperty name="width" value="0.2" units="cm"/>
+      <inkml:brushProperty name="height" value="0.4" units="cm"/>
+      <inkml:brushProperty name="color" value="#00F900"/>
+      <inkml:brushProperty name="tip" value="rectangle"/>
+      <inkml:brushProperty name="rasterOp" value="maskPen"/>
+    </inkml:brush>
+  </inkml:definitions>
+  <inkml:trace contextRef="#ctx0" brushRef="#br0">137 117,'25'-39,"-3"10,2 9,-8 11,12 3,-13 5,2 1,5 4,-3 6,3-3,-7 4,-4-7,-3 0,2 11,-4 6,-4 9,1-4,-3-10,-2-10,-7-1,-20 4,-4-1,-14 1,13-7,-20 1,16-1,-23 1,29-3,-3 0,21 0,4 0,7-16,5 0,3-19,16 3,4 6,32 3,-6 13,-1 4,26 2,-36 3,20 0,-35-1,-15 2,-3-3,5 2,4-4,4 0,-2-1,-4-2,-1 4,-6 0,2 20,-5-2,1 16,2 1,-2 0,1 1,-4-12,-1-8,-7-5,-2 5,0-3,1 0</inkml:trace>
+</inkml:ink>
+</file>
+
+<file path=ppt/ink/ink127.xml><?xml version="1.0" encoding="utf-8"?>
+<inkml:ink xmlns:inkml="http://www.w3.org/2003/InkML">
+  <inkml:definitions>
+    <inkml:context xml:id="ctx0">
+      <inkml:inkSource xml:id="inkSrc0">
+        <inkml:traceFormat>
+          <inkml:channel name="X" type="integer" min="-2.14748E9" max="2.14748E9" units="cm"/>
+          <inkml:channel name="Y" type="integer" min="-2.14748E9" max="2.14748E9" units="cm"/>
+        </inkml:traceFormat>
+        <inkml:channelProperties>
+          <inkml:channelProperty channel="X" name="resolution" value="1000" units="1/cm"/>
+          <inkml:channelProperty channel="Y" name="resolution" value="1000" units="1/cm"/>
+        </inkml:channelProperties>
+      </inkml:inkSource>
+      <inkml:timestamp xml:id="ts0" timeString="2025-05-19T08:01:09.616"/>
+    </inkml:context>
+    <inkml:brush xml:id="br0">
+      <inkml:brushProperty name="width" value="0.2" units="cm"/>
+      <inkml:brushProperty name="height" value="0.4" units="cm"/>
+      <inkml:brushProperty name="color" value="#00F900"/>
+      <inkml:brushProperty name="tip" value="rectangle"/>
+      <inkml:brushProperty name="rasterOp" value="maskPen"/>
+    </inkml:brush>
+  </inkml:definitions>
+  <inkml:trace contextRef="#ctx0" brushRef="#br0">63 0,'86'0,"5"0,-7 1,4 0,-11 0,-10 0,-12-1,-3 0,3 1,0 0,-6 1,0-1,-13 0,6-1,-9 0,3 2,0-2,5 4,3-2,7 2,-5-3,4 1,-5-1,-2 0,-10 1,-8-2,-12 1,3-1,0 0,7 0,-1 0,-4 0,0 0,0 0,12 0,1 2,1-2,-13 2,-3-2,-12 0,14 2,0 1,-2-1,-1 1,-14 8,-2 15,-1 6,-1 16,2-15,0-3,1-13,0-9,-6 3,-11 6,-5 4,-5-1,6-11,3-5,2-2,-4-1,-15 0,-5-1,-10 0,-1 0,5 0,0 0,6 0,-1 0,-3-2,-5 0,-5 0,0 0,0 1,19 1,-15-1,-7 0,-6 1,-12 0,15 0,8 0,-7-2,6 2,-2-2,0 1,6-2,10 0,11 1,11-1,1 0,6-1,-7-3,7 1,-5-3,3 1,4 2,-9 2,-3 14,-5 2,-8 15,11-7,-3 6,12-9,1 1,6-6,2-3,1 3,2-5,1 9,0-2,3 3,1 0,2-3,-1-2,-1-4,1 1,3-2,-1 1,5-1,8 0,8 0,11 2,1-2,4-2,-5 2,51 0,-37-1,33-2,-46-3,-1-1,-5 0,5 0,-7 0,10 0,4-1,-16 0,40-1,-32 2,35 0,-33 0,-2 0,-12 0,11 0,-2 0,8 0,-12 0,0 0,-1 1,3 0,3 0,-10 0,-4-1,-9 1,0 0,5 0,0-1,3 1,0 0,-1 0,7-1,2 1,8 2,-7-2,-3 1,-16-2,-1 0,7-2,5-3,6-4,-4-2,-7-4,-2-3,-3-7,-2 3,-7-2,-2 5,-1-1,-3-5,0 3,-3-3,-4 4,0 0,-3 1,0 1,0 4,2 1,3 4,1 0,1 2,-2-1,0-2,-2 0,-1-3,1 1,-6-3,2 2,-10-4,-4 0,-11 0,-16-1,-9 1,-15 3,8 4,-2 5,12 2,-2 4,7-3,-3 3,-6-1,-6 0,-3 1,5 0,10 0,1 0,4 0,-5 0,4 0,-2 0,16 2,-30 1,49-1,-25 1,40-3,5 0,-2 0</inkml:trace>
+</inkml:ink>
+</file>
+
+<file path=ppt/ink/ink128.xml><?xml version="1.0" encoding="utf-8"?>
+<inkml:ink xmlns:inkml="http://www.w3.org/2003/InkML">
+  <inkml:definitions>
+    <inkml:context xml:id="ctx0">
+      <inkml:inkSource xml:id="inkSrc0">
+        <inkml:traceFormat>
+          <inkml:channel name="X" type="integer" min="-2.14748E9" max="2.14748E9" units="cm"/>
+          <inkml:channel name="Y" type="integer" min="-2.14748E9" max="2.14748E9" units="cm"/>
+        </inkml:traceFormat>
+        <inkml:channelProperties>
+          <inkml:channelProperty channel="X" name="resolution" value="1000" units="1/cm"/>
+          <inkml:channelProperty channel="Y" name="resolution" value="1000" units="1/cm"/>
+        </inkml:channelProperties>
+      </inkml:inkSource>
+      <inkml:timestamp xml:id="ts0" timeString="2025-05-19T08:01:59.449"/>
+    </inkml:context>
+    <inkml:brush xml:id="br0">
+      <inkml:brushProperty name="width" value="0.2" units="cm"/>
+      <inkml:brushProperty name="height" value="0.4" units="cm"/>
+      <inkml:brushProperty name="color" value="#0069AF"/>
+      <inkml:brushProperty name="tip" value="rectangle"/>
+      <inkml:brushProperty name="rasterOp" value="maskPen"/>
+    </inkml:brush>
+  </inkml:definitions>
+  <inkml:trace contextRef="#ctx0" brushRef="#br0">1 13,'49'-3,"-1"1,-10 2,1 0,-7-1,-1 0,-1 0,-5 1,-1 0,-3-2,-1 2,0-2,5 2,-2 0,-1 0,-6 0,-9 0,3 0,15 0,9 0,21 3,-12 0,-13-1,-17 4,-14 14,-3 17,0 16,0-1,2-14,0-15,1-13,0 0,1 3,0-4,0 5,0-5,0 4,0 6,0 2,1 5,0-3,0-5,-1-4,0-6,0 4,0-4,-28-29,-18-14,-13-22,3 8,25 20,12 13,7 6,1 3,-5-3,0 1,-7-4,2 3,-3 1,6 2,-3-5,9 7,0-2,62 84,-14-33,-2 4,1-1,7-7,-22-21,-1-4,-13-9,1-1,8 2,15 3,5 0,-3-3,-3-9,-19 1,1-4,-10 4</inkml:trace>
+</inkml:ink>
+</file>
+
+<file path=ppt/ink/ink129.xml><?xml version="1.0" encoding="utf-8"?>
+<inkml:ink xmlns:inkml="http://www.w3.org/2003/InkML">
+  <inkml:definitions>
+    <inkml:context xml:id="ctx0">
+      <inkml:inkSource xml:id="inkSrc0">
+        <inkml:traceFormat>
+          <inkml:channel name="X" type="integer" min="-2.14748E9" max="2.14748E9" units="cm"/>
+          <inkml:channel name="Y" type="integer" min="-2.14748E9" max="2.14748E9" units="cm"/>
+        </inkml:traceFormat>
+        <inkml:channelProperties>
+          <inkml:channelProperty channel="X" name="resolution" value="1000" units="1/cm"/>
+          <inkml:channelProperty channel="Y" name="resolution" value="1000" units="1/cm"/>
+        </inkml:channelProperties>
+      </inkml:inkSource>
+      <inkml:timestamp xml:id="ts0" timeString="2025-05-19T08:02:03.381"/>
+    </inkml:context>
+    <inkml:brush xml:id="br0">
+      <inkml:brushProperty name="width" value="0.2" units="cm"/>
+      <inkml:brushProperty name="height" value="0.4" units="cm"/>
+      <inkml:brushProperty name="color" value="#0069AF"/>
+      <inkml:brushProperty name="tip" value="rectangle"/>
+      <inkml:brushProperty name="rasterOp" value="maskPen"/>
+    </inkml:brush>
+  </inkml:definitions>
+  <inkml:trace contextRef="#ctx0" brushRef="#br0">27 1,'-3'40,"1"-1,-1-4,1 1,-3 6,3-7,-2 5,3-11,-1 7,1-6,0 1,1-5,0 0,0-7,0 5,0-5,0 5,0 0,0 1,0-3,1 1,0-6,0-1,-1-5,0-3,0 6,0-3,0 0,-1 2,0-7,-1 9,37-26,1 0,27-21,-30 15,21-20,-18 4,16-12,-11 3,-16 15,-9 7,4 2,-6 1,4 0,-6 1,1-1,-3 3,4-5,0 4,4-8,0 4,4-8,-3 6,2-4,-5 8,-2 2,-3 4,-5 6,4-2,1 3,0 0,0 0,-2 1,-35-1,-11 1,-32 0,-6-4,14 0,7-4,21 4,2 4,0 1,1 2,2 0,14 0,7 0,4 0</inkml:trace>
+</inkml:ink>
+</file>
+
 <file path=ppt/ink/ink13.xml><?xml version="1.0" encoding="utf-8"?>
 <inkml:ink xmlns:inkml="http://www.w3.org/2003/InkML">
   <inkml:definitions>
@@ -827,6 +1135,62 @@
     </inkml:brush>
   </inkml:definitions>
   <inkml:trace contextRef="#ctx0" brushRef="#br0">1 268,'53'0,"-1"0,19 0,6 0,-12 0,4 0,3 0,18 0,4 0,3 0,-14 1,3 1,1 0,0 1,6 1,1 2,0 0,-1 2,-3-1,0 1,-1 1,-1 1,-7 0,-1 1,-1-1,-1 1,16 3,-3 0,-2-1,-10-2,-2 0,-1 0,-3-2,-1 1,-1-1,25 2,-4 0,-7-3,-3 0,-6-2,-2-1,-7 0,-1 0,-9 0,-2-2,40 4,-18-1,-21-2,-12-1,-13 2,-8-2,-7 0,9 0,4-3,23 0,13 0,15 0,12 0,5 0,-48 0,2 0,1 0,0 0,2 0,-1 1,3 1,1 0,1 2,1 0,2 2,0 1,1-2,0 1,2 0,-1 0,0 0,0-1,-2 1,0 0,-1 1,0 1,-3-2,-1-1,-2 1,-2-1,-1 0,-1 0,47 5,-5-2,3 0,0-2,2 0,-45-2,1-1,2 0,2-1,3 0,1-1,4 0,2-1,2 1,3-2,16 1,4 0,-24 0,1 0,2 0,7 0,1 0,1 0,7 1,2 1,-1 0,0 1,0 1,1 0,3 2,1 1,0 0,2 1,0 0,0 0,0 1,0 0,0 0,-1 0,0 0,-2 0,-5-2,-2-1,-1 1,-4-1,-1 1,-2-1,-5-1,-1 0,-1 0,29 0,-3 0,-3 0,-2-1,-10-2,-1 0,-6-2,-1 0,-5 0,-2 0,0 0,-1 0,-4 0,-1 0,-3 0,-1 0,-4 0,-2 0,41 0,-8 0,-12 0,-5 0,-8 0,-4-3,-2-1,-7-1,-5-1,-5 2,-7 1,-5-2,-5 2,4-7,6-5,20-10,10-7,8-3,-5 2,-10 5,-14 7,-14 7,-12 5,-9-17,-9 5,-7-19,-7 2,-6-8,-4-3,-1 2,1 5,-1 8,1 5,-2 7,-4 6,0 1,-2 1,3 0,0-3,0 2,0-1,2 0,4 0,6 0,6 2,3 3,0-1,-3 1,-7-5,-5 1,-8-2,-5 3,-7 2,-13 4,-11 2,-12 4,37 1,-2 2,-3-1,-1 0,-5 0,-1 0,-2 0,1 0,-1 1,-1 2,-2 1,1 2,-2 0,-1 2,-3 0,-2 0,-3 2,-2-1,-4-1,-1 1,-2 1,0 0,2-1,0 0,5-1,0 0,3 0,1-1,0-1,0 0,2 0,-1 1,-4 0,0 1,-1 2,0 0,-2 1,0-1,0 1,1 0,3-1,2-1,6-2,0-1,5 1,1-1,4-1,1-1,2 0,0 0,-1 0,0 0,-2-1,-1 1,-3 0,-1 0,-1-2,0 0,0 1,0-2,0 0,1-1,-1 0,-1 0,-1 0,0 0,-6 0,-1 0,-5 0,-2 0,-4 0,-2 0,-3 0,-2 0,0 0,0 0,-1 0,1 0,3 0,0 0,4 0,0 0,4 0,2 0,6 0,1 0,3 0,2 0,5 0,1 0,3 0,1 0,3 0,0 0,1 0,0 0,-1 0,0 0,-1 0,-1 0,-4 1,0 2,-4 1,-1 0,-2 2,-1-1,-2 2,-1-1,1-2,0 0,2-2,0 0,3 0,1-2,1 1,1-2,3 1,1 0,3 0,1 0,-46 0,10-3,3-4,2-3,1-1,5-2,3 1,0 2,-1 0,-7 5,-4 1,-6-2,-3 1,-1 0,-1-2,5 3,-2-4,4-1,-1 1,1 0,2 4,2 2,4 2,3 0,10 0,4 0,7 0,7 0,7 0,8 0,7 0,7 0,4 0,-8 0,2 0,-18 0,3 0,1 0,7 0,12 0,4 0</inkml:trace>
+</inkml:ink>
+</file>
+
+<file path=ppt/ink/ink130.xml><?xml version="1.0" encoding="utf-8"?>
+<inkml:ink xmlns:inkml="http://www.w3.org/2003/InkML">
+  <inkml:definitions>
+    <inkml:context xml:id="ctx0">
+      <inkml:inkSource xml:id="inkSrc0">
+        <inkml:traceFormat>
+          <inkml:channel name="X" type="integer" min="-2.14748E9" max="2.14748E9" units="cm"/>
+          <inkml:channel name="Y" type="integer" min="-2.14748E9" max="2.14748E9" units="cm"/>
+        </inkml:traceFormat>
+        <inkml:channelProperties>
+          <inkml:channelProperty channel="X" name="resolution" value="1000" units="1/cm"/>
+          <inkml:channelProperty channel="Y" name="resolution" value="1000" units="1/cm"/>
+        </inkml:channelProperties>
+      </inkml:inkSource>
+      <inkml:timestamp xml:id="ts0" timeString="2025-05-19T07:58:48.611"/>
+    </inkml:context>
+    <inkml:brush xml:id="br0">
+      <inkml:brushProperty name="width" value="0.2" units="cm"/>
+      <inkml:brushProperty name="height" value="0.4" units="cm"/>
+      <inkml:brushProperty name="color" value="#FFFC00"/>
+      <inkml:brushProperty name="tip" value="rectangle"/>
+      <inkml:brushProperty name="rasterOp" value="maskPen"/>
+    </inkml:brush>
+  </inkml:definitions>
+  <inkml:trace contextRef="#ctx0" brushRef="#br0">0 172,'59'0,"1"0,5 0,8 0,11-2,10-1,-1 1,-9-1,-1 1,9-1,-14 0,9-1,5 0,0 0,-3 0,-8 1,1-1,-6 1,-1 0,6 0,7-1,6 1,2 0,1-1,-4 0,-6 1,1-2,-2 1,-4 0,-7 1,3 0,-7 1,8-1,8 0,13-1,3 1,-3-1,-14 1,-8 1,-10 1,3-1,18 1,4 0,-4-1,-9 1,-3-1,-6 0,-4 1,-2 1,18-1,2 0,-7 1,1-1,11 0,1 0,-7-1,1 0,-13-1,4 1,-2 0,-4 0,-1 0,3 0,18 0,4 1,-3-1,-13 1,-3 0,0-1,-2 1,-1-1,1 1,8 0,2 0,-7 0,3 0,0 0,10 1,7 0,-2 0,-18 0,-3 0,1 0,4 0,0 0,-1 0,-4-1,0 0,-6 1,7 0,-6-1,-9 0,-2 1,41 0,-17 1,-9-1,1 2,0-3,1 0,-8 0,-7 2,-5 1,-1 2,4 1,1 2,14 1,-20-2,10-4,2 0,1 2,29-3,7 1,-44 0,-1 1,17-1,-2-1,16 4,-53-5,7 1,-21 0,57 3,-1 2,16 1,-8 1,-17-1,2 0,-8-1,-25-4,-17 0,-16-2</inkml:trace>
+</inkml:ink>
+</file>
+
+<file path=ppt/ink/ink131.xml><?xml version="1.0" encoding="utf-8"?>
+<inkml:ink xmlns:inkml="http://www.w3.org/2003/InkML">
+  <inkml:definitions>
+    <inkml:context xml:id="ctx0">
+      <inkml:inkSource xml:id="inkSrc0">
+        <inkml:traceFormat>
+          <inkml:channel name="X" type="integer" min="-2.14748E9" max="2.14748E9" units="cm"/>
+          <inkml:channel name="Y" type="integer" min="-2.14748E9" max="2.14748E9" units="cm"/>
+        </inkml:traceFormat>
+        <inkml:channelProperties>
+          <inkml:channelProperty channel="X" name="resolution" value="1000" units="1/cm"/>
+          <inkml:channelProperty channel="Y" name="resolution" value="1000" units="1/cm"/>
+        </inkml:channelProperties>
+      </inkml:inkSource>
+      <inkml:timestamp xml:id="ts0" timeString="2025-05-19T07:58:57.442"/>
+    </inkml:context>
+    <inkml:brush xml:id="br0">
+      <inkml:brushProperty name="width" value="0.2" units="cm"/>
+      <inkml:brushProperty name="height" value="0.4" units="cm"/>
+      <inkml:brushProperty name="color" value="#FFFC00"/>
+      <inkml:brushProperty name="tip" value="rectangle"/>
+      <inkml:brushProperty name="rasterOp" value="maskPen"/>
+    </inkml:brush>
+  </inkml:definitions>
+  <inkml:trace contextRef="#ctx0" brushRef="#br0">0 0,'80'0,"1"1,-5 2,-1 0,-1 1,-4-1,-6-1,2-1,0 2,-4-2,7 0,-2-1,-4 0,-4-2,-14 2,-2-2,-10 2,0 0,6-1,-2-1,-3 0,-8-2,-15 2,2 0,-5 2,2 0,-1 0</inkml:trace>
 </inkml:ink>
 </file>
 
@@ -2356,62 +2720,6 @@
           <inkml:channelProperty channel="Y" name="resolution" value="1000" units="1/cm"/>
         </inkml:channelProperties>
       </inkml:inkSource>
-      <inkml:timestamp xml:id="ts0" timeString="2023-11-21T04:55:52.504"/>
-    </inkml:context>
-    <inkml:brush xml:id="br0">
-      <inkml:brushProperty name="width" value="0.4" units="cm"/>
-      <inkml:brushProperty name="height" value="0.8" units="cm"/>
-      <inkml:brushProperty name="color" value="#FFFC00"/>
-      <inkml:brushProperty name="tip" value="rectangle"/>
-      <inkml:brushProperty name="rasterOp" value="maskPen"/>
-    </inkml:brush>
-  </inkml:definitions>
-  <inkml:trace contextRef="#ctx0" brushRef="#br0">0 47,'63'0,"0"0,1 0,-1 0,-5 0,-1 0,6 0,0 0,4 0,-1 0,2 0,0 0,-3 0,-2 0,-5 0,-2 0,38 0,-22 0,-18 0,-17 0,-11 0,-9 0,9 0,1 0,19 0,0 0,-2 0,-3 0,-10 0,-6 0,-4 0,-3 0,4 0,6 0,6-3,5-1,1-2,-3-3,-5 1,-6 1,-7 2,-2 0</inkml:trace>
-</inkml:ink>
-</file>
-
-<file path=ppt/ink/ink64.xml><?xml version="1.0" encoding="utf-8"?>
-<inkml:ink xmlns:inkml="http://www.w3.org/2003/InkML">
-  <inkml:definitions>
-    <inkml:context xml:id="ctx0">
-      <inkml:inkSource xml:id="inkSrc0">
-        <inkml:traceFormat>
-          <inkml:channel name="X" type="integer" min="-2.14748E9" max="2.14748E9" units="cm"/>
-          <inkml:channel name="Y" type="integer" min="-2.14748E9" max="2.14748E9" units="cm"/>
-        </inkml:traceFormat>
-        <inkml:channelProperties>
-          <inkml:channelProperty channel="X" name="resolution" value="1000" units="1/cm"/>
-          <inkml:channelProperty channel="Y" name="resolution" value="1000" units="1/cm"/>
-        </inkml:channelProperties>
-      </inkml:inkSource>
-      <inkml:timestamp xml:id="ts0" timeString="2023-11-21T04:56:02.231"/>
-    </inkml:context>
-    <inkml:brush xml:id="br0">
-      <inkml:brushProperty name="width" value="0.4" units="cm"/>
-      <inkml:brushProperty name="height" value="0.8" units="cm"/>
-      <inkml:brushProperty name="color" value="#FFFC00"/>
-      <inkml:brushProperty name="tip" value="rectangle"/>
-      <inkml:brushProperty name="rasterOp" value="maskPen"/>
-    </inkml:brush>
-  </inkml:definitions>
-  <inkml:trace contextRef="#ctx0" brushRef="#br0">0 2,'76'0,"-1"0,1-1,-1 1,8 1,1 2,2 0,1 0,-7 0,1 0,2 0,1 1,0 0,8 0,0 0,2 1,1 0,1 0,-9-1,0 0,1 1,1-1,0 0,0-1,-1 1,0-1,0-1,0 1,0 0,-2 0,14 1,-1 1,-1 0,-1 0,-2 0,-4 0,-2 0,-1 1,-1-1,-2 2,9 0,-1 1,-3 0,-3 1,13 1,-4 1,-3-2,-9 0,-3-2,-3-1,23 1,-5-2,-11-2,-5-1,-12-2,-4 1,-12-1,-3 0,29 0,-9 0,-11 0,-4 0,-4 0,-12 0,-9 0,-8 0,-5 2,5-16,2 1,7-18,3 5,1-3,-6 4,-1-2,-4 2,1 3,8 3,-17 9,3 6</inkml:trace>
-</inkml:ink>
-</file>
-
-<file path=ppt/ink/ink65.xml><?xml version="1.0" encoding="utf-8"?>
-<inkml:ink xmlns:inkml="http://www.w3.org/2003/InkML">
-  <inkml:definitions>
-    <inkml:context xml:id="ctx0">
-      <inkml:inkSource xml:id="inkSrc0">
-        <inkml:traceFormat>
-          <inkml:channel name="X" type="integer" min="-2.14748E9" max="2.14748E9" units="cm"/>
-          <inkml:channel name="Y" type="integer" min="-2.14748E9" max="2.14748E9" units="cm"/>
-        </inkml:traceFormat>
-        <inkml:channelProperties>
-          <inkml:channelProperty channel="X" name="resolution" value="1000" units="1/cm"/>
-          <inkml:channelProperty channel="Y" name="resolution" value="1000" units="1/cm"/>
-        </inkml:channelProperties>
-      </inkml:inkSource>
       <inkml:timestamp xml:id="ts0" timeString="2023-11-21T05:19:25.683"/>
     </inkml:context>
     <inkml:brush xml:id="br0">
@@ -2426,7 +2734,7 @@
 </inkml:ink>
 </file>
 
-<file path=ppt/ink/ink66.xml><?xml version="1.0" encoding="utf-8"?>
+<file path=ppt/ink/ink64.xml><?xml version="1.0" encoding="utf-8"?>
 <inkml:ink xmlns:inkml="http://www.w3.org/2003/InkML">
   <inkml:definitions>
     <inkml:context xml:id="ctx0">
@@ -2454,7 +2762,7 @@
 </inkml:ink>
 </file>
 
-<file path=ppt/ink/ink67.xml><?xml version="1.0" encoding="utf-8"?>
+<file path=ppt/ink/ink65.xml><?xml version="1.0" encoding="utf-8"?>
 <inkml:ink xmlns:inkml="http://www.w3.org/2003/InkML">
   <inkml:definitions>
     <inkml:context xml:id="ctx0">
@@ -2482,7 +2790,7 @@
 </inkml:ink>
 </file>
 
-<file path=ppt/ink/ink68.xml><?xml version="1.0" encoding="utf-8"?>
+<file path=ppt/ink/ink66.xml><?xml version="1.0" encoding="utf-8"?>
 <inkml:ink xmlns:inkml="http://www.w3.org/2003/InkML">
   <inkml:definitions>
     <inkml:context xml:id="ctx0">
@@ -2510,7 +2818,7 @@
 </inkml:ink>
 </file>
 
-<file path=ppt/ink/ink69.xml><?xml version="1.0" encoding="utf-8"?>
+<file path=ppt/ink/ink67.xml><?xml version="1.0" encoding="utf-8"?>
 <inkml:ink xmlns:inkml="http://www.w3.org/2003/InkML">
   <inkml:definitions>
     <inkml:context xml:id="ctx0">
@@ -2535,6 +2843,62 @@
     </inkml:brush>
   </inkml:definitions>
   <inkml:trace contextRef="#ctx0" brushRef="#br0">98 92,'65'0,"-4"0,-26 0,0 0,-6 0,-8 0,0 0,10 0,1 0,11 0,-7 0,-6 0,-6 0,-7 0,6 0,0 0,17 0,-3 0,1 0,-7 0,-11 0,-1 0,20-6,3 5,23-8,-5 6,-3-4,-7 0,-6 4,-3 0,-2 3,1-1,4-2,0-1,4 1,1 2,-2 1,4-3,2-1,3-2,1-1,0 3,-2 1,-1-1,-3 1,0-1,0 1,4 3,0 0,4 0,1 0,-1 0,0 0,-6 0,-5 0,-6 0,-2 0,0 0,4 0,0 0,4 0,0 2,-4 4,-3 1,-10 0,-6 0,-8-4,-52 38,-1-10,-4 2,-3 3,-27 14,4-1,6-4,4-10,1 1,-4 1,-4 4,-3 4,-3 4,4 0,1-2,6-5,5-6,-2-1,6 1,-3 0,4 2,3 0,-3 2,4 1,-1-4,-2 1,-1 3,-4 2,-6 9,0 3,-5 0,0 2,2 0,0-1,3-1,3-4,6-5,4-3,5-3,0 0,0-3,3-2,3-1,2-5,5-3,5-4,5-7,5-3,-11 9,-4 3,-19 23,-5 6,-2 6,7-8,11-12,12-11,9-13,-1-8,-4 4,-6 0,-10 12,2-1,0 0,9-2,7-6,2-4,-9-34,13-15,-11-42,18 30,3-4,-1-8,0-4,1-7,0-1,1-1,0 0,0 4,0 2,0 7,0 3,0 9,0 2,0-34,2 8,6 1,7-3,5 1,2 10,-1 13,-5 18,-4 12,-5 8,4-1,18 0,10-5,18 3,2 4,4 6,-2 5,1 2,-3 1,-1 0,4 0,3 2,9 2,9 0,6-1,-1-3,-12 0,-19 0,-16 0,-15 0,-13 3,-73 23,-29 17,10-3,-5 6,2 3,2 3,0 5,2 3,5 0,2 0,8-5,4-1,6-5,4-3,-23 19,26-23,19-20,13-11,59-37,27-20,-21 14,2-2,12-8,7-5,-4 3,7-4,-6 5,-11 6,-3 2,30-13,-31 18,-21 15,-20 8,-7 5</inkml:trace>
+</inkml:ink>
+</file>
+
+<file path=ppt/ink/ink68.xml><?xml version="1.0" encoding="utf-8"?>
+<inkml:ink xmlns:inkml="http://www.w3.org/2003/InkML">
+  <inkml:definitions>
+    <inkml:context xml:id="ctx0">
+      <inkml:inkSource xml:id="inkSrc0">
+        <inkml:traceFormat>
+          <inkml:channel name="X" type="integer" min="-2.14748E9" max="2.14748E9" units="cm"/>
+          <inkml:channel name="Y" type="integer" min="-2.14748E9" max="2.14748E9" units="cm"/>
+        </inkml:traceFormat>
+        <inkml:channelProperties>
+          <inkml:channelProperty channel="X" name="resolution" value="1000" units="1/cm"/>
+          <inkml:channelProperty channel="Y" name="resolution" value="1000" units="1/cm"/>
+        </inkml:channelProperties>
+      </inkml:inkSource>
+      <inkml:timestamp xml:id="ts0" timeString="2023-11-21T04:56:38.880"/>
+    </inkml:context>
+    <inkml:brush xml:id="br0">
+      <inkml:brushProperty name="width" value="0.4" units="cm"/>
+      <inkml:brushProperty name="height" value="0.8" units="cm"/>
+      <inkml:brushProperty name="color" value="#00FDFF"/>
+      <inkml:brushProperty name="tip" value="rectangle"/>
+      <inkml:brushProperty name="rasterOp" value="maskPen"/>
+    </inkml:brush>
+  </inkml:definitions>
+  <inkml:trace contextRef="#ctx0" brushRef="#br0">154 5002,'76'0,"2"0,7 0,11 0,-45 0,2 0,3 0,0 0,-3 0,1 0,-1-1,1-1,-2-1,-1-1,45-5,-6-2,-4 0,-8 3,-4-2,-8 3,-8 3,-5-2,-4 2,-4 0,-5 1,-9 3,-6 0,-6 0,0 0,6-3,12 0,12-2,9-1,2 1,-9-1,-10 1,-11 2,-4 2,7 1,10 0,18 0,13 0,10 0,10 0,2 0,-44 0,-1 0,2 0,1 0,1 0,1 0,2 0,-1 0,1 0,-1 0,0 0,-2 0,-1 0,-1 0,-1 0,0 0,1 0,0 0,0 1,0 1,1 1,-1 1,0 1,0 2,43 8,-1 0,-5 1,-4-1,1 1,-6 3,3-2,6 3,-41-9,2-1,6 1,2 1,3 2,1 2,2 0,0 0,-1-1,-1 1,-3 0,-2-2,-4-2,-1-2,43 11,-10-5,-4-2,-4-1,-4-4,-1 1,-7 0,-6-3,-9-1,-8-3,-6-3,-5 0,-2 1,-3 2,0 0,-1 0,-3-1,-4-2,-84-43,24 15,-13-4,-3-3,-11-7,-5-4,-5-3,-3-3,-1 0,-1 0,8 4,6 3,9 4,10 5,2 3,6 2,4 3,1 0,0 2,-6-3,-3-6,-14-10,-12-9,30 20,-3-2,-6-5,-2-2,-3-2,1-2,-2-1,-1-1,3 2,0 0,3 1,2 1,2 2,0 1,2 0,0 1,-1 1,-1 1,-4-5,-2 1,-3-3,-1-1,-4-2,0-2,-2-2,0-1,2 1,0 0,-1-1,1 1,1 3,-1 0,1 4,-1 1,2 1,0 1,1 3,1 1,1 1,1 0,2 2,-1 1,2 0,0 1,0 0,0 0,2 2,1-1,0 2,1 0,-1 0,1 1,1-1,1 1,-3-1,1-1,1 0,0-1,0-1,0-1,1 0,0 0,3-1,1 0,3 2,2 0,-29-28,1 7,2 7,-4 0,-5-2,-2-1,1 0,1 6,10 6,3 3,6 4,5-1,3 0,3 0,4 1,3 1,3-3,3-1,-2-7,-4-5,-3-6,-5-4,1-3,2 1,1 3,2 2,3 3,2 4,3 3,4-2,2 2,0-5,3 1,0-1,0 1,4 3,2 5,2 7,5 9,2 7,44 48,-17-17,33 41,-27-13,3 40,-13-17,-2 7,-3-10,-1 5,0 1,0 10,0 2,-2 1,0 1,-2 2,0-2,-1-1,-1-1,-1-2,-2-5,0-3,-1-1,-1 22,0-4,0-9,0-4,0-9,0-3,0-3,0-2,0 1,0 1,0 0,0 0,0-3,0-1,-1-3,0-3,-2 31,-1-23,1-18,2-13,-1 2,-5 18,-6 41,3-28,0 4,-2 11,-1 3,2 5,-1 0,0-9,0-2,3-8,0-5,-2 27,4-33,5-18,-2 6,0 17,0 27,2-29,1 2,1 4,0 2,0 0,0-1,0-8,0-3,0 27,0-27,0-21,0-11,0 10,5 8,5 25,8 8,3-2,-2-10,-5-16,-4-15,-6-16,0-9</inkml:trace>
+</inkml:ink>
+</file>
+
+<file path=ppt/ink/ink69.xml><?xml version="1.0" encoding="utf-8"?>
+<inkml:ink xmlns:inkml="http://www.w3.org/2003/InkML">
+  <inkml:definitions>
+    <inkml:context xml:id="ctx0">
+      <inkml:inkSource xml:id="inkSrc0">
+        <inkml:traceFormat>
+          <inkml:channel name="X" type="integer" min="-2.14748E9" max="2.14748E9" units="cm"/>
+          <inkml:channel name="Y" type="integer" min="-2.14748E9" max="2.14748E9" units="cm"/>
+        </inkml:traceFormat>
+        <inkml:channelProperties>
+          <inkml:channelProperty channel="X" name="resolution" value="1000" units="1/cm"/>
+          <inkml:channelProperty channel="Y" name="resolution" value="1000" units="1/cm"/>
+        </inkml:channelProperties>
+      </inkml:inkSource>
+      <inkml:timestamp xml:id="ts0" timeString="2023-11-21T04:56:45.233"/>
+    </inkml:context>
+    <inkml:brush xml:id="br0">
+      <inkml:brushProperty name="width" value="0.4" units="cm"/>
+      <inkml:brushProperty name="height" value="0.8" units="cm"/>
+      <inkml:brushProperty name="color" value="#00FDFF"/>
+      <inkml:brushProperty name="tip" value="rectangle"/>
+      <inkml:brushProperty name="rasterOp" value="maskPen"/>
+    </inkml:brush>
+  </inkml:definitions>
+  <inkml:trace contextRef="#ctx0" brushRef="#br0">472 0,'39'65,"-2"-2,-13-17,0 0,-1-5,0-5,1-3,2 1,5 1,0 0,-1-5,-3-5,-5-3,-3-5,-2 0,0 1,4 3,3 1,1-1,0 0,-8-4,-8-3,10 6,-8-2,17 11,-3 1,3 4,4 3,-3-3,-3-5,-5-1,-3-4,1 1,3 5,3 4,5 5,1 1,1-1,0-1,-2-2,2-1,0-2,1 3,5 1,5 5,3 1,-3 0,-1 0,-3 0,1 3,1 2,5 5,1 1,1 3,-2-3,-3-2,-2-1,5 0,0 2,3-4,0-2,-1-2,1-3,0-1,3 1,-1 0,1 0,1 0,1 2,3 3,0 1,-3-1,-6-3,-5-6,-2-2,2-2,2-1,-1 0,-4-1,-3 0,-1 0,1 0,2 1,0 1,0 0,1 2,0-2,1 1,-1 1,3 1,2 3,-1 1,-1-3,-3-5,-3-3,-6-4,-7-5,-6-6,-4-7,16 18,6 1,19 24,-1 0,-4-1,-7-2,-8-7,-5-8,-9-7,-4-5,-8-4,-4 2,-18 2,-14 0,-24 2,-17-1,-18 2,36-12,-2-2,-4-1,0-1,-5-3,-2-1,-4-2,-3-4,-7-8,-2-6,-5-6,1-5,0-6,2-5,3-4,2-1,5 4,1 0,3 0,2 2,3 2,3 2,5 5,1 1,6 4,1 2,-39-8,2 8,-2 9,-1 5,-4 4,-4 3,-3 0,1 0,1 3,1 5,-5 3,46-3,0 0,-1 0,0 0,1 0,0 1,1-1,1 0,-45 9,5 1,6-1,2 2,4 1,3 4,10 5,12-1,13-3,13-3,9-5,9-2,4 14,5 3,4 24,7 3,9 5,9-9,8-13,10-14,13-14,15-8,15-8,-37-6,2-4,5-4,2-4,5-5,2-2,8-4,2 0,2 2,1 0,3 2,2 3,0 1,0 4,-2 4,1 4,-1 3,0 3,-3 2,-2 1,-2 2,-2 0,-3 0,-2 0,-6 2,-1 1,-7 1,-2 2,36 11,-21 2,-21-4,-16-5,-10-3,-10-1,7 23,-4 2,14 26,8-6,12 0,8-4,0-8,-4-7,-13-10,-10-9,-15-5,-73 1,7-3,-8 0,-5-1,-7-1,-2 0,-9 0,-3-1,0 0,-3-1,-2 0,2-1,2-1,1 0,2 0,6 0,1 0,3 1,-21 1,4 0,13 1,6 0,16 1,4 0,-18 3,26-4,21-2,9-1,-11-23,-7-30,2 1,-4-8,-9-22,-3-7,8 16,-3-3,-1-2,-1-3,-2-1,0 0,-2-2,-1 0,0 2,2 3,2 2,-1 1,4 7,0 2,1 1,2 4,0 0,2 2,-10-18,2 1,4 8,3 0,3 4,3 1,2 1,3 0,4 5,1 2,-12-39,11 25,6 25,6 21,5 8,50 12,21 17,-6 0,5 5,2 9,-1 3,4 4,-1 2,-3 2,-2 1,-8-1,-3 0,-5-1,-3 1,-8-2,-1 0,27 31,-8-2,-7 0,-2 1,-5 1,-2-3,-4-5,-5-3,-4-6,-1-4,-1 0,5-2,9 5,8 5,14 4,7 0,3-4,0-5,-9-9,-12-8,-14-10,-14-10,-9-10,-53-73,-9-1,5 9,-3-2,8 13,2 3,7 6,1 4,-13-20,17 22,24 25,83 28,8 12,-12-2,3 4,-11-1,-3 1,-3 2,-2-1,-7-2,-3-2,28 15,-30-12,-21-14,-21-6,-44-32,-22-18,13 8,-3-3,-4-2,-5-4,3 1,-7-8,6 4,11 9,3 3,-18-12,30 19,43 19,37 18,33 19,-25-8,2 3,2 4,-1 2,1 0,0 0,-5-4,-3-1,26 14,-25-13,-23-12,-16-10,-53-62,-19-14,4 7,-5-2,4 9,0 2,4 3,1 2,-23-21,25 27,21 22,24 17,9 6</inkml:trace>
 </inkml:ink>
 </file>
 
@@ -2580,62 +2944,6 @@
           <inkml:channelProperty channel="Y" name="resolution" value="1000" units="1/cm"/>
         </inkml:channelProperties>
       </inkml:inkSource>
-      <inkml:timestamp xml:id="ts0" timeString="2023-11-21T04:56:38.880"/>
-    </inkml:context>
-    <inkml:brush xml:id="br0">
-      <inkml:brushProperty name="width" value="0.4" units="cm"/>
-      <inkml:brushProperty name="height" value="0.8" units="cm"/>
-      <inkml:brushProperty name="color" value="#00FDFF"/>
-      <inkml:brushProperty name="tip" value="rectangle"/>
-      <inkml:brushProperty name="rasterOp" value="maskPen"/>
-    </inkml:brush>
-  </inkml:definitions>
-  <inkml:trace contextRef="#ctx0" brushRef="#br0">154 5002,'76'0,"2"0,7 0,11 0,-45 0,2 0,3 0,0 0,-3 0,1 0,-1-1,1-1,-2-1,-1-1,45-5,-6-2,-4 0,-8 3,-4-2,-8 3,-8 3,-5-2,-4 2,-4 0,-5 1,-9 3,-6 0,-6 0,0 0,6-3,12 0,12-2,9-1,2 1,-9-1,-10 1,-11 2,-4 2,7 1,10 0,18 0,13 0,10 0,10 0,2 0,-44 0,-1 0,2 0,1 0,1 0,1 0,2 0,-1 0,1 0,-1 0,0 0,-2 0,-1 0,-1 0,-1 0,0 0,1 0,0 0,0 1,0 1,1 1,-1 1,0 1,0 2,43 8,-1 0,-5 1,-4-1,1 1,-6 3,3-2,6 3,-41-9,2-1,6 1,2 1,3 2,1 2,2 0,0 0,-1-1,-1 1,-3 0,-2-2,-4-2,-1-2,43 11,-10-5,-4-2,-4-1,-4-4,-1 1,-7 0,-6-3,-9-1,-8-3,-6-3,-5 0,-2 1,-3 2,0 0,-1 0,-3-1,-4-2,-84-43,24 15,-13-4,-3-3,-11-7,-5-4,-5-3,-3-3,-1 0,-1 0,8 4,6 3,9 4,10 5,2 3,6 2,4 3,1 0,0 2,-6-3,-3-6,-14-10,-12-9,30 20,-3-2,-6-5,-2-2,-3-2,1-2,-2-1,-1-1,3 2,0 0,3 1,2 1,2 2,0 1,2 0,0 1,-1 1,-1 1,-4-5,-2 1,-3-3,-1-1,-4-2,0-2,-2-2,0-1,2 1,0 0,-1-1,1 1,1 3,-1 0,1 4,-1 1,2 1,0 1,1 3,1 1,1 1,1 0,2 2,-1 1,2 0,0 1,0 0,0 0,2 2,1-1,0 2,1 0,-1 0,1 1,1-1,1 1,-3-1,1-1,1 0,0-1,0-1,0-1,1 0,0 0,3-1,1 0,3 2,2 0,-29-28,1 7,2 7,-4 0,-5-2,-2-1,1 0,1 6,10 6,3 3,6 4,5-1,3 0,3 0,4 1,3 1,3-3,3-1,-2-7,-4-5,-3-6,-5-4,1-3,2 1,1 3,2 2,3 3,2 4,3 3,4-2,2 2,0-5,3 1,0-1,0 1,4 3,2 5,2 7,5 9,2 7,44 48,-17-17,33 41,-27-13,3 40,-13-17,-2 7,-3-10,-1 5,0 1,0 10,0 2,-2 1,0 1,-2 2,0-2,-1-1,-1-1,-1-2,-2-5,0-3,-1-1,-1 22,0-4,0-9,0-4,0-9,0-3,0-3,0-2,0 1,0 1,0 0,0 0,0-3,0-1,-1-3,0-3,-2 31,-1-23,1-18,2-13,-1 2,-5 18,-6 41,3-28,0 4,-2 11,-1 3,2 5,-1 0,0-9,0-2,3-8,0-5,-2 27,4-33,5-18,-2 6,0 17,0 27,2-29,1 2,1 4,0 2,0 0,0-1,0-8,0-3,0 27,0-27,0-21,0-11,0 10,5 8,5 25,8 8,3-2,-2-10,-5-16,-4-15,-6-16,0-9</inkml:trace>
-</inkml:ink>
-</file>
-
-<file path=ppt/ink/ink71.xml><?xml version="1.0" encoding="utf-8"?>
-<inkml:ink xmlns:inkml="http://www.w3.org/2003/InkML">
-  <inkml:definitions>
-    <inkml:context xml:id="ctx0">
-      <inkml:inkSource xml:id="inkSrc0">
-        <inkml:traceFormat>
-          <inkml:channel name="X" type="integer" min="-2.14748E9" max="2.14748E9" units="cm"/>
-          <inkml:channel name="Y" type="integer" min="-2.14748E9" max="2.14748E9" units="cm"/>
-        </inkml:traceFormat>
-        <inkml:channelProperties>
-          <inkml:channelProperty channel="X" name="resolution" value="1000" units="1/cm"/>
-          <inkml:channelProperty channel="Y" name="resolution" value="1000" units="1/cm"/>
-        </inkml:channelProperties>
-      </inkml:inkSource>
-      <inkml:timestamp xml:id="ts0" timeString="2023-11-21T04:56:45.233"/>
-    </inkml:context>
-    <inkml:brush xml:id="br0">
-      <inkml:brushProperty name="width" value="0.4" units="cm"/>
-      <inkml:brushProperty name="height" value="0.8" units="cm"/>
-      <inkml:brushProperty name="color" value="#00FDFF"/>
-      <inkml:brushProperty name="tip" value="rectangle"/>
-      <inkml:brushProperty name="rasterOp" value="maskPen"/>
-    </inkml:brush>
-  </inkml:definitions>
-  <inkml:trace contextRef="#ctx0" brushRef="#br0">472 0,'39'65,"-2"-2,-13-17,0 0,-1-5,0-5,1-3,2 1,5 1,0 0,-1-5,-3-5,-5-3,-3-5,-2 0,0 1,4 3,3 1,1-1,0 0,-8-4,-8-3,10 6,-8-2,17 11,-3 1,3 4,4 3,-3-3,-3-5,-5-1,-3-4,1 1,3 5,3 4,5 5,1 1,1-1,0-1,-2-2,2-1,0-2,1 3,5 1,5 5,3 1,-3 0,-1 0,-3 0,1 3,1 2,5 5,1 1,1 3,-2-3,-3-2,-2-1,5 0,0 2,3-4,0-2,-1-2,1-3,0-1,3 1,-1 0,1 0,1 0,1 2,3 3,0 1,-3-1,-6-3,-5-6,-2-2,2-2,2-1,-1 0,-4-1,-3 0,-1 0,1 0,2 1,0 1,0 0,1 2,0-2,1 1,-1 1,3 1,2 3,-1 1,-1-3,-3-5,-3-3,-6-4,-7-5,-6-6,-4-7,16 18,6 1,19 24,-1 0,-4-1,-7-2,-8-7,-5-8,-9-7,-4-5,-8-4,-4 2,-18 2,-14 0,-24 2,-17-1,-18 2,36-12,-2-2,-4-1,0-1,-5-3,-2-1,-4-2,-3-4,-7-8,-2-6,-5-6,1-5,0-6,2-5,3-4,2-1,5 4,1 0,3 0,2 2,3 2,3 2,5 5,1 1,6 4,1 2,-39-8,2 8,-2 9,-1 5,-4 4,-4 3,-3 0,1 0,1 3,1 5,-5 3,46-3,0 0,-1 0,0 0,1 0,0 1,1-1,1 0,-45 9,5 1,6-1,2 2,4 1,3 4,10 5,12-1,13-3,13-3,9-5,9-2,4 14,5 3,4 24,7 3,9 5,9-9,8-13,10-14,13-14,15-8,15-8,-37-6,2-4,5-4,2-4,5-5,2-2,8-4,2 0,2 2,1 0,3 2,2 3,0 1,0 4,-2 4,1 4,-1 3,0 3,-3 2,-2 1,-2 2,-2 0,-3 0,-2 0,-6 2,-1 1,-7 1,-2 2,36 11,-21 2,-21-4,-16-5,-10-3,-10-1,7 23,-4 2,14 26,8-6,12 0,8-4,0-8,-4-7,-13-10,-10-9,-15-5,-73 1,7-3,-8 0,-5-1,-7-1,-2 0,-9 0,-3-1,0 0,-3-1,-2 0,2-1,2-1,1 0,2 0,6 0,1 0,3 1,-21 1,4 0,13 1,6 0,16 1,4 0,-18 3,26-4,21-2,9-1,-11-23,-7-30,2 1,-4-8,-9-22,-3-7,8 16,-3-3,-1-2,-1-3,-2-1,0 0,-2-2,-1 0,0 2,2 3,2 2,-1 1,4 7,0 2,1 1,2 4,0 0,2 2,-10-18,2 1,4 8,3 0,3 4,3 1,2 1,3 0,4 5,1 2,-12-39,11 25,6 25,6 21,5 8,50 12,21 17,-6 0,5 5,2 9,-1 3,4 4,-1 2,-3 2,-2 1,-8-1,-3 0,-5-1,-3 1,-8-2,-1 0,27 31,-8-2,-7 0,-2 1,-5 1,-2-3,-4-5,-5-3,-4-6,-1-4,-1 0,5-2,9 5,8 5,14 4,7 0,3-4,0-5,-9-9,-12-8,-14-10,-14-10,-9-10,-53-73,-9-1,5 9,-3-2,8 13,2 3,7 6,1 4,-13-20,17 22,24 25,83 28,8 12,-12-2,3 4,-11-1,-3 1,-3 2,-2-1,-7-2,-3-2,28 15,-30-12,-21-14,-21-6,-44-32,-22-18,13 8,-3-3,-4-2,-5-4,3 1,-7-8,6 4,11 9,3 3,-18-12,30 19,43 19,37 18,33 19,-25-8,2 3,2 4,-1 2,1 0,0 0,-5-4,-3-1,26 14,-25-13,-23-12,-16-10,-53-62,-19-14,4 7,-5-2,4 9,0 2,4 3,1 2,-23-21,25 27,21 22,24 17,9 6</inkml:trace>
-</inkml:ink>
-</file>
-
-<file path=ppt/ink/ink72.xml><?xml version="1.0" encoding="utf-8"?>
-<inkml:ink xmlns:inkml="http://www.w3.org/2003/InkML">
-  <inkml:definitions>
-    <inkml:context xml:id="ctx0">
-      <inkml:inkSource xml:id="inkSrc0">
-        <inkml:traceFormat>
-          <inkml:channel name="X" type="integer" min="-2.14748E9" max="2.14748E9" units="cm"/>
-          <inkml:channel name="Y" type="integer" min="-2.14748E9" max="2.14748E9" units="cm"/>
-        </inkml:traceFormat>
-        <inkml:channelProperties>
-          <inkml:channelProperty channel="X" name="resolution" value="1000" units="1/cm"/>
-          <inkml:channelProperty channel="Y" name="resolution" value="1000" units="1/cm"/>
-        </inkml:channelProperties>
-      </inkml:inkSource>
       <inkml:timestamp xml:id="ts0" timeString="2023-11-21T04:56:54.410"/>
     </inkml:context>
     <inkml:brush xml:id="br0">
@@ -2650,7 +2958,7 @@
 </inkml:ink>
 </file>
 
-<file path=ppt/ink/ink73.xml><?xml version="1.0" encoding="utf-8"?>
+<file path=ppt/ink/ink71.xml><?xml version="1.0" encoding="utf-8"?>
 <inkml:ink xmlns:inkml="http://www.w3.org/2003/InkML">
   <inkml:definitions>
     <inkml:context xml:id="ctx0">
@@ -2678,7 +2986,7 @@
 </inkml:ink>
 </file>
 
-<file path=ppt/ink/ink74.xml><?xml version="1.0" encoding="utf-8"?>
+<file path=ppt/ink/ink72.xml><?xml version="1.0" encoding="utf-8"?>
 <inkml:ink xmlns:inkml="http://www.w3.org/2003/InkML">
   <inkml:definitions>
     <inkml:context xml:id="ctx0">
@@ -2706,7 +3014,7 @@
 </inkml:ink>
 </file>
 
-<file path=ppt/ink/ink75.xml><?xml version="1.0" encoding="utf-8"?>
+<file path=ppt/ink/ink73.xml><?xml version="1.0" encoding="utf-8"?>
 <inkml:ink xmlns:inkml="http://www.w3.org/2003/InkML">
   <inkml:definitions>
     <inkml:context xml:id="ctx0">
@@ -2734,7 +3042,7 @@
 </inkml:ink>
 </file>
 
-<file path=ppt/ink/ink76.xml><?xml version="1.0" encoding="utf-8"?>
+<file path=ppt/ink/ink74.xml><?xml version="1.0" encoding="utf-8"?>
 <inkml:ink xmlns:inkml="http://www.w3.org/2003/InkML">
   <inkml:definitions>
     <inkml:context xml:id="ctx0">
@@ -2762,7 +3070,7 @@
 </inkml:ink>
 </file>
 
-<file path=ppt/ink/ink77.xml><?xml version="1.0" encoding="utf-8"?>
+<file path=ppt/ink/ink75.xml><?xml version="1.0" encoding="utf-8"?>
 <inkml:ink xmlns:inkml="http://www.w3.org/2003/InkML">
   <inkml:definitions>
     <inkml:context xml:id="ctx0">
@@ -2790,7 +3098,7 @@
 </inkml:ink>
 </file>
 
-<file path=ppt/ink/ink78.xml><?xml version="1.0" encoding="utf-8"?>
+<file path=ppt/ink/ink76.xml><?xml version="1.0" encoding="utf-8"?>
 <inkml:ink xmlns:inkml="http://www.w3.org/2003/InkML">
   <inkml:definitions>
     <inkml:context xml:id="ctx0">
@@ -2818,7 +3126,7 @@
 </inkml:ink>
 </file>
 
-<file path=ppt/ink/ink79.xml><?xml version="1.0" encoding="utf-8"?>
+<file path=ppt/ink/ink77.xml><?xml version="1.0" encoding="utf-8"?>
 <inkml:ink xmlns:inkml="http://www.w3.org/2003/InkML">
   <inkml:definitions>
     <inkml:context xml:id="ctx0">
@@ -2843,6 +3151,62 @@
     </inkml:brush>
   </inkml:definitions>
   <inkml:trace contextRef="#ctx0" brushRef="#br0">620 1114 24575,'-25'0'0,"-12"0"0,-11 0 0,-10 0 0,-4-6 0,-3-6 0,-2-10 0,6-9 0,8-4 0,13-5 0,10-3 0,8-2 0,5 0 0,4-3 0,4-4 0,3 0 0,2-5 0,1-4 0,3-2 0,1-11 0,7 0 0,15 4 0,15 5 0,19 13 0,10 7 0,12 6 0,-31 22 0,3 3 0,6 1 0,2 2 0,6 2 0,1 2 0,2 2 0,-1 2 0,-3 1 0,-2 1 0,-5 0 0,-1 3 0,43 7 0,-13 13 0,-9 13 0,-7 11 0,-9 5 0,-11 0 0,-9 2 0,-9 4 0,-9 5 0,-6 7 0,-8 7 0,-10 4 0,-17 2 0,-22 2 0,12-42 0,-6-3 0,-7-1 0,-3-3 0,-3 0 0,-1-3 0,0-3 0,-1-2 0,0-4 0,0-2 0,-46 12 0,3-15 0,2-9 0,4-7 0,7-2 0,3 0 0,7 0 0,8-2 0,5-3 0,12-1 0,12-2 0,8 0 0,14 5 0,4-1 0</inkml:trace>
+</inkml:ink>
+</file>
+
+<file path=ppt/ink/ink78.xml><?xml version="1.0" encoding="utf-8"?>
+<inkml:ink xmlns:inkml="http://www.w3.org/2003/InkML">
+  <inkml:definitions>
+    <inkml:context xml:id="ctx0">
+      <inkml:inkSource xml:id="inkSrc0">
+        <inkml:traceFormat>
+          <inkml:channel name="X" type="integer" min="-2.14748E9" max="2.14748E9" units="cm"/>
+          <inkml:channel name="Y" type="integer" min="-2.14748E9" max="2.14748E9" units="cm"/>
+          <inkml:channel name="F" type="integer" max="32767" units="dev"/>
+        </inkml:traceFormat>
+        <inkml:channelProperties>
+          <inkml:channelProperty channel="X" name="resolution" value="1000" units="1/cm"/>
+          <inkml:channelProperty channel="Y" name="resolution" value="1000" units="1/cm"/>
+          <inkml:channelProperty channel="F" name="resolution" value="0" units="1/dev"/>
+        </inkml:channelProperties>
+      </inkml:inkSource>
+      <inkml:timestamp xml:id="ts0" timeString="2024-05-28T06:56:30.724"/>
+    </inkml:context>
+    <inkml:brush xml:id="br0">
+      <inkml:brushProperty name="width" value="0.05" units="cm"/>
+      <inkml:brushProperty name="height" value="0.05" units="cm"/>
+      <inkml:brushProperty name="color" value="#0432FF"/>
+    </inkml:brush>
+  </inkml:definitions>
+  <inkml:trace contextRef="#ctx0" brushRef="#br0">634 1081 24575,'-13'0'0,"-6"0"0,-11 0 0,-8 0 0,-7 0 0,-5-7 0,0-9 0,0-10 0,5-4 0,6 2 0,6 2 0,4 1 0,3-2 0,4-1 0,4-3 0,5-5 0,5-10 0,5-15 0,1-16 0,2-9 0,0 4 0,3 8 0,9 14 0,11 11 0,17 5 0,13 5 0,14-1 0,8 0 0,0 5 0,-1 7 0,-9 9 0,-3 8 0,-1 4 0,0 5 0,0 5 0,2 11 0,1 12 0,-4 13 0,-5 8 0,-8 6 0,-8 0 0,-6 3 0,-6-1 0,-6-8 0,-6-4 0,-5-4 0,-5 3 0,-2 10 0,-2 8 0,-1 4 0,-4 3 0,-12-2 0,-15 4 0,-19 0 0,-17 1 0,28-34 0,-3 0 0,-2-3 0,-3 0 0,0-2 0,-2-2 0,-1-2 0,-1-2 0,2-3 0,-1-2 0,2-1 0,-1-3 0,-43 9 0,8-9 0,6-10 0,6-5 0,7-2 0,12-4 0,8-9 0,16-6 0,12-2 0,9 0 0,11 6 0,-2 7 0,3 3 0</inkml:trace>
+</inkml:ink>
+</file>
+
+<file path=ppt/ink/ink79.xml><?xml version="1.0" encoding="utf-8"?>
+<inkml:ink xmlns:inkml="http://www.w3.org/2003/InkML">
+  <inkml:definitions>
+    <inkml:context xml:id="ctx0">
+      <inkml:inkSource xml:id="inkSrc0">
+        <inkml:traceFormat>
+          <inkml:channel name="X" type="integer" min="-2.14748E9" max="2.14748E9" units="cm"/>
+          <inkml:channel name="Y" type="integer" min="-2.14748E9" max="2.14748E9" units="cm"/>
+        </inkml:traceFormat>
+        <inkml:channelProperties>
+          <inkml:channelProperty channel="X" name="resolution" value="1000" units="1/cm"/>
+          <inkml:channelProperty channel="Y" name="resolution" value="1000" units="1/cm"/>
+        </inkml:channelProperties>
+      </inkml:inkSource>
+      <inkml:timestamp xml:id="ts0" timeString="2023-11-21T05:08:45.009"/>
+    </inkml:context>
+    <inkml:brush xml:id="br0">
+      <inkml:brushProperty name="width" value="0.4" units="cm"/>
+      <inkml:brushProperty name="height" value="0.8" units="cm"/>
+      <inkml:brushProperty name="color" value="#00FDFF"/>
+      <inkml:brushProperty name="tip" value="rectangle"/>
+      <inkml:brushProperty name="rasterOp" value="maskPen"/>
+    </inkml:brush>
+  </inkml:definitions>
+  <inkml:trace contextRef="#ctx0" brushRef="#br0">94 1,'62'0,"1"0,5 0,2 0,10 0,2 0,2 0,2 0,-20 0,2 0,0 0,2 0,1 0,0 0,3 0,1 0,0 1,1 0,1 2,-1 0,-6 2,-1 0,0 2,0 0,0 2,-1 0,27 6,-3 0,-7 0,-1-2,-9-2,-2-2,-7 0,-2-2,-7-2,-3-2,45 2,-20-2,-15-3,-13 0,-13 0,-7 0,-5 0,-1 0,-1 0,2 0,0 0,2 0,-2 0,-1 0,1 0,0 0,3 0,5 2,8 1,10 3,9 1,6 0,-4 3,-2-3,-9 2,-8-3,-9-1,-10 0,-7-2,-6 17,-6-1,-4 9,-4-6,-9-7,-17-2,-20-2,-27-1,20-3,-5-1,-12 0,-4 0,-9 0,-3 1,-7 1,-1 0,0 0,0 0,-3 3,1 0,30-4,1 0,0-1,-28 3,1-1,5-1,2-1,5-2,2-2,7 1,1-2,6-1,1 0,6 0,1 0,5 0,0 0,-43 0,5 0,5 0,2 0,-2 0,-1 0,-1 0,1 0,4 0,1 0,4 0,6 0,4 0,5-2,4-2,3-2,4-3,7 1,5-1,8 0,7 1,4 0,6 2,-2-11,9-1,0-4,8-6,0 6</inkml:trace>
 </inkml:ink>
 </file>
 
@@ -2882,62 +3246,6 @@
         <inkml:traceFormat>
           <inkml:channel name="X" type="integer" min="-2.14748E9" max="2.14748E9" units="cm"/>
           <inkml:channel name="Y" type="integer" min="-2.14748E9" max="2.14748E9" units="cm"/>
-          <inkml:channel name="F" type="integer" max="32767" units="dev"/>
-        </inkml:traceFormat>
-        <inkml:channelProperties>
-          <inkml:channelProperty channel="X" name="resolution" value="1000" units="1/cm"/>
-          <inkml:channelProperty channel="Y" name="resolution" value="1000" units="1/cm"/>
-          <inkml:channelProperty channel="F" name="resolution" value="0" units="1/dev"/>
-        </inkml:channelProperties>
-      </inkml:inkSource>
-      <inkml:timestamp xml:id="ts0" timeString="2024-05-28T06:56:30.724"/>
-    </inkml:context>
-    <inkml:brush xml:id="br0">
-      <inkml:brushProperty name="width" value="0.05" units="cm"/>
-      <inkml:brushProperty name="height" value="0.05" units="cm"/>
-      <inkml:brushProperty name="color" value="#0432FF"/>
-    </inkml:brush>
-  </inkml:definitions>
-  <inkml:trace contextRef="#ctx0" brushRef="#br0">634 1081 24575,'-13'0'0,"-6"0"0,-11 0 0,-8 0 0,-7 0 0,-5-7 0,0-9 0,0-10 0,5-4 0,6 2 0,6 2 0,4 1 0,3-2 0,4-1 0,4-3 0,5-5 0,5-10 0,5-15 0,1-16 0,2-9 0,0 4 0,3 8 0,9 14 0,11 11 0,17 5 0,13 5 0,14-1 0,8 0 0,0 5 0,-1 7 0,-9 9 0,-3 8 0,-1 4 0,0 5 0,0 5 0,2 11 0,1 12 0,-4 13 0,-5 8 0,-8 6 0,-8 0 0,-6 3 0,-6-1 0,-6-8 0,-6-4 0,-5-4 0,-5 3 0,-2 10 0,-2 8 0,-1 4 0,-4 3 0,-12-2 0,-15 4 0,-19 0 0,-17 1 0,28-34 0,-3 0 0,-2-3 0,-3 0 0,0-2 0,-2-2 0,-1-2 0,-1-2 0,2-3 0,-1-2 0,2-1 0,-1-3 0,-43 9 0,8-9 0,6-10 0,6-5 0,7-2 0,12-4 0,8-9 0,16-6 0,12-2 0,9 0 0,11 6 0,-2 7 0,3 3 0</inkml:trace>
-</inkml:ink>
-</file>
-
-<file path=ppt/ink/ink81.xml><?xml version="1.0" encoding="utf-8"?>
-<inkml:ink xmlns:inkml="http://www.w3.org/2003/InkML">
-  <inkml:definitions>
-    <inkml:context xml:id="ctx0">
-      <inkml:inkSource xml:id="inkSrc0">
-        <inkml:traceFormat>
-          <inkml:channel name="X" type="integer" min="-2.14748E9" max="2.14748E9" units="cm"/>
-          <inkml:channel name="Y" type="integer" min="-2.14748E9" max="2.14748E9" units="cm"/>
-        </inkml:traceFormat>
-        <inkml:channelProperties>
-          <inkml:channelProperty channel="X" name="resolution" value="1000" units="1/cm"/>
-          <inkml:channelProperty channel="Y" name="resolution" value="1000" units="1/cm"/>
-        </inkml:channelProperties>
-      </inkml:inkSource>
-      <inkml:timestamp xml:id="ts0" timeString="2023-11-21T05:08:45.009"/>
-    </inkml:context>
-    <inkml:brush xml:id="br0">
-      <inkml:brushProperty name="width" value="0.4" units="cm"/>
-      <inkml:brushProperty name="height" value="0.8" units="cm"/>
-      <inkml:brushProperty name="color" value="#00FDFF"/>
-      <inkml:brushProperty name="tip" value="rectangle"/>
-      <inkml:brushProperty name="rasterOp" value="maskPen"/>
-    </inkml:brush>
-  </inkml:definitions>
-  <inkml:trace contextRef="#ctx0" brushRef="#br0">94 1,'62'0,"1"0,5 0,2 0,10 0,2 0,2 0,2 0,-20 0,2 0,0 0,2 0,1 0,0 0,3 0,1 0,0 1,1 0,1 2,-1 0,-6 2,-1 0,0 2,0 0,0 2,-1 0,27 6,-3 0,-7 0,-1-2,-9-2,-2-2,-7 0,-2-2,-7-2,-3-2,45 2,-20-2,-15-3,-13 0,-13 0,-7 0,-5 0,-1 0,-1 0,2 0,0 0,2 0,-2 0,-1 0,1 0,0 0,3 0,5 2,8 1,10 3,9 1,6 0,-4 3,-2-3,-9 2,-8-3,-9-1,-10 0,-7-2,-6 17,-6-1,-4 9,-4-6,-9-7,-17-2,-20-2,-27-1,20-3,-5-1,-12 0,-4 0,-9 0,-3 1,-7 1,-1 0,0 0,0 0,-3 3,1 0,30-4,1 0,0-1,-28 3,1-1,5-1,2-1,5-2,2-2,7 1,1-2,6-1,1 0,6 0,1 0,5 0,0 0,-43 0,5 0,5 0,2 0,-2 0,-1 0,-1 0,1 0,4 0,1 0,4 0,6 0,4 0,5-2,4-2,3-2,4-3,7 1,5-1,8 0,7 1,4 0,6 2,-2-11,9-1,0-4,8-6,0 6</inkml:trace>
-</inkml:ink>
-</file>
-
-<file path=ppt/ink/ink82.xml><?xml version="1.0" encoding="utf-8"?>
-<inkml:ink xmlns:inkml="http://www.w3.org/2003/InkML">
-  <inkml:definitions>
-    <inkml:context xml:id="ctx0">
-      <inkml:inkSource xml:id="inkSrc0">
-        <inkml:traceFormat>
-          <inkml:channel name="X" type="integer" min="-2.14748E9" max="2.14748E9" units="cm"/>
-          <inkml:channel name="Y" type="integer" min="-2.14748E9" max="2.14748E9" units="cm"/>
         </inkml:traceFormat>
         <inkml:channelProperties>
           <inkml:channelProperty channel="X" name="resolution" value="1000" units="1/cm"/>
@@ -2958,7 +3266,7 @@
 </inkml:ink>
 </file>
 
-<file path=ppt/ink/ink83.xml><?xml version="1.0" encoding="utf-8"?>
+<file path=ppt/ink/ink81.xml><?xml version="1.0" encoding="utf-8"?>
 <inkml:ink xmlns:inkml="http://www.w3.org/2003/InkML">
   <inkml:definitions>
     <inkml:context xml:id="ctx0">
@@ -2986,7 +3294,7 @@
 </inkml:ink>
 </file>
 
-<file path=ppt/ink/ink84.xml><?xml version="1.0" encoding="utf-8"?>
+<file path=ppt/ink/ink82.xml><?xml version="1.0" encoding="utf-8"?>
 <inkml:ink xmlns:inkml="http://www.w3.org/2003/InkML">
   <inkml:definitions>
     <inkml:context xml:id="ctx0">
@@ -3014,7 +3322,7 @@
 </inkml:ink>
 </file>
 
-<file path=ppt/ink/ink85.xml><?xml version="1.0" encoding="utf-8"?>
+<file path=ppt/ink/ink83.xml><?xml version="1.0" encoding="utf-8"?>
 <inkml:ink xmlns:inkml="http://www.w3.org/2003/InkML">
   <inkml:definitions>
     <inkml:context xml:id="ctx0">
@@ -3042,7 +3350,7 @@
 </inkml:ink>
 </file>
 
-<file path=ppt/ink/ink86.xml><?xml version="1.0" encoding="utf-8"?>
+<file path=ppt/ink/ink84.xml><?xml version="1.0" encoding="utf-8"?>
 <inkml:ink xmlns:inkml="http://www.w3.org/2003/InkML">
   <inkml:definitions>
     <inkml:context xml:id="ctx0">
@@ -3070,7 +3378,7 @@
 </inkml:ink>
 </file>
 
-<file path=ppt/ink/ink87.xml><?xml version="1.0" encoding="utf-8"?>
+<file path=ppt/ink/ink85.xml><?xml version="1.0" encoding="utf-8"?>
 <inkml:ink xmlns:inkml="http://www.w3.org/2003/InkML">
   <inkml:definitions>
     <inkml:context xml:id="ctx0">
@@ -3098,7 +3406,7 @@
 </inkml:ink>
 </file>
 
-<file path=ppt/ink/ink88.xml><?xml version="1.0" encoding="utf-8"?>
+<file path=ppt/ink/ink86.xml><?xml version="1.0" encoding="utf-8"?>
 <inkml:ink xmlns:inkml="http://www.w3.org/2003/InkML">
   <inkml:definitions>
     <inkml:context xml:id="ctx0">
@@ -3126,7 +3434,7 @@
 </inkml:ink>
 </file>
 
-<file path=ppt/ink/ink89.xml><?xml version="1.0" encoding="utf-8"?>
+<file path=ppt/ink/ink87.xml><?xml version="1.0" encoding="utf-8"?>
 <inkml:ink xmlns:inkml="http://www.w3.org/2003/InkML">
   <inkml:definitions>
     <inkml:context xml:id="ctx0">
@@ -3151,6 +3459,62 @@
     </inkml:brush>
   </inkml:definitions>
   <inkml:trace contextRef="#ctx0" brushRef="#br0">1 78,'88'0,"0"0,2 0,2 0,5 0,3 0,-21 0,3 0,-1 0,-2 0,0 0,2 0,6 0,2 0,-2 0,-6-1,0 1,-2 1,-6 0,-2 0,1 1,0 0,0 0,-2 0,23 2,-2 1,-5-1,-2 1,-9-3,-3 0,-8 0,-1 0,-5-2,-1 0,-2 0,1 0,0 0,0 0,4 0,0 0,1 0,1 0,-1 0,1 0,-2 0,-2 0,-2 0,-1 0,-2 0,0 0,46 0,-3 0,-6 0,-5 0,-3 0,-1 0,-1 0,4 0,1 0,5 0,6 0,0 0,-46 0,0 0,46 0,-1 0,-3 0,-2 0,6-3,-46 1,1 0,4-1,1 1,3 1,0-1,2 0,-1 0,0 0,0 0,0 0,1 0,0-1,-1 1,2-1,-1 1,0 0,-1 0,-2-1,0 0,0 0,-1 0,0-1,1 0,-1 0,0-1,0 0,1 0,1 1,0 0,1 0,0 1,0 0,1-1,0 2,-1 0,2 0,0 0,0 0,-1 1,-1 1,0 0,-2 0,-2 0,-4 0,-1 0,43 0,-4 0,-7 0,-1 0,-5 0,-3 0,-7 0,-17 0,-14 0,-13 0,-8 0,30 0,4 0,10 0,3 0,7 0,5 0,4 0,5 0,4 0,2 0,-3 1,2 0,2 0,3 1,0 0,-9 0,3 0,0 1,1 0,0 1,0 0,2 1,1 0,1 1,-1 0,0 1,-2 1,-4-1,0 1,-1 1,0 0,-2 1,-2-1,5 2,-2 0,-1 1,-2-1,-2 1,7 2,-2 0,-2 0,-4-1,11 2,-5 0,-3 0,17 3,-6 0,-17-3,-7-1,20 4,-41-7,-18-7,-10-4,1 0,7 0,17 0,9 0,5 0,-7 0,-12 0,-10 0,-12 0,-3 0</inkml:trace>
+</inkml:ink>
+</file>
+
+<file path=ppt/ink/ink88.xml><?xml version="1.0" encoding="utf-8"?>
+<inkml:ink xmlns:inkml="http://www.w3.org/2003/InkML">
+  <inkml:definitions>
+    <inkml:context xml:id="ctx0">
+      <inkml:inkSource xml:id="inkSrc0">
+        <inkml:traceFormat>
+          <inkml:channel name="X" type="integer" min="-2.14748E9" max="2.14748E9" units="cm"/>
+          <inkml:channel name="Y" type="integer" min="-2.14748E9" max="2.14748E9" units="cm"/>
+        </inkml:traceFormat>
+        <inkml:channelProperties>
+          <inkml:channelProperty channel="X" name="resolution" value="1000" units="1/cm"/>
+          <inkml:channelProperty channel="Y" name="resolution" value="1000" units="1/cm"/>
+        </inkml:channelProperties>
+      </inkml:inkSource>
+      <inkml:timestamp xml:id="ts0" timeString="2023-11-21T05:10:26.301"/>
+    </inkml:context>
+    <inkml:brush xml:id="br0">
+      <inkml:brushProperty name="width" value="0.4" units="cm"/>
+      <inkml:brushProperty name="height" value="0.8" units="cm"/>
+      <inkml:brushProperty name="color" value="#00FDFF"/>
+      <inkml:brushProperty name="tip" value="rectangle"/>
+      <inkml:brushProperty name="rasterOp" value="maskPen"/>
+    </inkml:brush>
+  </inkml:definitions>
+  <inkml:trace contextRef="#ctx0" brushRef="#br0">0 1,'99'0,"0"0,-30 2,1 1,-1 1,29 5,0 3,-3 4,-2 1,-5 2,-5 1,-17-3,-5-1,27 9,-31-7,-24-7,-14-4,-4-3</inkml:trace>
+</inkml:ink>
+</file>
+
+<file path=ppt/ink/ink89.xml><?xml version="1.0" encoding="utf-8"?>
+<inkml:ink xmlns:inkml="http://www.w3.org/2003/InkML">
+  <inkml:definitions>
+    <inkml:context xml:id="ctx0">
+      <inkml:inkSource xml:id="inkSrc0">
+        <inkml:traceFormat>
+          <inkml:channel name="X" type="integer" min="-2.14748E9" max="2.14748E9" units="cm"/>
+          <inkml:channel name="Y" type="integer" min="-2.14748E9" max="2.14748E9" units="cm"/>
+        </inkml:traceFormat>
+        <inkml:channelProperties>
+          <inkml:channelProperty channel="X" name="resolution" value="1000" units="1/cm"/>
+          <inkml:channelProperty channel="Y" name="resolution" value="1000" units="1/cm"/>
+        </inkml:channelProperties>
+      </inkml:inkSource>
+      <inkml:timestamp xml:id="ts0" timeString="2023-11-21T05:10:29.244"/>
+    </inkml:context>
+    <inkml:brush xml:id="br0">
+      <inkml:brushProperty name="width" value="0.4" units="cm"/>
+      <inkml:brushProperty name="height" value="0.8" units="cm"/>
+      <inkml:brushProperty name="color" value="#00FDFF"/>
+      <inkml:brushProperty name="tip" value="rectangle"/>
+      <inkml:brushProperty name="rasterOp" value="maskPen"/>
+    </inkml:brush>
+  </inkml:definitions>
+  <inkml:trace contextRef="#ctx0" brushRef="#br0">0 1,'53'0,"0"0,18 0,4 0,8 0,4 0,-20 0,3 0,0 0,2 0,2 0,-2 1,-2 0,-1 1,0 0,2 1,-1 1,0 1,27 2,-3 1,-7 1,-3 0,-11-2,-3-1,-12-1,-4-1,22 3,-25-3,-20-1,-16-3,-5 0</inkml:trace>
 </inkml:ink>
 </file>
 
@@ -3196,62 +3560,6 @@
           <inkml:channelProperty channel="Y" name="resolution" value="1000" units="1/cm"/>
         </inkml:channelProperties>
       </inkml:inkSource>
-      <inkml:timestamp xml:id="ts0" timeString="2023-11-21T05:10:26.301"/>
-    </inkml:context>
-    <inkml:brush xml:id="br0">
-      <inkml:brushProperty name="width" value="0.4" units="cm"/>
-      <inkml:brushProperty name="height" value="0.8" units="cm"/>
-      <inkml:brushProperty name="color" value="#00FDFF"/>
-      <inkml:brushProperty name="tip" value="rectangle"/>
-      <inkml:brushProperty name="rasterOp" value="maskPen"/>
-    </inkml:brush>
-  </inkml:definitions>
-  <inkml:trace contextRef="#ctx0" brushRef="#br0">0 1,'99'0,"0"0,-30 2,1 1,-1 1,29 5,0 3,-3 4,-2 1,-5 2,-5 1,-17-3,-5-1,27 9,-31-7,-24-7,-14-4,-4-3</inkml:trace>
-</inkml:ink>
-</file>
-
-<file path=ppt/ink/ink91.xml><?xml version="1.0" encoding="utf-8"?>
-<inkml:ink xmlns:inkml="http://www.w3.org/2003/InkML">
-  <inkml:definitions>
-    <inkml:context xml:id="ctx0">
-      <inkml:inkSource xml:id="inkSrc0">
-        <inkml:traceFormat>
-          <inkml:channel name="X" type="integer" min="-2.14748E9" max="2.14748E9" units="cm"/>
-          <inkml:channel name="Y" type="integer" min="-2.14748E9" max="2.14748E9" units="cm"/>
-        </inkml:traceFormat>
-        <inkml:channelProperties>
-          <inkml:channelProperty channel="X" name="resolution" value="1000" units="1/cm"/>
-          <inkml:channelProperty channel="Y" name="resolution" value="1000" units="1/cm"/>
-        </inkml:channelProperties>
-      </inkml:inkSource>
-      <inkml:timestamp xml:id="ts0" timeString="2023-11-21T05:10:29.244"/>
-    </inkml:context>
-    <inkml:brush xml:id="br0">
-      <inkml:brushProperty name="width" value="0.4" units="cm"/>
-      <inkml:brushProperty name="height" value="0.8" units="cm"/>
-      <inkml:brushProperty name="color" value="#00FDFF"/>
-      <inkml:brushProperty name="tip" value="rectangle"/>
-      <inkml:brushProperty name="rasterOp" value="maskPen"/>
-    </inkml:brush>
-  </inkml:definitions>
-  <inkml:trace contextRef="#ctx0" brushRef="#br0">0 1,'53'0,"0"0,18 0,4 0,8 0,4 0,-20 0,3 0,0 0,2 0,2 0,-2 1,-2 0,-1 1,0 0,2 1,-1 1,0 1,27 2,-3 1,-7 1,-3 0,-11-2,-3-1,-12-1,-4-1,22 3,-25-3,-20-1,-16-3,-5 0</inkml:trace>
-</inkml:ink>
-</file>
-
-<file path=ppt/ink/ink92.xml><?xml version="1.0" encoding="utf-8"?>
-<inkml:ink xmlns:inkml="http://www.w3.org/2003/InkML">
-  <inkml:definitions>
-    <inkml:context xml:id="ctx0">
-      <inkml:inkSource xml:id="inkSrc0">
-        <inkml:traceFormat>
-          <inkml:channel name="X" type="integer" min="-2.14748E9" max="2.14748E9" units="cm"/>
-          <inkml:channel name="Y" type="integer" min="-2.14748E9" max="2.14748E9" units="cm"/>
-        </inkml:traceFormat>
-        <inkml:channelProperties>
-          <inkml:channelProperty channel="X" name="resolution" value="1000" units="1/cm"/>
-          <inkml:channelProperty channel="Y" name="resolution" value="1000" units="1/cm"/>
-        </inkml:channelProperties>
-      </inkml:inkSource>
       <inkml:timestamp xml:id="ts0" timeString="2023-11-21T05:10:38.830"/>
     </inkml:context>
     <inkml:brush xml:id="br0">
@@ -3266,7 +3574,7 @@
 </inkml:ink>
 </file>
 
-<file path=ppt/ink/ink93.xml><?xml version="1.0" encoding="utf-8"?>
+<file path=ppt/ink/ink91.xml><?xml version="1.0" encoding="utf-8"?>
 <inkml:ink xmlns:inkml="http://www.w3.org/2003/InkML">
   <inkml:definitions>
     <inkml:context xml:id="ctx0">
@@ -3294,7 +3602,7 @@
 </inkml:ink>
 </file>
 
-<file path=ppt/ink/ink94.xml><?xml version="1.0" encoding="utf-8"?>
+<file path=ppt/ink/ink92.xml><?xml version="1.0" encoding="utf-8"?>
 <inkml:ink xmlns:inkml="http://www.w3.org/2003/InkML">
   <inkml:definitions>
     <inkml:context xml:id="ctx0">
@@ -3322,7 +3630,7 @@
 </inkml:ink>
 </file>
 
-<file path=ppt/ink/ink95.xml><?xml version="1.0" encoding="utf-8"?>
+<file path=ppt/ink/ink93.xml><?xml version="1.0" encoding="utf-8"?>
 <inkml:ink xmlns:inkml="http://www.w3.org/2003/InkML">
   <inkml:definitions>
     <inkml:context xml:id="ctx0">
@@ -3350,7 +3658,7 @@
 </inkml:ink>
 </file>
 
-<file path=ppt/ink/ink96.xml><?xml version="1.0" encoding="utf-8"?>
+<file path=ppt/ink/ink94.xml><?xml version="1.0" encoding="utf-8"?>
 <inkml:ink xmlns:inkml="http://www.w3.org/2003/InkML">
   <inkml:definitions>
     <inkml:context xml:id="ctx0">
@@ -3378,7 +3686,7 @@
 </inkml:ink>
 </file>
 
-<file path=ppt/ink/ink97.xml><?xml version="1.0" encoding="utf-8"?>
+<file path=ppt/ink/ink95.xml><?xml version="1.0" encoding="utf-8"?>
 <inkml:ink xmlns:inkml="http://www.w3.org/2003/InkML">
   <inkml:definitions>
     <inkml:context xml:id="ctx0">
@@ -3406,7 +3714,7 @@
 </inkml:ink>
 </file>
 
-<file path=ppt/ink/ink98.xml><?xml version="1.0" encoding="utf-8"?>
+<file path=ppt/ink/ink96.xml><?xml version="1.0" encoding="utf-8"?>
 <inkml:ink xmlns:inkml="http://www.w3.org/2003/InkML">
   <inkml:definitions>
     <inkml:context xml:id="ctx0">
@@ -3434,7 +3742,7 @@
 </inkml:ink>
 </file>
 
-<file path=ppt/ink/ink99.xml><?xml version="1.0" encoding="utf-8"?>
+<file path=ppt/ink/ink97.xml><?xml version="1.0" encoding="utf-8"?>
 <inkml:ink xmlns:inkml="http://www.w3.org/2003/InkML">
   <inkml:definitions>
     <inkml:context xml:id="ctx0">
@@ -3459,6 +3767,62 @@
     </inkml:brush>
   </inkml:definitions>
   <inkml:trace contextRef="#ctx0" brushRef="#br0">119 1,'0'50,"0"1,-1 1,-1 1,-1 2,-1 0,-1-1,-1 0,0 1,-1-1,0-1,0-1,1 1,-1 0,1-1,0-1,-3 42,2-16,4-24,1-17,2-7,0 10,-2 15,-2 18,1 6,0-2,3-3,0-7,0 1,-2-1,-1 0,-1 0,1 0,3-1,0 4,0 3,0-1,0 2,0-4,0-3,0-2,1-1,2 2,0 0,2 0,-1-1,-1-3,2 0,-2-3,0-2,0-1,-3-7,0-6,0-8,0 0,0 12,0 13,0 6,0-9,0-15,0-13,0-2,0 5,0 4,0 0,0-7,0-14,0-7</inkml:trace>
+</inkml:ink>
+</file>
+
+<file path=ppt/ink/ink98.xml><?xml version="1.0" encoding="utf-8"?>
+<inkml:ink xmlns:inkml="http://www.w3.org/2003/InkML">
+  <inkml:definitions>
+    <inkml:context xml:id="ctx0">
+      <inkml:inkSource xml:id="inkSrc0">
+        <inkml:traceFormat>
+          <inkml:channel name="X" type="integer" min="-2.14748E9" max="2.14748E9" units="cm"/>
+          <inkml:channel name="Y" type="integer" min="-2.14748E9" max="2.14748E9" units="cm"/>
+        </inkml:traceFormat>
+        <inkml:channelProperties>
+          <inkml:channelProperty channel="X" name="resolution" value="1000" units="1/cm"/>
+          <inkml:channelProperty channel="Y" name="resolution" value="1000" units="1/cm"/>
+        </inkml:channelProperties>
+      </inkml:inkSource>
+      <inkml:timestamp xml:id="ts0" timeString="2024-05-28T07:03:18.677"/>
+    </inkml:context>
+    <inkml:brush xml:id="br0">
+      <inkml:brushProperty name="width" value="0.2" units="cm"/>
+      <inkml:brushProperty name="height" value="0.4" units="cm"/>
+      <inkml:brushProperty name="color" value="#FFFC00"/>
+      <inkml:brushProperty name="tip" value="rectangle"/>
+      <inkml:brushProperty name="rasterOp" value="maskPen"/>
+    </inkml:brush>
+  </inkml:definitions>
+  <inkml:trace contextRef="#ctx0" brushRef="#br0">1 227,'86'0,"13"0,-45 0,1 0,5 0,1 0,2 0,-1 0,-1 0,-1 0,0 0,-1 0,-5 0,0 0,-3 1,0-2,38-1,-15-1,-9-2,-11-1,-4 3,-1 1,0-1,0 0,-2 0,-3 0,-2 2,0-2,6 0,5 0,7 2,5 1,3 0,4 0,2 0,3 0,-1 0,1 0,0 0,2 0,2 0,1-2,-1-2,-3 1,-1 0,-4 1,-4-1,-6-1,-5-1,1 0,-1-1,2-3,0-2,0-2,-3-2,-3 3,-6 2,-3 1,0 0,3-1,2 1,2 1,1 0,-4 2,0 0,-4 1,0 2,-1 0,-2 3,0 0,0 0,-3 0,-6 0,-8 0,-10 0,-3 0,-15 17,-1-9,-9 15,-5-8,-16 15,-19 17,-19 17,29-27,-2 1,-1 0,-1 0,1-1,1-1,1-2,0 0,3-4,1-2,-35 25,6-3,7-6,5 0,6-3,4-3,4-1,3 0,-4 3,-3 4,-6 6,0 0,0-1,-1-3,0 2,-3 3,-4 7,-10 9,33-31,0 1,-5 4,-1 0,-3 3,-1 0,-2 2,-1 0,1 0,-1 1,1-1,1 1,0-2,2 0,2-3,0-1,1-1,0 0,3-3,1-1,1-2,1-2,-34 28,7-8,2-2,1-4,0-1,0-1,2-4,1 1,3-2,0 3,0 4,-1 3,1 2,2 3,3-3,0 2,3 1,-3 0,0-1,-3 0,0 0,3-5,1-2,6-6,4-5,4-1,2-1,2-1,3-3,7-4,7-6,7-8,1-2,-9 6,-12 11,-6 8,2-1,11-12,13-13,5-7</inkml:trace>
+</inkml:ink>
+</file>
+
+<file path=ppt/ink/ink99.xml><?xml version="1.0" encoding="utf-8"?>
+<inkml:ink xmlns:inkml="http://www.w3.org/2003/InkML">
+  <inkml:definitions>
+    <inkml:context xml:id="ctx0">
+      <inkml:inkSource xml:id="inkSrc0">
+        <inkml:traceFormat>
+          <inkml:channel name="X" type="integer" min="-2.14748E9" max="2.14748E9" units="cm"/>
+          <inkml:channel name="Y" type="integer" min="-2.14748E9" max="2.14748E9" units="cm"/>
+        </inkml:traceFormat>
+        <inkml:channelProperties>
+          <inkml:channelProperty channel="X" name="resolution" value="1000" units="1/cm"/>
+          <inkml:channelProperty channel="Y" name="resolution" value="1000" units="1/cm"/>
+        </inkml:channelProperties>
+      </inkml:inkSource>
+      <inkml:timestamp xml:id="ts0" timeString="2024-05-28T07:03:34.894"/>
+    </inkml:context>
+    <inkml:brush xml:id="br0">
+      <inkml:brushProperty name="width" value="0.2" units="cm"/>
+      <inkml:brushProperty name="height" value="0.4" units="cm"/>
+      <inkml:brushProperty name="color" value="#00FDFF"/>
+      <inkml:brushProperty name="tip" value="rectangle"/>
+      <inkml:brushProperty name="rasterOp" value="maskPen"/>
+    </inkml:brush>
+  </inkml:definitions>
+  <inkml:trace contextRef="#ctx0" brushRef="#br0">156 1,'0'78,"0"-26,0 4,0 10,0 5,0 13,0 3,0 5,0 2,0 1,0 0,0 4,0-1,0-5,0 0,0-1,0 0,0-7,0-1,0-8,0-2,0-9,0-4,0 30,0-30,0-18,0 2,0 14,0 19,-2 15,0-41,0 0,0 3,0 1,0 3,0 1,1 3,-1 1,-2 6,0 2,0 4,0 2,-1 5,-1 0,1 0,0 0,0-3,-1-2,-1-3,0-2,0-4,-1-1,1-3,-1-1,0-7,1-1,-6 40,3-27,4-24,4-14,2-3,0 10,0 14,0 14,0 6,3 0,3-3,6-4,2-4,0-9,-4-10,-2-14,-3-11,-1-5,3 2,3 10,6 13,4 12,4 4,-4-7,-5-12,-4-10,-5-10,-2-3,-2-2,4-2,5-4,6-1</inkml:trace>
 </inkml:ink>
 </file>
 
@@ -3544,7 +3908,7 @@
           <a:p>
             <a:fld id="{15D8E939-9ECB-9C46-A248-99A4B8126363}" type="datetimeFigureOut">
               <a:rPr lang="en-JP" smtClean="0"/>
-              <a:t>2024/05/28</a:t>
+              <a:t>5/19/25</a:t>
             </a:fld>
             <a:endParaRPr lang="en-JP"/>
           </a:p>
@@ -4045,7 +4409,7 @@
           <a:p>
             <a:fld id="{B305A450-B214-F843-90D3-43D45AB970BF}" type="datetime1">
               <a:rPr lang="en-US" smtClean="0"/>
-              <a:t>5/28/24</a:t>
+              <a:t>5/19/25</a:t>
             </a:fld>
             <a:endParaRPr lang="en-JP"/>
           </a:p>
@@ -4245,7 +4609,7 @@
           <a:p>
             <a:fld id="{3FE6076C-7478-7547-8EE6-BBCC8E0F5965}" type="datetime1">
               <a:rPr lang="en-US" smtClean="0"/>
-              <a:t>5/28/24</a:t>
+              <a:t>5/19/25</a:t>
             </a:fld>
             <a:endParaRPr lang="en-JP"/>
           </a:p>
@@ -4455,7 +4819,7 @@
           <a:p>
             <a:fld id="{9ACD9DBC-B76F-1F49-9ACB-B3C63B260788}" type="datetime1">
               <a:rPr lang="en-US" smtClean="0"/>
-              <a:t>5/28/24</a:t>
+              <a:t>5/19/25</a:t>
             </a:fld>
             <a:endParaRPr lang="en-JP"/>
           </a:p>
@@ -4655,7 +5019,7 @@
           <a:p>
             <a:fld id="{97256E53-50F3-8B41-827D-E71E7A78D7C8}" type="datetime1">
               <a:rPr lang="en-US" smtClean="0"/>
-              <a:t>5/28/24</a:t>
+              <a:t>5/19/25</a:t>
             </a:fld>
             <a:endParaRPr lang="en-JP"/>
           </a:p>
@@ -4931,7 +5295,7 @@
           <a:p>
             <a:fld id="{60AD3F61-4B41-B048-9345-533AA47C1AFA}" type="datetime1">
               <a:rPr lang="en-US" smtClean="0"/>
-              <a:t>5/28/24</a:t>
+              <a:t>5/19/25</a:t>
             </a:fld>
             <a:endParaRPr lang="en-JP"/>
           </a:p>
@@ -5199,7 +5563,7 @@
           <a:p>
             <a:fld id="{9E0C3DDA-75D5-FE45-B27F-09B23348A3CF}" type="datetime1">
               <a:rPr lang="en-US" smtClean="0"/>
-              <a:t>5/28/24</a:t>
+              <a:t>5/19/25</a:t>
             </a:fld>
             <a:endParaRPr lang="en-JP"/>
           </a:p>
@@ -5614,7 +5978,7 @@
           <a:p>
             <a:fld id="{91B16E66-205B-D348-AF09-8C13DA8BDFF9}" type="datetime1">
               <a:rPr lang="en-US" smtClean="0"/>
-              <a:t>5/28/24</a:t>
+              <a:t>5/19/25</a:t>
             </a:fld>
             <a:endParaRPr lang="en-JP"/>
           </a:p>
@@ -5756,7 +6120,7 @@
           <a:p>
             <a:fld id="{222CE9F2-560E-4648-82A4-0C4186C23AAC}" type="datetime1">
               <a:rPr lang="en-US" smtClean="0"/>
-              <a:t>5/28/24</a:t>
+              <a:t>5/19/25</a:t>
             </a:fld>
             <a:endParaRPr lang="en-JP"/>
           </a:p>
@@ -5869,7 +6233,7 @@
           <a:p>
             <a:fld id="{2914F908-ED62-3949-B616-21C7C363772F}" type="datetime1">
               <a:rPr lang="en-US" smtClean="0"/>
-              <a:t>5/28/24</a:t>
+              <a:t>5/19/25</a:t>
             </a:fld>
             <a:endParaRPr lang="en-JP"/>
           </a:p>
@@ -6182,7 +6546,7 @@
           <a:p>
             <a:fld id="{8280A505-8893-D540-9413-F8B9ED1E178A}" type="datetime1">
               <a:rPr lang="en-US" smtClean="0"/>
-              <a:t>5/28/24</a:t>
+              <a:t>5/19/25</a:t>
             </a:fld>
             <a:endParaRPr lang="en-JP"/>
           </a:p>
@@ -6471,7 +6835,7 @@
           <a:p>
             <a:fld id="{40CD7CE6-B77F-5744-9AB9-6E4139649818}" type="datetime1">
               <a:rPr lang="en-US" smtClean="0"/>
-              <a:t>5/28/24</a:t>
+              <a:t>5/19/25</a:t>
             </a:fld>
             <a:endParaRPr lang="en-JP"/>
           </a:p>
@@ -6714,7 +7078,7 @@
           <a:p>
             <a:fld id="{DC28B759-A9A1-7B41-B30F-900953345635}" type="datetime1">
               <a:rPr lang="en-US" smtClean="0"/>
-              <a:t>5/28/24</a:t>
+              <a:t>5/19/25</a:t>
             </a:fld>
             <a:endParaRPr lang="en-JP"/>
           </a:p>
@@ -7928,8 +8292,8 @@
           </a:p>
         </p:txBody>
       </p:sp>
-      <mc:AlternateContent xmlns:mc="http://schemas.openxmlformats.org/markup-compatibility/2006">
-        <mc:Choice xmlns:a14="http://schemas.microsoft.com/office/drawing/2010/main" Requires="a14">
+      <mc:AlternateContent xmlns:mc="http://schemas.openxmlformats.org/markup-compatibility/2006" xmlns:a14="http://schemas.microsoft.com/office/drawing/2010/main">
+        <mc:Choice Requires="a14">
           <p:sp>
             <p:nvSpPr>
               <p:cNvPr id="3" name="Content Placeholder 2">
@@ -8307,7 +8671,7 @@
             </p:txBody>
           </p:sp>
         </mc:Choice>
-        <mc:Fallback>
+        <mc:Fallback xmlns="">
           <p:sp>
             <p:nvSpPr>
               <p:cNvPr id="3" name="Content Placeholder 2">
@@ -8698,8 +9062,8 @@
           </a:p>
         </p:txBody>
       </p:sp>
-      <mc:AlternateContent xmlns:mc="http://schemas.openxmlformats.org/markup-compatibility/2006">
-        <mc:Choice xmlns:a14="http://schemas.microsoft.com/office/drawing/2010/main" Requires="a14">
+      <mc:AlternateContent xmlns:mc="http://schemas.openxmlformats.org/markup-compatibility/2006" xmlns:a14="http://schemas.microsoft.com/office/drawing/2010/main">
+        <mc:Choice Requires="a14">
           <p:sp>
             <p:nvSpPr>
               <p:cNvPr id="3" name="Content Placeholder 2">
@@ -9083,7 +9447,7 @@
             </p:txBody>
           </p:sp>
         </mc:Choice>
-        <mc:Fallback>
+        <mc:Fallback xmlns="">
           <p:sp>
             <p:nvSpPr>
               <p:cNvPr id="3" name="Content Placeholder 2">
@@ -11090,6 +11454,16 @@
             </a:r>
             <a:r>
               <a:rPr lang="ja-JP" altLang="en-US" sz="3200" kern="100">
+                <a:solidFill>
+                  <a:srgbClr val="FF0000"/>
+                </a:solidFill>
+                <a:effectLst/>
+                <a:cs typeface="Arial" panose="020B0604020202020204" pitchFamily="34" charset="0"/>
+              </a:rPr>
+              <a:t>な</a:t>
+            </a:r>
+            <a:r>
+              <a:rPr lang="ja-JP" altLang="en-US" sz="3200" kern="100">
                 <a:effectLst/>
                 <a:cs typeface="Arial" panose="020B0604020202020204" pitchFamily="34" charset="0"/>
               </a:rPr>
@@ -11521,7 +11895,9 @@
         </p:nvSpPr>
         <p:spPr/>
         <p:txBody>
-          <a:bodyPr/>
+          <a:bodyPr>
+            <a:normAutofit fontScale="92500"/>
+          </a:bodyPr>
           <a:lstStyle/>
           <a:p>
             <a:r>
@@ -11801,6 +12177,186 @@
                 <a:sym typeface="Wingdings" pitchFamily="2" charset="2"/>
               </a:rPr>
               <a:t>低下</a:t>
+            </a:r>
+            <a:endParaRPr lang="en-US" altLang="zh-CN" kern="100" dirty="0">
+              <a:cs typeface="Arial" panose="020B0604020202020204" pitchFamily="34" charset="0"/>
+              <a:sym typeface="Wingdings" pitchFamily="2" charset="2"/>
+            </a:endParaRPr>
+          </a:p>
+          <a:p>
+            <a:pPr marL="0" indent="0">
+              <a:buNone/>
+            </a:pPr>
+            <a:endParaRPr lang="en-US" sz="2800" kern="100" dirty="0">
+              <a:effectLst/>
+              <a:cs typeface="Arial" panose="020B0604020202020204" pitchFamily="34" charset="0"/>
+              <a:sym typeface="Wingdings" pitchFamily="2" charset="2"/>
+            </a:endParaRPr>
+          </a:p>
+          <a:p>
+            <a:pPr marL="0" indent="0">
+              <a:buNone/>
+            </a:pPr>
+            <a:r>
+              <a:rPr lang="ja-JP" altLang="en-US" sz="2800" kern="100">
+                <a:effectLst/>
+                <a:cs typeface="Arial" panose="020B0604020202020204" pitchFamily="34" charset="0"/>
+              </a:rPr>
+              <a:t>大国の場合は、</a:t>
+            </a:r>
+            <a:r>
+              <a:rPr lang="ja-JP" altLang="en-US" sz="2800" b="1" kern="100">
+                <a:effectLst/>
+                <a:cs typeface="Arial" panose="020B0604020202020204" pitchFamily="34" charset="0"/>
+              </a:rPr>
+              <a:t>交易条件効果</a:t>
+            </a:r>
+            <a:r>
+              <a:rPr lang="ja-JP" altLang="en-US" sz="2800" kern="100">
+                <a:effectLst/>
+                <a:cs typeface="Arial" panose="020B0604020202020204" pitchFamily="34" charset="0"/>
+              </a:rPr>
+              <a:t>がある。交易条件とは、交換比率。</a:t>
+            </a:r>
+            <a:endParaRPr lang="en-US" altLang="ja-JP" sz="2800" kern="100" dirty="0">
+              <a:effectLst/>
+              <a:cs typeface="Arial" panose="020B0604020202020204" pitchFamily="34" charset="0"/>
+            </a:endParaRPr>
+          </a:p>
+          <a:p>
+            <a:pPr marL="0" indent="0">
+              <a:buNone/>
+            </a:pPr>
+            <a:r>
+              <a:rPr lang="ja-JP" altLang="en-US" kern="100">
+                <a:cs typeface="Arial" panose="020B0604020202020204" pitchFamily="34" charset="0"/>
+              </a:rPr>
+              <a:t>　例えば、</a:t>
+            </a:r>
+            <a:r>
+              <a:rPr lang="en-US" altLang="ja-JP" kern="100" dirty="0">
+                <a:cs typeface="Arial" panose="020B0604020202020204" pitchFamily="34" charset="0"/>
+              </a:rPr>
+              <a:t>US</a:t>
+            </a:r>
+            <a:r>
+              <a:rPr lang="ja-JP" altLang="en-US" kern="100">
+                <a:cs typeface="Arial" panose="020B0604020202020204" pitchFamily="34" charset="0"/>
+              </a:rPr>
+              <a:t>が</a:t>
+            </a:r>
+            <a:r>
+              <a:rPr lang="en-US" altLang="ja-JP" kern="100" dirty="0">
+                <a:cs typeface="Arial" panose="020B0604020202020204" pitchFamily="34" charset="0"/>
+              </a:rPr>
+              <a:t>CH</a:t>
+            </a:r>
+            <a:r>
+              <a:rPr lang="ja-JP" altLang="en-US" kern="100">
+                <a:cs typeface="Arial" panose="020B0604020202020204" pitchFamily="34" charset="0"/>
+              </a:rPr>
+              <a:t>から</a:t>
+            </a:r>
+            <a:r>
+              <a:rPr lang="en-US" altLang="ja-JP" kern="100" dirty="0">
+                <a:cs typeface="Arial" panose="020B0604020202020204" pitchFamily="34" charset="0"/>
+              </a:rPr>
+              <a:t>1</a:t>
+            </a:r>
+            <a:r>
+              <a:rPr lang="ja-JP" altLang="en-US" kern="100">
+                <a:cs typeface="Arial" panose="020B0604020202020204" pitchFamily="34" charset="0"/>
+              </a:rPr>
+              <a:t>台</a:t>
+            </a:r>
+            <a:r>
+              <a:rPr lang="en-US" altLang="ja-JP" kern="100" dirty="0">
+                <a:cs typeface="Arial" panose="020B0604020202020204" pitchFamily="34" charset="0"/>
+              </a:rPr>
+              <a:t>3</a:t>
+            </a:r>
+            <a:r>
+              <a:rPr lang="ja-JP" altLang="en-US" kern="100">
+                <a:cs typeface="Arial" panose="020B0604020202020204" pitchFamily="34" charset="0"/>
+              </a:rPr>
+              <a:t>万ドル（交易条件）で車を輸入</a:t>
+            </a:r>
+            <a:endParaRPr lang="en-US" altLang="ja-JP" kern="100" dirty="0">
+              <a:cs typeface="Arial" panose="020B0604020202020204" pitchFamily="34" charset="0"/>
+            </a:endParaRPr>
+          </a:p>
+          <a:p>
+            <a:pPr marL="0" indent="0">
+              <a:buNone/>
+            </a:pPr>
+            <a:r>
+              <a:rPr lang="ja-JP" altLang="en-US" sz="2800" kern="100">
+                <a:effectLst/>
+                <a:cs typeface="Arial" panose="020B0604020202020204" pitchFamily="34" charset="0"/>
+              </a:rPr>
+              <a:t>　</a:t>
+            </a:r>
+            <a:r>
+              <a:rPr lang="en-US" altLang="ja-JP" sz="2800" kern="100" dirty="0">
+                <a:effectLst/>
+                <a:cs typeface="Arial" panose="020B0604020202020204" pitchFamily="34" charset="0"/>
+              </a:rPr>
+              <a:t>US</a:t>
+            </a:r>
+            <a:r>
+              <a:rPr lang="ja-JP" altLang="en-US" sz="2800" kern="100">
+                <a:effectLst/>
+                <a:cs typeface="Arial" panose="020B0604020202020204" pitchFamily="34" charset="0"/>
+              </a:rPr>
+              <a:t>が輸入関税をかしたら、</a:t>
+            </a:r>
+            <a:r>
+              <a:rPr lang="en-US" altLang="ja-JP" kern="100" dirty="0">
+                <a:cs typeface="Arial" panose="020B0604020202020204" pitchFamily="34" charset="0"/>
+              </a:rPr>
+              <a:t>CH</a:t>
+            </a:r>
+            <a:r>
+              <a:rPr lang="ja-JP" altLang="en-US" kern="100">
+                <a:cs typeface="Arial" panose="020B0604020202020204" pitchFamily="34" charset="0"/>
+              </a:rPr>
+              <a:t>は</a:t>
+            </a:r>
+            <a:r>
+              <a:rPr lang="en-US" altLang="ja-JP" kern="100" dirty="0">
+                <a:cs typeface="Arial" panose="020B0604020202020204" pitchFamily="34" charset="0"/>
+              </a:rPr>
+              <a:t>1</a:t>
+            </a:r>
+            <a:r>
+              <a:rPr lang="ja-JP" altLang="en-US" kern="100">
+                <a:cs typeface="Arial" panose="020B0604020202020204" pitchFamily="34" charset="0"/>
+              </a:rPr>
+              <a:t>台</a:t>
+            </a:r>
+            <a:r>
+              <a:rPr lang="en-US" altLang="ja-JP" kern="100" dirty="0">
+                <a:cs typeface="Arial" panose="020B0604020202020204" pitchFamily="34" charset="0"/>
+              </a:rPr>
+              <a:t>2</a:t>
+            </a:r>
+            <a:r>
+              <a:rPr lang="ja-JP" altLang="en-US" kern="100">
+                <a:cs typeface="Arial" panose="020B0604020202020204" pitchFamily="34" charset="0"/>
+              </a:rPr>
+              <a:t>万</a:t>
+            </a:r>
+            <a:r>
+              <a:rPr lang="en-US" altLang="ja-JP" kern="100" dirty="0">
+                <a:cs typeface="Arial" panose="020B0604020202020204" pitchFamily="34" charset="0"/>
+              </a:rPr>
+              <a:t>5</a:t>
+            </a:r>
+            <a:r>
+              <a:rPr lang="ja-JP" altLang="en-US" kern="100">
+                <a:cs typeface="Arial" panose="020B0604020202020204" pitchFamily="34" charset="0"/>
+              </a:rPr>
+              <a:t>千ドル（交易条件）にするかも？</a:t>
             </a:r>
             <a:endParaRPr lang="en-JP" sz="2800" kern="100" dirty="0">
               <a:effectLst/>
@@ -11884,108 +12440,6 @@
               <a:xfrm>
                 <a:off x="3604027" y="1921635"/>
                 <a:ext cx="3623040" cy="435960"/>
-              </a:xfrm>
-              <a:prstGeom prst="rect">
-                <a:avLst/>
-              </a:prstGeom>
-            </p:spPr>
-          </p:pic>
-        </mc:Fallback>
-      </mc:AlternateContent>
-      <mc:AlternateContent xmlns:mc="http://schemas.openxmlformats.org/markup-compatibility/2006" xmlns:p14="http://schemas.microsoft.com/office/powerpoint/2010/main">
-        <mc:Choice Requires="p14">
-          <p:contentPart p14:bwMode="auto" r:id="rId4">
-            <p14:nvContentPartPr>
-              <p14:cNvPr id="6" name="Ink 5">
-                <a:extLst>
-                  <a:ext uri="{FF2B5EF4-FFF2-40B4-BE49-F238E27FC236}">
-                    <a16:creationId xmlns:a16="http://schemas.microsoft.com/office/drawing/2014/main" id="{11589897-0E5F-6D0C-C38C-76C03618A7D2}"/>
-                  </a:ext>
-                </a:extLst>
-              </p14:cNvPr>
-              <p14:cNvContentPartPr/>
-              <p14:nvPr/>
-            </p14:nvContentPartPr>
-            <p14:xfrm>
-              <a:off x="7780387" y="2941875"/>
-              <a:ext cx="692640" cy="16920"/>
-            </p14:xfrm>
-          </p:contentPart>
-        </mc:Choice>
-        <mc:Fallback xmlns="">
-          <p:pic>
-            <p:nvPicPr>
-              <p:cNvPr id="6" name="Ink 5">
-                <a:extLst>
-                  <a:ext uri="{FF2B5EF4-FFF2-40B4-BE49-F238E27FC236}">
-                    <a16:creationId xmlns:a16="http://schemas.microsoft.com/office/drawing/2014/main" id="{11589897-0E5F-6D0C-C38C-76C03618A7D2}"/>
-                  </a:ext>
-                </a:extLst>
-              </p:cNvPr>
-              <p:cNvPicPr/>
-              <p:nvPr/>
-            </p:nvPicPr>
-            <p:blipFill>
-              <a:blip r:embed="rId5"/>
-              <a:stretch>
-                <a:fillRect/>
-              </a:stretch>
-            </p:blipFill>
-            <p:spPr>
-              <a:xfrm>
-                <a:off x="7708387" y="2797875"/>
-                <a:ext cx="836280" cy="304560"/>
-              </a:xfrm>
-              <a:prstGeom prst="rect">
-                <a:avLst/>
-              </a:prstGeom>
-            </p:spPr>
-          </p:pic>
-        </mc:Fallback>
-      </mc:AlternateContent>
-      <mc:AlternateContent xmlns:mc="http://schemas.openxmlformats.org/markup-compatibility/2006" xmlns:p14="http://schemas.microsoft.com/office/powerpoint/2010/main">
-        <mc:Choice Requires="p14">
-          <p:contentPart p14:bwMode="auto" r:id="rId6">
-            <p14:nvContentPartPr>
-              <p14:cNvPr id="7" name="Ink 6">
-                <a:extLst>
-                  <a:ext uri="{FF2B5EF4-FFF2-40B4-BE49-F238E27FC236}">
-                    <a16:creationId xmlns:a16="http://schemas.microsoft.com/office/drawing/2014/main" id="{5A178DD6-C505-4E89-47F8-54A340A53601}"/>
-                  </a:ext>
-                </a:extLst>
-              </p14:cNvPr>
-              <p14:cNvContentPartPr/>
-              <p14:nvPr/>
-            </p14:nvContentPartPr>
-            <p14:xfrm>
-              <a:off x="5456227" y="4391955"/>
-              <a:ext cx="2059200" cy="89640"/>
-            </p14:xfrm>
-          </p:contentPart>
-        </mc:Choice>
-        <mc:Fallback xmlns="">
-          <p:pic>
-            <p:nvPicPr>
-              <p:cNvPr id="7" name="Ink 6">
-                <a:extLst>
-                  <a:ext uri="{FF2B5EF4-FFF2-40B4-BE49-F238E27FC236}">
-                    <a16:creationId xmlns:a16="http://schemas.microsoft.com/office/drawing/2014/main" id="{5A178DD6-C505-4E89-47F8-54A340A53601}"/>
-                  </a:ext>
-                </a:extLst>
-              </p:cNvPr>
-              <p:cNvPicPr/>
-              <p:nvPr/>
-            </p:nvPicPr>
-            <p:blipFill>
-              <a:blip r:embed="rId7"/>
-              <a:stretch>
-                <a:fillRect/>
-              </a:stretch>
-            </p:blipFill>
-            <p:spPr>
-              <a:xfrm>
-                <a:off x="5384227" y="4248315"/>
-                <a:ext cx="2202840" cy="377280"/>
               </a:xfrm>
               <a:prstGeom prst="rect">
                 <a:avLst/>
@@ -13866,8 +14320,8 @@
           </a:p>
         </p:txBody>
       </p:sp>
-      <mc:AlternateContent xmlns:mc="http://schemas.openxmlformats.org/markup-compatibility/2006">
-        <mc:Choice xmlns:p14="http://schemas.microsoft.com/office/powerpoint/2010/main" Requires="p14">
+      <mc:AlternateContent xmlns:mc="http://schemas.openxmlformats.org/markup-compatibility/2006" xmlns:p14="http://schemas.microsoft.com/office/powerpoint/2010/main">
+        <mc:Choice Requires="p14">
           <p:contentPart p14:bwMode="auto" r:id="rId27">
             <p14:nvContentPartPr>
               <p14:cNvPr id="19" name="Ink 18">
@@ -13886,7 +14340,7 @@
             </p14:xfrm>
           </p:contentPart>
         </mc:Choice>
-        <mc:Fallback>
+        <mc:Fallback xmlns="">
           <p:pic>
             <p:nvPicPr>
               <p:cNvPr id="19" name="Ink 18">
@@ -13995,8 +14449,8 @@
           </a:p>
         </p:txBody>
       </p:sp>
-      <mc:AlternateContent xmlns:mc="http://schemas.openxmlformats.org/markup-compatibility/2006">
-        <mc:Choice xmlns:p14="http://schemas.microsoft.com/office/powerpoint/2010/main" Requires="p14">
+      <mc:AlternateContent xmlns:mc="http://schemas.openxmlformats.org/markup-compatibility/2006" xmlns:p14="http://schemas.microsoft.com/office/powerpoint/2010/main">
+        <mc:Choice Requires="p14">
           <p:contentPart p14:bwMode="auto" r:id="rId29">
             <p14:nvContentPartPr>
               <p14:cNvPr id="22" name="Ink 21">
@@ -14015,7 +14469,7 @@
             </p14:xfrm>
           </p:contentPart>
         </mc:Choice>
-        <mc:Fallback>
+        <mc:Fallback xmlns="">
           <p:pic>
             <p:nvPicPr>
               <p:cNvPr id="22" name="Ink 21">
@@ -16639,8 +17093,8 @@
             <a:chExt cx="298080" cy="399600"/>
           </a:xfrm>
         </p:grpSpPr>
-        <mc:AlternateContent xmlns:mc="http://schemas.openxmlformats.org/markup-compatibility/2006">
-          <mc:Choice xmlns:p14="http://schemas.microsoft.com/office/powerpoint/2010/main" Requires="p14">
+        <mc:AlternateContent xmlns:mc="http://schemas.openxmlformats.org/markup-compatibility/2006" xmlns:p14="http://schemas.microsoft.com/office/powerpoint/2010/main">
+          <mc:Choice Requires="p14">
             <p:contentPart p14:bwMode="auto" r:id="rId5">
               <p14:nvContentPartPr>
                 <p14:cNvPr id="8" name="Ink 7">
@@ -16659,7 +17113,7 @@
               </p14:xfrm>
             </p:contentPart>
           </mc:Choice>
-          <mc:Fallback>
+          <mc:Fallback xmlns="">
             <p:pic>
               <p:nvPicPr>
                 <p:cNvPr id="8" name="Ink 7">
@@ -16690,8 +17144,8 @@
             </p:pic>
           </mc:Fallback>
         </mc:AlternateContent>
-        <mc:AlternateContent xmlns:mc="http://schemas.openxmlformats.org/markup-compatibility/2006">
-          <mc:Choice xmlns:p14="http://schemas.microsoft.com/office/powerpoint/2010/main" Requires="p14">
+        <mc:AlternateContent xmlns:mc="http://schemas.openxmlformats.org/markup-compatibility/2006" xmlns:p14="http://schemas.microsoft.com/office/powerpoint/2010/main">
+          <mc:Choice Requires="p14">
             <p:contentPart p14:bwMode="auto" r:id="rId7">
               <p14:nvContentPartPr>
                 <p14:cNvPr id="12" name="Ink 11">
@@ -16710,7 +17164,7 @@
               </p14:xfrm>
             </p:contentPart>
           </mc:Choice>
-          <mc:Fallback>
+          <mc:Fallback xmlns="">
             <p:pic>
               <p:nvPicPr>
                 <p:cNvPr id="12" name="Ink 11">
@@ -16742,8 +17196,8 @@
           </mc:Fallback>
         </mc:AlternateContent>
       </p:grpSp>
-      <mc:AlternateContent xmlns:mc="http://schemas.openxmlformats.org/markup-compatibility/2006">
-        <mc:Choice xmlns:p14="http://schemas.microsoft.com/office/powerpoint/2010/main" Requires="p14">
+      <mc:AlternateContent xmlns:mc="http://schemas.openxmlformats.org/markup-compatibility/2006" xmlns:p14="http://schemas.microsoft.com/office/powerpoint/2010/main">
+        <mc:Choice Requires="p14">
           <p:contentPart p14:bwMode="auto" r:id="rId9">
             <p14:nvContentPartPr>
               <p14:cNvPr id="14" name="Ink 13">
@@ -16762,7 +17216,7 @@
             </p14:xfrm>
           </p:contentPart>
         </mc:Choice>
-        <mc:Fallback>
+        <mc:Fallback xmlns="">
           <p:pic>
             <p:nvPicPr>
               <p:cNvPr id="14" name="Ink 13">
@@ -16848,8 +17302,8 @@
             <a:chExt cx="48600" cy="40680"/>
           </a:xfrm>
         </p:grpSpPr>
-        <mc:AlternateContent xmlns:mc="http://schemas.openxmlformats.org/markup-compatibility/2006">
-          <mc:Choice xmlns:p14="http://schemas.microsoft.com/office/powerpoint/2010/main" Requires="p14">
+        <mc:AlternateContent xmlns:mc="http://schemas.openxmlformats.org/markup-compatibility/2006" xmlns:p14="http://schemas.microsoft.com/office/powerpoint/2010/main">
+          <mc:Choice Requires="p14">
             <p:contentPart p14:bwMode="auto" r:id="rId11">
               <p14:nvContentPartPr>
                 <p14:cNvPr id="16" name="Ink 15">
@@ -16868,7 +17322,7 @@
               </p14:xfrm>
             </p:contentPart>
           </mc:Choice>
-          <mc:Fallback>
+          <mc:Fallback xmlns="">
             <p:pic>
               <p:nvPicPr>
                 <p:cNvPr id="16" name="Ink 15">
@@ -16899,8 +17353,8 @@
             </p:pic>
           </mc:Fallback>
         </mc:AlternateContent>
-        <mc:AlternateContent xmlns:mc="http://schemas.openxmlformats.org/markup-compatibility/2006">
-          <mc:Choice xmlns:p14="http://schemas.microsoft.com/office/powerpoint/2010/main" Requires="p14">
+        <mc:AlternateContent xmlns:mc="http://schemas.openxmlformats.org/markup-compatibility/2006" xmlns:p14="http://schemas.microsoft.com/office/powerpoint/2010/main">
+          <mc:Choice Requires="p14">
             <p:contentPart p14:bwMode="auto" r:id="rId13">
               <p14:nvContentPartPr>
                 <p14:cNvPr id="17" name="Ink 16">
@@ -16919,7 +17373,7 @@
               </p14:xfrm>
             </p:contentPart>
           </mc:Choice>
-          <mc:Fallback>
+          <mc:Fallback xmlns="">
             <p:pic>
               <p:nvPicPr>
                 <p:cNvPr id="17" name="Ink 16">
@@ -16986,8 +17440,8 @@
           </a:p>
         </p:txBody>
       </p:sp>
-      <mc:AlternateContent xmlns:mc="http://schemas.openxmlformats.org/markup-compatibility/2006">
-        <mc:Choice xmlns:p14="http://schemas.microsoft.com/office/powerpoint/2010/main" Requires="p14">
+      <mc:AlternateContent xmlns:mc="http://schemas.openxmlformats.org/markup-compatibility/2006" xmlns:p14="http://schemas.microsoft.com/office/powerpoint/2010/main">
+        <mc:Choice Requires="p14">
           <p:contentPart p14:bwMode="auto" r:id="rId15">
             <p14:nvContentPartPr>
               <p14:cNvPr id="20" name="Ink 19">
@@ -17006,7 +17460,7 @@
             </p14:xfrm>
           </p:contentPart>
         </mc:Choice>
-        <mc:Fallback>
+        <mc:Fallback xmlns="">
           <p:pic>
             <p:nvPicPr>
               <p:cNvPr id="20" name="Ink 19">
@@ -17037,8 +17491,8 @@
           </p:pic>
         </mc:Fallback>
       </mc:AlternateContent>
-      <mc:AlternateContent xmlns:mc="http://schemas.openxmlformats.org/markup-compatibility/2006">
-        <mc:Choice xmlns:p14="http://schemas.microsoft.com/office/powerpoint/2010/main" Requires="p14">
+      <mc:AlternateContent xmlns:mc="http://schemas.openxmlformats.org/markup-compatibility/2006" xmlns:p14="http://schemas.microsoft.com/office/powerpoint/2010/main">
+        <mc:Choice Requires="p14">
           <p:contentPart p14:bwMode="auto" r:id="rId17">
             <p14:nvContentPartPr>
               <p14:cNvPr id="22" name="Ink 21">
@@ -17057,7 +17511,7 @@
             </p14:xfrm>
           </p:contentPart>
         </mc:Choice>
-        <mc:Fallback>
+        <mc:Fallback xmlns="">
           <p:pic>
             <p:nvPicPr>
               <p:cNvPr id="22" name="Ink 21">
@@ -17088,8 +17542,8 @@
           </p:pic>
         </mc:Fallback>
       </mc:AlternateContent>
-      <mc:AlternateContent xmlns:mc="http://schemas.openxmlformats.org/markup-compatibility/2006">
-        <mc:Choice xmlns:p14="http://schemas.microsoft.com/office/powerpoint/2010/main" Requires="p14">
+      <mc:AlternateContent xmlns:mc="http://schemas.openxmlformats.org/markup-compatibility/2006" xmlns:p14="http://schemas.microsoft.com/office/powerpoint/2010/main">
+        <mc:Choice Requires="p14">
           <p:contentPart p14:bwMode="auto" r:id="rId19">
             <p14:nvContentPartPr>
               <p14:cNvPr id="23" name="Ink 22">
@@ -17108,7 +17562,7 @@
             </p14:xfrm>
           </p:contentPart>
         </mc:Choice>
-        <mc:Fallback>
+        <mc:Fallback xmlns="">
           <p:pic>
             <p:nvPicPr>
               <p:cNvPr id="23" name="Ink 22">
@@ -17139,8 +17593,8 @@
           </p:pic>
         </mc:Fallback>
       </mc:AlternateContent>
-      <mc:AlternateContent xmlns:mc="http://schemas.openxmlformats.org/markup-compatibility/2006">
-        <mc:Choice xmlns:p14="http://schemas.microsoft.com/office/powerpoint/2010/main" Requires="p14">
+      <mc:AlternateContent xmlns:mc="http://schemas.openxmlformats.org/markup-compatibility/2006" xmlns:p14="http://schemas.microsoft.com/office/powerpoint/2010/main">
+        <mc:Choice Requires="p14">
           <p:contentPart p14:bwMode="auto" r:id="rId21">
             <p14:nvContentPartPr>
               <p14:cNvPr id="25" name="Ink 24">
@@ -17159,7 +17613,7 @@
             </p14:xfrm>
           </p:contentPart>
         </mc:Choice>
-        <mc:Fallback>
+        <mc:Fallback xmlns="">
           <p:pic>
             <p:nvPicPr>
               <p:cNvPr id="25" name="Ink 24">
@@ -17190,8 +17644,8 @@
           </p:pic>
         </mc:Fallback>
       </mc:AlternateContent>
-      <mc:AlternateContent xmlns:mc="http://schemas.openxmlformats.org/markup-compatibility/2006">
-        <mc:Choice xmlns:p14="http://schemas.microsoft.com/office/powerpoint/2010/main" Requires="p14">
+      <mc:AlternateContent xmlns:mc="http://schemas.openxmlformats.org/markup-compatibility/2006" xmlns:p14="http://schemas.microsoft.com/office/powerpoint/2010/main">
+        <mc:Choice Requires="p14">
           <p:contentPart p14:bwMode="auto" r:id="rId23">
             <p14:nvContentPartPr>
               <p14:cNvPr id="26" name="Ink 25">
@@ -17210,7 +17664,7 @@
             </p14:xfrm>
           </p:contentPart>
         </mc:Choice>
-        <mc:Fallback>
+        <mc:Fallback xmlns="">
           <p:pic>
             <p:nvPicPr>
               <p:cNvPr id="26" name="Ink 25">
@@ -17241,8 +17695,8 @@
           </p:pic>
         </mc:Fallback>
       </mc:AlternateContent>
-      <mc:AlternateContent xmlns:mc="http://schemas.openxmlformats.org/markup-compatibility/2006">
-        <mc:Choice xmlns:p14="http://schemas.microsoft.com/office/powerpoint/2010/main" Requires="p14">
+      <mc:AlternateContent xmlns:mc="http://schemas.openxmlformats.org/markup-compatibility/2006" xmlns:p14="http://schemas.microsoft.com/office/powerpoint/2010/main">
+        <mc:Choice Requires="p14">
           <p:contentPart p14:bwMode="auto" r:id="rId25">
             <p14:nvContentPartPr>
               <p14:cNvPr id="27" name="Ink 26">
@@ -17261,7 +17715,7 @@
             </p14:xfrm>
           </p:contentPart>
         </mc:Choice>
-        <mc:Fallback>
+        <mc:Fallback xmlns="">
           <p:pic>
             <p:nvPicPr>
               <p:cNvPr id="27" name="Ink 26">
@@ -17292,8 +17746,8 @@
           </p:pic>
         </mc:Fallback>
       </mc:AlternateContent>
-      <mc:AlternateContent xmlns:mc="http://schemas.openxmlformats.org/markup-compatibility/2006">
-        <mc:Choice xmlns:p14="http://schemas.microsoft.com/office/powerpoint/2010/main" Requires="p14">
+      <mc:AlternateContent xmlns:mc="http://schemas.openxmlformats.org/markup-compatibility/2006" xmlns:p14="http://schemas.microsoft.com/office/powerpoint/2010/main">
+        <mc:Choice Requires="p14">
           <p:contentPart p14:bwMode="auto" r:id="rId27">
             <p14:nvContentPartPr>
               <p14:cNvPr id="37" name="Ink 36">
@@ -17312,7 +17766,7 @@
             </p14:xfrm>
           </p:contentPart>
         </mc:Choice>
-        <mc:Fallback>
+        <mc:Fallback xmlns="">
           <p:pic>
             <p:nvPicPr>
               <p:cNvPr id="37" name="Ink 36">
@@ -17343,8 +17797,8 @@
           </p:pic>
         </mc:Fallback>
       </mc:AlternateContent>
-      <mc:AlternateContent xmlns:mc="http://schemas.openxmlformats.org/markup-compatibility/2006">
-        <mc:Choice xmlns:p14="http://schemas.microsoft.com/office/powerpoint/2010/main" Requires="p14">
+      <mc:AlternateContent xmlns:mc="http://schemas.openxmlformats.org/markup-compatibility/2006" xmlns:p14="http://schemas.microsoft.com/office/powerpoint/2010/main">
+        <mc:Choice Requires="p14">
           <p:contentPart p14:bwMode="auto" r:id="rId29">
             <p14:nvContentPartPr>
               <p14:cNvPr id="38" name="Ink 37">
@@ -17363,7 +17817,7 @@
             </p14:xfrm>
           </p:contentPart>
         </mc:Choice>
-        <mc:Fallback>
+        <mc:Fallback xmlns="">
           <p:pic>
             <p:nvPicPr>
               <p:cNvPr id="38" name="Ink 37">
@@ -17394,8 +17848,8 @@
           </p:pic>
         </mc:Fallback>
       </mc:AlternateContent>
-      <mc:AlternateContent xmlns:mc="http://schemas.openxmlformats.org/markup-compatibility/2006">
-        <mc:Choice xmlns:p14="http://schemas.microsoft.com/office/powerpoint/2010/main" Requires="p14">
+      <mc:AlternateContent xmlns:mc="http://schemas.openxmlformats.org/markup-compatibility/2006" xmlns:p14="http://schemas.microsoft.com/office/powerpoint/2010/main">
+        <mc:Choice Requires="p14">
           <p:contentPart p14:bwMode="auto" r:id="rId31">
             <p14:nvContentPartPr>
               <p14:cNvPr id="39" name="Ink 38">
@@ -17414,7 +17868,7 @@
             </p14:xfrm>
           </p:contentPart>
         </mc:Choice>
-        <mc:Fallback>
+        <mc:Fallback xmlns="">
           <p:pic>
             <p:nvPicPr>
               <p:cNvPr id="39" name="Ink 38">
@@ -18700,8 +19154,8 @@
           </p:pic>
         </mc:Fallback>
       </mc:AlternateContent>
-      <mc:AlternateContent xmlns:mc="http://schemas.openxmlformats.org/markup-compatibility/2006">
-        <mc:Choice xmlns:p14="http://schemas.microsoft.com/office/powerpoint/2010/main" Requires="p14">
+      <mc:AlternateContent xmlns:mc="http://schemas.openxmlformats.org/markup-compatibility/2006" xmlns:p14="http://schemas.microsoft.com/office/powerpoint/2010/main">
+        <mc:Choice Requires="p14">
           <p:contentPart p14:bwMode="auto" r:id="rId11">
             <p14:nvContentPartPr>
               <p14:cNvPr id="9" name="Ink 8">
@@ -18720,7 +19174,7 @@
             </p14:xfrm>
           </p:contentPart>
         </mc:Choice>
-        <mc:Fallback>
+        <mc:Fallback xmlns="">
           <p:pic>
             <p:nvPicPr>
               <p:cNvPr id="9" name="Ink 8">
@@ -18751,8 +19205,8 @@
           </p:pic>
         </mc:Fallback>
       </mc:AlternateContent>
-      <mc:AlternateContent xmlns:mc="http://schemas.openxmlformats.org/markup-compatibility/2006">
-        <mc:Choice xmlns:p14="http://schemas.microsoft.com/office/powerpoint/2010/main" Requires="p14">
+      <mc:AlternateContent xmlns:mc="http://schemas.openxmlformats.org/markup-compatibility/2006" xmlns:p14="http://schemas.microsoft.com/office/powerpoint/2010/main">
+        <mc:Choice Requires="p14">
           <p:contentPart p14:bwMode="auto" r:id="rId13">
             <p14:nvContentPartPr>
               <p14:cNvPr id="10" name="Ink 9">
@@ -18771,7 +19225,7 @@
             </p14:xfrm>
           </p:contentPart>
         </mc:Choice>
-        <mc:Fallback>
+        <mc:Fallback xmlns="">
           <p:pic>
             <p:nvPicPr>
               <p:cNvPr id="10" name="Ink 9">
@@ -18802,8 +19256,8 @@
           </p:pic>
         </mc:Fallback>
       </mc:AlternateContent>
-      <mc:AlternateContent xmlns:mc="http://schemas.openxmlformats.org/markup-compatibility/2006">
-        <mc:Choice xmlns:p14="http://schemas.microsoft.com/office/powerpoint/2010/main" Requires="p14">
+      <mc:AlternateContent xmlns:mc="http://schemas.openxmlformats.org/markup-compatibility/2006" xmlns:p14="http://schemas.microsoft.com/office/powerpoint/2010/main">
+        <mc:Choice Requires="p14">
           <p:contentPart p14:bwMode="auto" r:id="rId15">
             <p14:nvContentPartPr>
               <p14:cNvPr id="11" name="Ink 10">
@@ -18822,7 +19276,7 @@
             </p14:xfrm>
           </p:contentPart>
         </mc:Choice>
-        <mc:Fallback>
+        <mc:Fallback xmlns="">
           <p:pic>
             <p:nvPicPr>
               <p:cNvPr id="11" name="Ink 10">
@@ -18853,8 +19307,8 @@
           </p:pic>
         </mc:Fallback>
       </mc:AlternateContent>
-      <mc:AlternateContent xmlns:mc="http://schemas.openxmlformats.org/markup-compatibility/2006">
-        <mc:Choice xmlns:p14="http://schemas.microsoft.com/office/powerpoint/2010/main" Requires="p14">
+      <mc:AlternateContent xmlns:mc="http://schemas.openxmlformats.org/markup-compatibility/2006" xmlns:p14="http://schemas.microsoft.com/office/powerpoint/2010/main">
+        <mc:Choice Requires="p14">
           <p:contentPart p14:bwMode="auto" r:id="rId17">
             <p14:nvContentPartPr>
               <p14:cNvPr id="12" name="Ink 11">
@@ -18873,7 +19327,7 @@
             </p14:xfrm>
           </p:contentPart>
         </mc:Choice>
-        <mc:Fallback>
+        <mc:Fallback xmlns="">
           <p:pic>
             <p:nvPicPr>
               <p:cNvPr id="12" name="Ink 11">
@@ -21824,8 +22278,8 @@
           </a:p>
         </p:txBody>
       </p:sp>
-      <mc:AlternateContent xmlns:mc="http://schemas.openxmlformats.org/markup-compatibility/2006" xmlns:a14="http://schemas.microsoft.com/office/drawing/2010/main">
-        <mc:Choice Requires="a14">
+      <mc:AlternateContent xmlns:mc="http://schemas.openxmlformats.org/markup-compatibility/2006">
+        <mc:Choice xmlns:a14="http://schemas.microsoft.com/office/drawing/2010/main" Requires="a14">
           <p:sp>
             <p:nvSpPr>
               <p:cNvPr id="3" name="Content Placeholder 2">
@@ -21893,11 +22347,24 @@
                     <a:effectLst/>
                     <a:cs typeface="Arial" panose="020B0604020202020204" pitchFamily="34" charset="0"/>
                   </a:rPr>
-                  <a:t>チリではレモンの国内価格</a:t>
+                  <a:t>チリでは</a:t>
+                </a:r>
+                <a:r>
+                  <a:rPr lang="ja-JP" kern="100">
+                    <a:effectLst/>
+                    <a:highlight>
+                      <a:srgbClr val="FFFF00"/>
+                    </a:highlight>
+                    <a:cs typeface="Arial" panose="020B0604020202020204" pitchFamily="34" charset="0"/>
+                  </a:rPr>
+                  <a:t>レモンの国内価格</a:t>
                 </a:r>
                 <a:r>
                   <a:rPr lang="en-US" altLang="ja-JP" kern="100" dirty="0">
                     <a:effectLst/>
+                    <a:highlight>
+                      <a:srgbClr val="FFFF00"/>
+                    </a:highlight>
                     <a:cs typeface="Arial" panose="020B0604020202020204" pitchFamily="34" charset="0"/>
                   </a:rPr>
                   <a:t>=</a:t>
@@ -21905,6 +22372,9 @@
                 <a:r>
                   <a:rPr lang="en-US" kern="100" dirty="0">
                     <a:effectLst/>
+                    <a:highlight>
+                      <a:srgbClr val="FFFF00"/>
+                    </a:highlight>
                     <a:cs typeface="Arial" panose="020B0604020202020204" pitchFamily="34" charset="0"/>
                   </a:rPr>
                   <a:t>60</a:t>
@@ -21912,9 +22382,19 @@
                 <a:r>
                   <a:rPr lang="ja-JP" kern="100">
                     <a:effectLst/>
+                    <a:highlight>
+                      <a:srgbClr val="FFFF00"/>
+                    </a:highlight>
                     <a:cs typeface="Arial" panose="020B0604020202020204" pitchFamily="34" charset="0"/>
                   </a:rPr>
-                  <a:t>円。</a:t>
+                  <a:t>円</a:t>
+                </a:r>
+                <a:r>
+                  <a:rPr lang="ja-JP" kern="100">
+                    <a:effectLst/>
+                    <a:cs typeface="Arial" panose="020B0604020202020204" pitchFamily="34" charset="0"/>
+                  </a:rPr>
+                  <a:t>。</a:t>
                 </a:r>
                 <a:endParaRPr lang="en-US" altLang="ja-JP" kern="100" dirty="0">
                   <a:effectLst/>
@@ -21949,6 +22429,9 @@
                 <a:r>
                   <a:rPr lang="en-US" kern="100" dirty="0">
                     <a:effectLst/>
+                    <a:highlight>
+                      <a:srgbClr val="FFFF00"/>
+                    </a:highlight>
                     <a:cs typeface="Arial" panose="020B0604020202020204" pitchFamily="34" charset="0"/>
                   </a:rPr>
                   <a:t>80</a:t>
@@ -21956,9 +22439,19 @@
                 <a:r>
                   <a:rPr lang="ja-JP" kern="100">
                     <a:effectLst/>
+                    <a:highlight>
+                      <a:srgbClr val="FFFF00"/>
+                    </a:highlight>
                     <a:cs typeface="Arial" panose="020B0604020202020204" pitchFamily="34" charset="0"/>
                   </a:rPr>
-                  <a:t>円でレモンが売れる。</a:t>
+                  <a:t>円でレモンが売れる</a:t>
+                </a:r>
+                <a:r>
+                  <a:rPr lang="ja-JP" kern="100">
+                    <a:effectLst/>
+                    <a:cs typeface="Arial" panose="020B0604020202020204" pitchFamily="34" charset="0"/>
+                  </a:rPr>
+                  <a:t>。</a:t>
                 </a:r>
                 <a:endParaRPr lang="en-US" altLang="ja-JP" kern="100" dirty="0">
                   <a:effectLst/>
@@ -22183,7 +22676,7 @@
             </p:txBody>
           </p:sp>
         </mc:Choice>
-        <mc:Fallback xmlns="">
+        <mc:Fallback>
           <p:sp>
             <p:nvSpPr>
               <p:cNvPr id="3" name="Content Placeholder 2">
@@ -22213,7 +22706,7 @@
               <a:lstStyle/>
               <a:p>
                 <a:r>
-                  <a:rPr lang="en-JP">
+                  <a:rPr lang="ja-JP" altLang="en-US">
                     <a:noFill/>
                   </a:rPr>
                   <a:t> </a:t>
@@ -23274,6 +23767,261 @@
           </a:p>
         </p:txBody>
       </p:sp>
+      <mc:AlternateContent xmlns:mc="http://schemas.openxmlformats.org/markup-compatibility/2006">
+        <mc:Choice xmlns:p14="http://schemas.microsoft.com/office/powerpoint/2010/main" Requires="p14">
+          <p:contentPart p14:bwMode="auto" r:id="rId3">
+            <p14:nvContentPartPr>
+              <p14:cNvPr id="5" name="インク 4">
+                <a:extLst>
+                  <a:ext uri="{FF2B5EF4-FFF2-40B4-BE49-F238E27FC236}">
+                    <a16:creationId xmlns:a16="http://schemas.microsoft.com/office/drawing/2014/main" id="{0F8113BE-2AF5-D35C-B6E9-8E2B279545E2}"/>
+                  </a:ext>
+                </a:extLst>
+              </p14:cNvPr>
+              <p14:cNvContentPartPr/>
+              <p14:nvPr/>
+            </p14:nvContentPartPr>
+            <p14:xfrm>
+              <a:off x="1180440" y="3679560"/>
+              <a:ext cx="806400" cy="3240"/>
+            </p14:xfrm>
+          </p:contentPart>
+        </mc:Choice>
+        <mc:Fallback>
+          <p:pic>
+            <p:nvPicPr>
+              <p:cNvPr id="5" name="インク 4">
+                <a:extLst>
+                  <a:ext uri="{FF2B5EF4-FFF2-40B4-BE49-F238E27FC236}">
+                    <a16:creationId xmlns:a16="http://schemas.microsoft.com/office/drawing/2014/main" id="{0F8113BE-2AF5-D35C-B6E9-8E2B279545E2}"/>
+                  </a:ext>
+                </a:extLst>
+              </p:cNvPr>
+              <p:cNvPicPr/>
+              <p:nvPr/>
+            </p:nvPicPr>
+            <p:blipFill>
+              <a:blip r:embed="rId4"/>
+              <a:stretch>
+                <a:fillRect/>
+              </a:stretch>
+            </p:blipFill>
+            <p:spPr>
+              <a:xfrm>
+                <a:off x="1144800" y="3607560"/>
+                <a:ext cx="878040" cy="146880"/>
+              </a:xfrm>
+              <a:prstGeom prst="rect">
+                <a:avLst/>
+              </a:prstGeom>
+            </p:spPr>
+          </p:pic>
+        </mc:Fallback>
+      </mc:AlternateContent>
+      <mc:AlternateContent xmlns:mc="http://schemas.openxmlformats.org/markup-compatibility/2006">
+        <mc:Choice xmlns:p14="http://schemas.microsoft.com/office/powerpoint/2010/main" Requires="p14">
+          <p:contentPart p14:bwMode="auto" r:id="rId5">
+            <p14:nvContentPartPr>
+              <p14:cNvPr id="6" name="インク 5">
+                <a:extLst>
+                  <a:ext uri="{FF2B5EF4-FFF2-40B4-BE49-F238E27FC236}">
+                    <a16:creationId xmlns:a16="http://schemas.microsoft.com/office/drawing/2014/main" id="{8F9AF267-3F45-95C5-2019-2DEDED411FB9}"/>
+                  </a:ext>
+                </a:extLst>
+              </p14:cNvPr>
+              <p14:cNvContentPartPr/>
+              <p14:nvPr/>
+            </p14:nvContentPartPr>
+            <p14:xfrm>
+              <a:off x="1832760" y="2918160"/>
+              <a:ext cx="360" cy="360"/>
+            </p14:xfrm>
+          </p:contentPart>
+        </mc:Choice>
+        <mc:Fallback>
+          <p:pic>
+            <p:nvPicPr>
+              <p:cNvPr id="6" name="インク 5">
+                <a:extLst>
+                  <a:ext uri="{FF2B5EF4-FFF2-40B4-BE49-F238E27FC236}">
+                    <a16:creationId xmlns:a16="http://schemas.microsoft.com/office/drawing/2014/main" id="{8F9AF267-3F45-95C5-2019-2DEDED411FB9}"/>
+                  </a:ext>
+                </a:extLst>
+              </p:cNvPr>
+              <p:cNvPicPr/>
+              <p:nvPr/>
+            </p:nvPicPr>
+            <p:blipFill>
+              <a:blip r:embed="rId6"/>
+              <a:stretch>
+                <a:fillRect/>
+              </a:stretch>
+            </p:blipFill>
+            <p:spPr>
+              <a:xfrm>
+                <a:off x="1796760" y="2846160"/>
+                <a:ext cx="72000" cy="144000"/>
+              </a:xfrm>
+              <a:prstGeom prst="rect">
+                <a:avLst/>
+              </a:prstGeom>
+            </p:spPr>
+          </p:pic>
+        </mc:Fallback>
+      </mc:AlternateContent>
+      <mc:AlternateContent xmlns:mc="http://schemas.openxmlformats.org/markup-compatibility/2006">
+        <mc:Choice xmlns:p14="http://schemas.microsoft.com/office/powerpoint/2010/main" Requires="p14">
+          <p:contentPart p14:bwMode="auto" r:id="rId7">
+            <p14:nvContentPartPr>
+              <p14:cNvPr id="7" name="インク 6">
+                <a:extLst>
+                  <a:ext uri="{FF2B5EF4-FFF2-40B4-BE49-F238E27FC236}">
+                    <a16:creationId xmlns:a16="http://schemas.microsoft.com/office/drawing/2014/main" id="{D4738D75-B0B7-BD7F-6C23-5EBD665D3809}"/>
+                  </a:ext>
+                </a:extLst>
+              </p14:cNvPr>
+              <p14:cNvContentPartPr/>
+              <p14:nvPr/>
+            </p14:nvContentPartPr>
+            <p14:xfrm>
+              <a:off x="1243080" y="2952000"/>
+              <a:ext cx="3754080" cy="110160"/>
+            </p14:xfrm>
+          </p:contentPart>
+        </mc:Choice>
+        <mc:Fallback>
+          <p:pic>
+            <p:nvPicPr>
+              <p:cNvPr id="7" name="インク 6">
+                <a:extLst>
+                  <a:ext uri="{FF2B5EF4-FFF2-40B4-BE49-F238E27FC236}">
+                    <a16:creationId xmlns:a16="http://schemas.microsoft.com/office/drawing/2014/main" id="{D4738D75-B0B7-BD7F-6C23-5EBD665D3809}"/>
+                  </a:ext>
+                </a:extLst>
+              </p:cNvPr>
+              <p:cNvPicPr/>
+              <p:nvPr/>
+            </p:nvPicPr>
+            <p:blipFill>
+              <a:blip r:embed="rId8"/>
+              <a:stretch>
+                <a:fillRect/>
+              </a:stretch>
+            </p:blipFill>
+            <p:spPr>
+              <a:xfrm>
+                <a:off x="1207440" y="2880360"/>
+                <a:ext cx="3825720" cy="253800"/>
+              </a:xfrm>
+              <a:prstGeom prst="rect">
+                <a:avLst/>
+              </a:prstGeom>
+            </p:spPr>
+          </p:pic>
+        </mc:Fallback>
+      </mc:AlternateContent>
+      <mc:AlternateContent xmlns:mc="http://schemas.openxmlformats.org/markup-compatibility/2006">
+        <mc:Choice xmlns:p14="http://schemas.microsoft.com/office/powerpoint/2010/main" Requires="p14">
+          <p:contentPart p14:bwMode="auto" r:id="rId9">
+            <p14:nvContentPartPr>
+              <p14:cNvPr id="8" name="インク 7">
+                <a:extLst>
+                  <a:ext uri="{FF2B5EF4-FFF2-40B4-BE49-F238E27FC236}">
+                    <a16:creationId xmlns:a16="http://schemas.microsoft.com/office/drawing/2014/main" id="{1522B06C-32AE-71FE-F95C-D6DC90E8A0D1}"/>
+                  </a:ext>
+                </a:extLst>
+              </p14:cNvPr>
+              <p14:cNvContentPartPr/>
+              <p14:nvPr/>
+            </p14:nvContentPartPr>
+            <p14:xfrm>
+              <a:off x="4130280" y="5730120"/>
+              <a:ext cx="269280" cy="14040"/>
+            </p14:xfrm>
+          </p:contentPart>
+        </mc:Choice>
+        <mc:Fallback>
+          <p:pic>
+            <p:nvPicPr>
+              <p:cNvPr id="8" name="インク 7">
+                <a:extLst>
+                  <a:ext uri="{FF2B5EF4-FFF2-40B4-BE49-F238E27FC236}">
+                    <a16:creationId xmlns:a16="http://schemas.microsoft.com/office/drawing/2014/main" id="{1522B06C-32AE-71FE-F95C-D6DC90E8A0D1}"/>
+                  </a:ext>
+                </a:extLst>
+              </p:cNvPr>
+              <p:cNvPicPr/>
+              <p:nvPr/>
+            </p:nvPicPr>
+            <p:blipFill>
+              <a:blip r:embed="rId10"/>
+              <a:stretch>
+                <a:fillRect/>
+              </a:stretch>
+            </p:blipFill>
+            <p:spPr>
+              <a:xfrm>
+                <a:off x="4094640" y="5658120"/>
+                <a:ext cx="340920" cy="157680"/>
+              </a:xfrm>
+              <a:prstGeom prst="rect">
+                <a:avLst/>
+              </a:prstGeom>
+            </p:spPr>
+          </p:pic>
+        </mc:Fallback>
+      </mc:AlternateContent>
+      <mc:AlternateContent xmlns:mc="http://schemas.openxmlformats.org/markup-compatibility/2006">
+        <mc:Choice xmlns:p14="http://schemas.microsoft.com/office/powerpoint/2010/main" Requires="p14">
+          <p:contentPart p14:bwMode="auto" r:id="rId11">
+            <p14:nvContentPartPr>
+              <p14:cNvPr id="9" name="インク 8">
+                <a:extLst>
+                  <a:ext uri="{FF2B5EF4-FFF2-40B4-BE49-F238E27FC236}">
+                    <a16:creationId xmlns:a16="http://schemas.microsoft.com/office/drawing/2014/main" id="{E12FB6FE-A97A-ECCB-EB37-6A60059335EA}"/>
+                  </a:ext>
+                </a:extLst>
+              </p14:cNvPr>
+              <p14:cNvContentPartPr/>
+              <p14:nvPr/>
+            </p14:nvContentPartPr>
+            <p14:xfrm>
+              <a:off x="4898880" y="5717160"/>
+              <a:ext cx="249120" cy="2160"/>
+            </p14:xfrm>
+          </p:contentPart>
+        </mc:Choice>
+        <mc:Fallback>
+          <p:pic>
+            <p:nvPicPr>
+              <p:cNvPr id="9" name="インク 8">
+                <a:extLst>
+                  <a:ext uri="{FF2B5EF4-FFF2-40B4-BE49-F238E27FC236}">
+                    <a16:creationId xmlns:a16="http://schemas.microsoft.com/office/drawing/2014/main" id="{E12FB6FE-A97A-ECCB-EB37-6A60059335EA}"/>
+                  </a:ext>
+                </a:extLst>
+              </p:cNvPr>
+              <p:cNvPicPr/>
+              <p:nvPr/>
+            </p:nvPicPr>
+            <p:blipFill>
+              <a:blip r:embed="rId12"/>
+              <a:stretch>
+                <a:fillRect/>
+              </a:stretch>
+            </p:blipFill>
+            <p:spPr>
+              <a:xfrm>
+                <a:off x="4863240" y="5645160"/>
+                <a:ext cx="320760" cy="145800"/>
+              </a:xfrm>
+              <a:prstGeom prst="rect">
+                <a:avLst/>
+              </a:prstGeom>
+            </p:spPr>
+          </p:pic>
+        </mc:Fallback>
+      </mc:AlternateContent>
     </p:spTree>
     <p:extLst>
       <p:ext uri="{BB962C8B-B14F-4D97-AF65-F5344CB8AC3E}">
@@ -23504,19 +24252,43 @@
             </a:r>
             <a:r>
               <a:rPr lang="ja-JP" altLang="en-US"/>
-              <a:t>から，ロシアが</a:t>
-            </a:r>
-            <a:r>
-              <a:rPr lang="zh-CN" altLang="en-US" dirty="0"/>
+              <a:t>から，</a:t>
+            </a:r>
+            <a:r>
+              <a:rPr lang="ja-JP" altLang="en-US">
+                <a:highlight>
+                  <a:srgbClr val="FFFF00"/>
+                </a:highlight>
+              </a:rPr>
+              <a:t>ロシアが</a:t>
+            </a:r>
+            <a:r>
+              <a:rPr lang="zh-CN" altLang="en-US" dirty="0">
+                <a:highlight>
+                  <a:srgbClr val="FFFF00"/>
+                </a:highlight>
+              </a:rPr>
               <a:t>小麦</a:t>
             </a:r>
             <a:r>
-              <a:rPr lang="ja-JP" altLang="en-US"/>
+              <a:rPr lang="ja-JP" altLang="en-US">
+                <a:highlight>
+                  <a:srgbClr val="FFFF00"/>
+                </a:highlight>
+              </a:rPr>
               <a:t>等の</a:t>
             </a:r>
             <a:r>
-              <a:rPr lang="zh-CN" altLang="en-US" dirty="0"/>
-              <a:t>穀物輸出に税</a:t>
+              <a:rPr lang="zh-CN" altLang="en-US" dirty="0">
+                <a:highlight>
+                  <a:srgbClr val="FFFF00"/>
+                </a:highlight>
+              </a:rPr>
+              <a:t>穀物輸出</a:t>
+            </a:r>
+            <a:r>
+              <a:rPr lang="zh-CN" altLang="en-US" dirty="0"/>
+              <a:t>に税</a:t>
             </a:r>
             <a:endParaRPr lang="en-US" altLang="zh-CN" dirty="0"/>
           </a:p>
@@ -23856,6 +24628,414 @@
           </a:p>
         </p:txBody>
       </p:sp>
+      <mc:AlternateContent xmlns:mc="http://schemas.openxmlformats.org/markup-compatibility/2006">
+        <mc:Choice xmlns:p14="http://schemas.microsoft.com/office/powerpoint/2010/main" Requires="p14">
+          <p:contentPart p14:bwMode="auto" r:id="rId3">
+            <p14:nvContentPartPr>
+              <p14:cNvPr id="3" name="インク 2">
+                <a:extLst>
+                  <a:ext uri="{FF2B5EF4-FFF2-40B4-BE49-F238E27FC236}">
+                    <a16:creationId xmlns:a16="http://schemas.microsoft.com/office/drawing/2014/main" id="{E427F282-3B90-4BD9-645C-6F5C01978A38}"/>
+                  </a:ext>
+                </a:extLst>
+              </p14:cNvPr>
+              <p14:cNvContentPartPr/>
+              <p14:nvPr/>
+            </p14:nvContentPartPr>
+            <p14:xfrm>
+              <a:off x="11630160" y="549360"/>
+              <a:ext cx="92160" cy="316440"/>
+            </p14:xfrm>
+          </p:contentPart>
+        </mc:Choice>
+        <mc:Fallback>
+          <p:pic>
+            <p:nvPicPr>
+              <p:cNvPr id="3" name="インク 2">
+                <a:extLst>
+                  <a:ext uri="{FF2B5EF4-FFF2-40B4-BE49-F238E27FC236}">
+                    <a16:creationId xmlns:a16="http://schemas.microsoft.com/office/drawing/2014/main" id="{E427F282-3B90-4BD9-645C-6F5C01978A38}"/>
+                  </a:ext>
+                </a:extLst>
+              </p:cNvPr>
+              <p:cNvPicPr/>
+              <p:nvPr/>
+            </p:nvPicPr>
+            <p:blipFill>
+              <a:blip r:embed="rId4"/>
+              <a:stretch>
+                <a:fillRect/>
+              </a:stretch>
+            </p:blipFill>
+            <p:spPr>
+              <a:xfrm>
+                <a:off x="11594160" y="477360"/>
+                <a:ext cx="163800" cy="460080"/>
+              </a:xfrm>
+              <a:prstGeom prst="rect">
+                <a:avLst/>
+              </a:prstGeom>
+            </p:spPr>
+          </p:pic>
+        </mc:Fallback>
+      </mc:AlternateContent>
+      <mc:AlternateContent xmlns:mc="http://schemas.openxmlformats.org/markup-compatibility/2006">
+        <mc:Choice xmlns:p14="http://schemas.microsoft.com/office/powerpoint/2010/main" Requires="p14">
+          <p:contentPart p14:bwMode="auto" r:id="rId5">
+            <p14:nvContentPartPr>
+              <p14:cNvPr id="5" name="インク 4">
+                <a:extLst>
+                  <a:ext uri="{FF2B5EF4-FFF2-40B4-BE49-F238E27FC236}">
+                    <a16:creationId xmlns:a16="http://schemas.microsoft.com/office/drawing/2014/main" id="{A2DD13B6-DB30-28DF-3D8E-3EE5B35DB5B7}"/>
+                  </a:ext>
+                </a:extLst>
+              </p14:cNvPr>
+              <p14:cNvContentPartPr/>
+              <p14:nvPr/>
+            </p14:nvContentPartPr>
+            <p14:xfrm>
+              <a:off x="1868400" y="3213360"/>
+              <a:ext cx="233280" cy="59400"/>
+            </p14:xfrm>
+          </p:contentPart>
+        </mc:Choice>
+        <mc:Fallback>
+          <p:pic>
+            <p:nvPicPr>
+              <p:cNvPr id="5" name="インク 4">
+                <a:extLst>
+                  <a:ext uri="{FF2B5EF4-FFF2-40B4-BE49-F238E27FC236}">
+                    <a16:creationId xmlns:a16="http://schemas.microsoft.com/office/drawing/2014/main" id="{A2DD13B6-DB30-28DF-3D8E-3EE5B35DB5B7}"/>
+                  </a:ext>
+                </a:extLst>
+              </p:cNvPr>
+              <p:cNvPicPr/>
+              <p:nvPr/>
+            </p:nvPicPr>
+            <p:blipFill>
+              <a:blip r:embed="rId6"/>
+              <a:stretch>
+                <a:fillRect/>
+              </a:stretch>
+            </p:blipFill>
+            <p:spPr>
+              <a:xfrm>
+                <a:off x="1832760" y="3141720"/>
+                <a:ext cx="304920" cy="203040"/>
+              </a:xfrm>
+              <a:prstGeom prst="rect">
+                <a:avLst/>
+              </a:prstGeom>
+            </p:spPr>
+          </p:pic>
+        </mc:Fallback>
+      </mc:AlternateContent>
+      <mc:AlternateContent xmlns:mc="http://schemas.openxmlformats.org/markup-compatibility/2006">
+        <mc:Choice xmlns:p14="http://schemas.microsoft.com/office/powerpoint/2010/main" Requires="p14">
+          <p:contentPart p14:bwMode="auto" r:id="rId7">
+            <p14:nvContentPartPr>
+              <p14:cNvPr id="6" name="インク 5">
+                <a:extLst>
+                  <a:ext uri="{FF2B5EF4-FFF2-40B4-BE49-F238E27FC236}">
+                    <a16:creationId xmlns:a16="http://schemas.microsoft.com/office/drawing/2014/main" id="{DDC669E7-9367-56D6-9D4F-F1A19AA45443}"/>
+                  </a:ext>
+                </a:extLst>
+              </p14:cNvPr>
+              <p14:cNvContentPartPr/>
+              <p14:nvPr/>
+            </p14:nvContentPartPr>
+            <p14:xfrm>
+              <a:off x="1870920" y="3242160"/>
+              <a:ext cx="211320" cy="80640"/>
+            </p14:xfrm>
+          </p:contentPart>
+        </mc:Choice>
+        <mc:Fallback>
+          <p:pic>
+            <p:nvPicPr>
+              <p:cNvPr id="6" name="インク 5">
+                <a:extLst>
+                  <a:ext uri="{FF2B5EF4-FFF2-40B4-BE49-F238E27FC236}">
+                    <a16:creationId xmlns:a16="http://schemas.microsoft.com/office/drawing/2014/main" id="{DDC669E7-9367-56D6-9D4F-F1A19AA45443}"/>
+                  </a:ext>
+                </a:extLst>
+              </p:cNvPr>
+              <p:cNvPicPr/>
+              <p:nvPr/>
+            </p:nvPicPr>
+            <p:blipFill>
+              <a:blip r:embed="rId8"/>
+              <a:stretch>
+                <a:fillRect/>
+              </a:stretch>
+            </p:blipFill>
+            <p:spPr>
+              <a:xfrm>
+                <a:off x="1835280" y="3170520"/>
+                <a:ext cx="282960" cy="224280"/>
+              </a:xfrm>
+              <a:prstGeom prst="rect">
+                <a:avLst/>
+              </a:prstGeom>
+            </p:spPr>
+          </p:pic>
+        </mc:Fallback>
+      </mc:AlternateContent>
+      <mc:AlternateContent xmlns:mc="http://schemas.openxmlformats.org/markup-compatibility/2006">
+        <mc:Choice xmlns:p14="http://schemas.microsoft.com/office/powerpoint/2010/main" Requires="p14">
+          <p:contentPart p14:bwMode="auto" r:id="rId9">
+            <p14:nvContentPartPr>
+              <p14:cNvPr id="8" name="インク 7">
+                <a:extLst>
+                  <a:ext uri="{FF2B5EF4-FFF2-40B4-BE49-F238E27FC236}">
+                    <a16:creationId xmlns:a16="http://schemas.microsoft.com/office/drawing/2014/main" id="{F4C880A4-52CA-F23C-15DB-CCCD8DF91FCC}"/>
+                  </a:ext>
+                </a:extLst>
+              </p14:cNvPr>
+              <p14:cNvContentPartPr/>
+              <p14:nvPr/>
+            </p14:nvContentPartPr>
+            <p14:xfrm>
+              <a:off x="4789800" y="5735880"/>
+              <a:ext cx="181080" cy="96840"/>
+            </p14:xfrm>
+          </p:contentPart>
+        </mc:Choice>
+        <mc:Fallback>
+          <p:pic>
+            <p:nvPicPr>
+              <p:cNvPr id="8" name="インク 7">
+                <a:extLst>
+                  <a:ext uri="{FF2B5EF4-FFF2-40B4-BE49-F238E27FC236}">
+                    <a16:creationId xmlns:a16="http://schemas.microsoft.com/office/drawing/2014/main" id="{F4C880A4-52CA-F23C-15DB-CCCD8DF91FCC}"/>
+                  </a:ext>
+                </a:extLst>
+              </p:cNvPr>
+              <p:cNvPicPr/>
+              <p:nvPr/>
+            </p:nvPicPr>
+            <p:blipFill>
+              <a:blip r:embed="rId10"/>
+              <a:stretch>
+                <a:fillRect/>
+              </a:stretch>
+            </p:blipFill>
+            <p:spPr>
+              <a:xfrm>
+                <a:off x="4754160" y="5664240"/>
+                <a:ext cx="252720" cy="240480"/>
+              </a:xfrm>
+              <a:prstGeom prst="rect">
+                <a:avLst/>
+              </a:prstGeom>
+            </p:spPr>
+          </p:pic>
+        </mc:Fallback>
+      </mc:AlternateContent>
+      <mc:AlternateContent xmlns:mc="http://schemas.openxmlformats.org/markup-compatibility/2006">
+        <mc:Choice xmlns:p14="http://schemas.microsoft.com/office/powerpoint/2010/main" Requires="p14">
+          <p:contentPart p14:bwMode="auto" r:id="rId11">
+            <p14:nvContentPartPr>
+              <p14:cNvPr id="10" name="インク 9">
+                <a:extLst>
+                  <a:ext uri="{FF2B5EF4-FFF2-40B4-BE49-F238E27FC236}">
+                    <a16:creationId xmlns:a16="http://schemas.microsoft.com/office/drawing/2014/main" id="{F0D65D3E-1492-978A-ADA4-E74B4AEBE53E}"/>
+                  </a:ext>
+                </a:extLst>
+              </p14:cNvPr>
+              <p14:cNvContentPartPr/>
+              <p14:nvPr/>
+            </p14:nvContentPartPr>
+            <p14:xfrm>
+              <a:off x="4035600" y="5740920"/>
+              <a:ext cx="204840" cy="80640"/>
+            </p14:xfrm>
+          </p:contentPart>
+        </mc:Choice>
+        <mc:Fallback>
+          <p:pic>
+            <p:nvPicPr>
+              <p:cNvPr id="10" name="インク 9">
+                <a:extLst>
+                  <a:ext uri="{FF2B5EF4-FFF2-40B4-BE49-F238E27FC236}">
+                    <a16:creationId xmlns:a16="http://schemas.microsoft.com/office/drawing/2014/main" id="{F0D65D3E-1492-978A-ADA4-E74B4AEBE53E}"/>
+                  </a:ext>
+                </a:extLst>
+              </p:cNvPr>
+              <p:cNvPicPr/>
+              <p:nvPr/>
+            </p:nvPicPr>
+            <p:blipFill>
+              <a:blip r:embed="rId12"/>
+              <a:stretch>
+                <a:fillRect/>
+              </a:stretch>
+            </p:blipFill>
+            <p:spPr>
+              <a:xfrm>
+                <a:off x="3999960" y="5668920"/>
+                <a:ext cx="276480" cy="224280"/>
+              </a:xfrm>
+              <a:prstGeom prst="rect">
+                <a:avLst/>
+              </a:prstGeom>
+            </p:spPr>
+          </p:pic>
+        </mc:Fallback>
+      </mc:AlternateContent>
+      <mc:AlternateContent xmlns:mc="http://schemas.openxmlformats.org/markup-compatibility/2006">
+        <mc:Choice xmlns:p14="http://schemas.microsoft.com/office/powerpoint/2010/main" Requires="p14">
+          <p:contentPart p14:bwMode="auto" r:id="rId13">
+            <p14:nvContentPartPr>
+              <p14:cNvPr id="11" name="インク 10">
+                <a:extLst>
+                  <a:ext uri="{FF2B5EF4-FFF2-40B4-BE49-F238E27FC236}">
+                    <a16:creationId xmlns:a16="http://schemas.microsoft.com/office/drawing/2014/main" id="{1EEA092E-7A07-E4BF-ADED-6DE8948FA60D}"/>
+                  </a:ext>
+                </a:extLst>
+              </p14:cNvPr>
+              <p14:cNvContentPartPr/>
+              <p14:nvPr/>
+            </p14:nvContentPartPr>
+            <p14:xfrm>
+              <a:off x="4212360" y="2989440"/>
+              <a:ext cx="666000" cy="228240"/>
+            </p14:xfrm>
+          </p:contentPart>
+        </mc:Choice>
+        <mc:Fallback>
+          <p:pic>
+            <p:nvPicPr>
+              <p:cNvPr id="11" name="インク 10">
+                <a:extLst>
+                  <a:ext uri="{FF2B5EF4-FFF2-40B4-BE49-F238E27FC236}">
+                    <a16:creationId xmlns:a16="http://schemas.microsoft.com/office/drawing/2014/main" id="{1EEA092E-7A07-E4BF-ADED-6DE8948FA60D}"/>
+                  </a:ext>
+                </a:extLst>
+              </p:cNvPr>
+              <p:cNvPicPr/>
+              <p:nvPr/>
+            </p:nvPicPr>
+            <p:blipFill>
+              <a:blip r:embed="rId14"/>
+              <a:stretch>
+                <a:fillRect/>
+              </a:stretch>
+            </p:blipFill>
+            <p:spPr>
+              <a:xfrm>
+                <a:off x="4176720" y="2917440"/>
+                <a:ext cx="737640" cy="371880"/>
+              </a:xfrm>
+              <a:prstGeom prst="rect">
+                <a:avLst/>
+              </a:prstGeom>
+            </p:spPr>
+          </p:pic>
+        </mc:Fallback>
+      </mc:AlternateContent>
+      <mc:AlternateContent xmlns:mc="http://schemas.openxmlformats.org/markup-compatibility/2006">
+        <mc:Choice xmlns:p14="http://schemas.microsoft.com/office/powerpoint/2010/main" Requires="p14">
+          <p:contentPart p14:bwMode="auto" r:id="rId15">
+            <p14:nvContentPartPr>
+              <p14:cNvPr id="12" name="インク 11">
+                <a:extLst>
+                  <a:ext uri="{FF2B5EF4-FFF2-40B4-BE49-F238E27FC236}">
+                    <a16:creationId xmlns:a16="http://schemas.microsoft.com/office/drawing/2014/main" id="{212F3C95-648E-05A8-75BE-2ABF0DA00A17}"/>
+                  </a:ext>
+                </a:extLst>
+              </p14:cNvPr>
+              <p14:cNvContentPartPr/>
+              <p14:nvPr/>
+            </p14:nvContentPartPr>
+            <p14:xfrm>
+              <a:off x="3851280" y="2998440"/>
+              <a:ext cx="245160" cy="177840"/>
+            </p14:xfrm>
+          </p:contentPart>
+        </mc:Choice>
+        <mc:Fallback>
+          <p:pic>
+            <p:nvPicPr>
+              <p:cNvPr id="12" name="インク 11">
+                <a:extLst>
+                  <a:ext uri="{FF2B5EF4-FFF2-40B4-BE49-F238E27FC236}">
+                    <a16:creationId xmlns:a16="http://schemas.microsoft.com/office/drawing/2014/main" id="{212F3C95-648E-05A8-75BE-2ABF0DA00A17}"/>
+                  </a:ext>
+                </a:extLst>
+              </p:cNvPr>
+              <p:cNvPicPr/>
+              <p:nvPr/>
+            </p:nvPicPr>
+            <p:blipFill>
+              <a:blip r:embed="rId16"/>
+              <a:stretch>
+                <a:fillRect/>
+              </a:stretch>
+            </p:blipFill>
+            <p:spPr>
+              <a:xfrm>
+                <a:off x="3815640" y="2926800"/>
+                <a:ext cx="316800" cy="321480"/>
+              </a:xfrm>
+              <a:prstGeom prst="rect">
+                <a:avLst/>
+              </a:prstGeom>
+            </p:spPr>
+          </p:pic>
+        </mc:Fallback>
+      </mc:AlternateContent>
+      <mc:AlternateContent xmlns:mc="http://schemas.openxmlformats.org/markup-compatibility/2006">
+        <mc:Choice xmlns:p14="http://schemas.microsoft.com/office/powerpoint/2010/main" Requires="p14">
+          <p:contentPart p14:bwMode="auto" r:id="rId17">
+            <p14:nvContentPartPr>
+              <p14:cNvPr id="13" name="インク 12">
+                <a:extLst>
+                  <a:ext uri="{FF2B5EF4-FFF2-40B4-BE49-F238E27FC236}">
+                    <a16:creationId xmlns:a16="http://schemas.microsoft.com/office/drawing/2014/main" id="{53C5E665-E689-0650-53A5-B328E05CA8D1}"/>
+                  </a:ext>
+                </a:extLst>
+              </p14:cNvPr>
+              <p14:cNvContentPartPr/>
+              <p14:nvPr/>
+            </p14:nvContentPartPr>
+            <p14:xfrm>
+              <a:off x="4929480" y="2972160"/>
+              <a:ext cx="253080" cy="269640"/>
+            </p14:xfrm>
+          </p:contentPart>
+        </mc:Choice>
+        <mc:Fallback>
+          <p:pic>
+            <p:nvPicPr>
+              <p:cNvPr id="13" name="インク 12">
+                <a:extLst>
+                  <a:ext uri="{FF2B5EF4-FFF2-40B4-BE49-F238E27FC236}">
+                    <a16:creationId xmlns:a16="http://schemas.microsoft.com/office/drawing/2014/main" id="{53C5E665-E689-0650-53A5-B328E05CA8D1}"/>
+                  </a:ext>
+                </a:extLst>
+              </p:cNvPr>
+              <p:cNvPicPr/>
+              <p:nvPr/>
+            </p:nvPicPr>
+            <p:blipFill>
+              <a:blip r:embed="rId18"/>
+              <a:stretch>
+                <a:fillRect/>
+              </a:stretch>
+            </p:blipFill>
+            <p:spPr>
+              <a:xfrm>
+                <a:off x="4893480" y="2900520"/>
+                <a:ext cx="324720" cy="413280"/>
+              </a:xfrm>
+              <a:prstGeom prst="rect">
+                <a:avLst/>
+              </a:prstGeom>
+            </p:spPr>
+          </p:pic>
+        </mc:Fallback>
+      </mc:AlternateContent>
     </p:spTree>
     <p:extLst>
       <p:ext uri="{BB962C8B-B14F-4D97-AF65-F5344CB8AC3E}">
@@ -24690,6 +25870,108 @@
           </a:p>
         </p:txBody>
       </p:sp>
+      <mc:AlternateContent xmlns:mc="http://schemas.openxmlformats.org/markup-compatibility/2006">
+        <mc:Choice xmlns:p14="http://schemas.microsoft.com/office/powerpoint/2010/main" Requires="p14">
+          <p:contentPart p14:bwMode="auto" r:id="rId2">
+            <p14:nvContentPartPr>
+              <p14:cNvPr id="5" name="インク 4">
+                <a:extLst>
+                  <a:ext uri="{FF2B5EF4-FFF2-40B4-BE49-F238E27FC236}">
+                    <a16:creationId xmlns:a16="http://schemas.microsoft.com/office/drawing/2014/main" id="{A588FC12-485E-DEA3-1D69-975AA85E59A6}"/>
+                  </a:ext>
+                </a:extLst>
+              </p14:cNvPr>
+              <p14:cNvContentPartPr/>
+              <p14:nvPr/>
+            </p14:nvContentPartPr>
+            <p14:xfrm>
+              <a:off x="6114720" y="2550960"/>
+              <a:ext cx="3543120" cy="62280"/>
+            </p14:xfrm>
+          </p:contentPart>
+        </mc:Choice>
+        <mc:Fallback>
+          <p:pic>
+            <p:nvPicPr>
+              <p:cNvPr id="5" name="インク 4">
+                <a:extLst>
+                  <a:ext uri="{FF2B5EF4-FFF2-40B4-BE49-F238E27FC236}">
+                    <a16:creationId xmlns:a16="http://schemas.microsoft.com/office/drawing/2014/main" id="{A588FC12-485E-DEA3-1D69-975AA85E59A6}"/>
+                  </a:ext>
+                </a:extLst>
+              </p:cNvPr>
+              <p:cNvPicPr/>
+              <p:nvPr/>
+            </p:nvPicPr>
+            <p:blipFill>
+              <a:blip r:embed="rId3"/>
+              <a:stretch>
+                <a:fillRect/>
+              </a:stretch>
+            </p:blipFill>
+            <p:spPr>
+              <a:xfrm>
+                <a:off x="6078720" y="2479320"/>
+                <a:ext cx="3614760" cy="205920"/>
+              </a:xfrm>
+              <a:prstGeom prst="rect">
+                <a:avLst/>
+              </a:prstGeom>
+            </p:spPr>
+          </p:pic>
+        </mc:Fallback>
+      </mc:AlternateContent>
+      <mc:AlternateContent xmlns:mc="http://schemas.openxmlformats.org/markup-compatibility/2006">
+        <mc:Choice xmlns:p14="http://schemas.microsoft.com/office/powerpoint/2010/main" Requires="p14">
+          <p:contentPart p14:bwMode="auto" r:id="rId4">
+            <p14:nvContentPartPr>
+              <p14:cNvPr id="6" name="インク 5">
+                <a:extLst>
+                  <a:ext uri="{FF2B5EF4-FFF2-40B4-BE49-F238E27FC236}">
+                    <a16:creationId xmlns:a16="http://schemas.microsoft.com/office/drawing/2014/main" id="{A193840F-74C3-2719-9EEC-618617F2E10F}"/>
+                  </a:ext>
+                </a:extLst>
+              </p14:cNvPr>
+              <p14:cNvContentPartPr/>
+              <p14:nvPr/>
+            </p14:nvContentPartPr>
+            <p14:xfrm>
+              <a:off x="6715080" y="2982240"/>
+              <a:ext cx="473040" cy="8280"/>
+            </p14:xfrm>
+          </p:contentPart>
+        </mc:Choice>
+        <mc:Fallback>
+          <p:pic>
+            <p:nvPicPr>
+              <p:cNvPr id="6" name="インク 5">
+                <a:extLst>
+                  <a:ext uri="{FF2B5EF4-FFF2-40B4-BE49-F238E27FC236}">
+                    <a16:creationId xmlns:a16="http://schemas.microsoft.com/office/drawing/2014/main" id="{A193840F-74C3-2719-9EEC-618617F2E10F}"/>
+                  </a:ext>
+                </a:extLst>
+              </p:cNvPr>
+              <p:cNvPicPr/>
+              <p:nvPr/>
+            </p:nvPicPr>
+            <p:blipFill>
+              <a:blip r:embed="rId5"/>
+              <a:stretch>
+                <a:fillRect/>
+              </a:stretch>
+            </p:blipFill>
+            <p:spPr>
+              <a:xfrm>
+                <a:off x="6679080" y="2910240"/>
+                <a:ext cx="544680" cy="151920"/>
+              </a:xfrm>
+              <a:prstGeom prst="rect">
+                <a:avLst/>
+              </a:prstGeom>
+            </p:spPr>
+          </p:pic>
+        </mc:Fallback>
+      </mc:AlternateContent>
     </p:spTree>
     <p:extLst>
       <p:ext uri="{BB962C8B-B14F-4D97-AF65-F5344CB8AC3E}">
@@ -29170,8 +30452,8 @@
           </p:pic>
         </mc:Fallback>
       </mc:AlternateContent>
-      <mc:AlternateContent xmlns:mc="http://schemas.openxmlformats.org/markup-compatibility/2006">
-        <mc:Choice xmlns:a14="http://schemas.microsoft.com/office/drawing/2010/main" Requires="a14">
+      <mc:AlternateContent xmlns:mc="http://schemas.openxmlformats.org/markup-compatibility/2006" xmlns:a14="http://schemas.microsoft.com/office/drawing/2010/main">
+        <mc:Choice Requires="a14">
           <p:sp>
             <p:nvSpPr>
               <p:cNvPr id="16" name="TextBox 15">
@@ -29315,7 +30597,7 @@
             </p:txBody>
           </p:sp>
         </mc:Choice>
-        <mc:Fallback>
+        <mc:Fallback xmlns="">
           <p:sp>
             <p:nvSpPr>
               <p:cNvPr id="16" name="TextBox 15">
